--- a/ch05/自定义菜单.pptx
+++ b/ch05/自定义菜单.pptx
@@ -3104,7 +3104,7 @@
             </a:pPr>
             <a:r>
               <a:rPr lang="zh-CN" altLang="en-US"/>
-              <a:t>测试时可以尝试取消关注公众账号后再次关注，则可以看到创建后的效果。</a:t>
+              <a:t>测试时可以尝试取消关注公众号后再次关注，则可以看到创建后的效果。</a:t>
             </a:r>
             <a:endParaRPr lang="zh-CN" altLang="en-US"/>
           </a:p>
@@ -4427,31 +4427,7 @@
               <a:rPr lang="zh-CN" altLang="en-US">
                 <a:sym typeface="+mn-ea"/>
               </a:rPr>
-              <a:t>            </a:t>
-            </a:r>
-            <a:r>
-              <a:rPr lang="zh-CN" altLang="en-US">
-                <a:sym typeface="+mn-ea"/>
-              </a:rPr>
-              <a:t>"</a:t>
-            </a:r>
-            <a:r>
-              <a:rPr lang="zh-CN" altLang="en-US">
-                <a:sym typeface="+mn-ea"/>
-              </a:rPr>
-              <a:t>name</a:t>
-            </a:r>
-            <a:r>
-              <a:rPr lang="zh-CN" altLang="en-US">
-                <a:sym typeface="+mn-ea"/>
-              </a:rPr>
-              <a:t>"</a:t>
-            </a:r>
-            <a:r>
-              <a:rPr lang="zh-CN" altLang="en-US">
-                <a:sym typeface="+mn-ea"/>
-              </a:rPr>
-              <a:t> : "发图",</a:t>
+              <a:t>            "name" : "发图",</a:t>
             </a:r>
             <a:endParaRPr lang="zh-CN" altLang="en-US"/>
           </a:p>
@@ -4469,31 +4445,7 @@
               <a:rPr lang="zh-CN" altLang="en-US">
                 <a:sym typeface="+mn-ea"/>
               </a:rPr>
-              <a:t>            </a:t>
-            </a:r>
-            <a:r>
-              <a:rPr lang="zh-CN" altLang="en-US">
-                <a:sym typeface="+mn-ea"/>
-              </a:rPr>
-              <a:t>"</a:t>
-            </a:r>
-            <a:r>
-              <a:rPr lang="zh-CN" altLang="en-US">
-                <a:sym typeface="+mn-ea"/>
-              </a:rPr>
-              <a:t>type</a:t>
-            </a:r>
-            <a:r>
-              <a:rPr lang="zh-CN" altLang="en-US">
-                <a:sym typeface="+mn-ea"/>
-              </a:rPr>
-              <a:t>"</a:t>
-            </a:r>
-            <a:r>
-              <a:rPr lang="zh-CN" altLang="en-US">
-                <a:sym typeface="+mn-ea"/>
-              </a:rPr>
-              <a:t> : "pic_weixin",</a:t>
+              <a:t>            "type" : "pic_weixin",</a:t>
             </a:r>
             <a:endParaRPr lang="zh-CN" altLang="en-US"/>
           </a:p>
@@ -4511,31 +4463,7 @@
               <a:rPr lang="zh-CN" altLang="en-US">
                 <a:sym typeface="+mn-ea"/>
               </a:rPr>
-              <a:t>            </a:t>
-            </a:r>
-            <a:r>
-              <a:rPr lang="zh-CN" altLang="en-US">
-                <a:sym typeface="+mn-ea"/>
-              </a:rPr>
-              <a:t>"</a:t>
-            </a:r>
-            <a:r>
-              <a:rPr lang="zh-CN" altLang="en-US">
-                <a:sym typeface="+mn-ea"/>
-              </a:rPr>
-              <a:t>key</a:t>
-            </a:r>
-            <a:r>
-              <a:rPr lang="zh-CN" altLang="en-US">
-                <a:sym typeface="+mn-ea"/>
-              </a:rPr>
-              <a:t>"</a:t>
-            </a:r>
-            <a:r>
-              <a:rPr lang="zh-CN" altLang="en-US">
-                <a:sym typeface="+mn-ea"/>
-              </a:rPr>
-              <a:t>  : "my-image"</a:t>
+              <a:t>            "key"  : "my-image"</a:t>
             </a:r>
             <a:endParaRPr lang="zh-CN" altLang="en-US"/>
           </a:p>
@@ -4589,31 +4517,7 @@
               <a:rPr lang="zh-CN" altLang="en-US">
                 <a:sym typeface="+mn-ea"/>
               </a:rPr>
-              <a:t>            </a:t>
-            </a:r>
-            <a:r>
-              <a:rPr lang="zh-CN" altLang="en-US">
-                <a:sym typeface="+mn-ea"/>
-              </a:rPr>
-              <a:t>"</a:t>
-            </a:r>
-            <a:r>
-              <a:rPr lang="zh-CN" altLang="en-US">
-                <a:sym typeface="+mn-ea"/>
-              </a:rPr>
-              <a:t>name</a:t>
-            </a:r>
-            <a:r>
-              <a:rPr lang="zh-CN" altLang="en-US">
-                <a:sym typeface="+mn-ea"/>
-              </a:rPr>
-              <a:t>"</a:t>
-            </a:r>
-            <a:r>
-              <a:rPr lang="zh-CN" altLang="en-US">
-                <a:sym typeface="+mn-ea"/>
-              </a:rPr>
-              <a:t> : "关于我们",</a:t>
+              <a:t>            "name" : "关于我们",</a:t>
             </a:r>
             <a:endParaRPr lang="zh-CN" altLang="en-US"/>
           </a:p>
@@ -4631,31 +4535,7 @@
               <a:rPr lang="zh-CN" altLang="en-US">
                 <a:sym typeface="+mn-ea"/>
               </a:rPr>
-              <a:t>            </a:t>
-            </a:r>
-            <a:r>
-              <a:rPr lang="zh-CN" altLang="en-US">
-                <a:sym typeface="+mn-ea"/>
-              </a:rPr>
-              <a:t>"</a:t>
-            </a:r>
-            <a:r>
-              <a:rPr lang="zh-CN" altLang="en-US">
-                <a:sym typeface="+mn-ea"/>
-              </a:rPr>
-              <a:t>type</a:t>
-            </a:r>
-            <a:r>
-              <a:rPr lang="zh-CN" altLang="en-US">
-                <a:sym typeface="+mn-ea"/>
-              </a:rPr>
-              <a:t>"</a:t>
-            </a:r>
-            <a:r>
-              <a:rPr lang="zh-CN" altLang="en-US">
-                <a:sym typeface="+mn-ea"/>
-              </a:rPr>
-              <a:t> : "click",</a:t>
+              <a:t>            "type" : "click",</a:t>
             </a:r>
             <a:endParaRPr lang="zh-CN" altLang="en-US"/>
           </a:p>
@@ -4673,31 +4553,7 @@
               <a:rPr lang="zh-CN" altLang="en-US">
                 <a:sym typeface="+mn-ea"/>
               </a:rPr>
-              <a:t>            </a:t>
-            </a:r>
-            <a:r>
-              <a:rPr lang="zh-CN" altLang="en-US">
-                <a:sym typeface="+mn-ea"/>
-              </a:rPr>
-              <a:t>"</a:t>
-            </a:r>
-            <a:r>
-              <a:rPr lang="zh-CN" altLang="en-US">
-                <a:sym typeface="+mn-ea"/>
-              </a:rPr>
-              <a:t>key</a:t>
-            </a:r>
-            <a:r>
-              <a:rPr lang="zh-CN" altLang="en-US">
-                <a:sym typeface="+mn-ea"/>
-              </a:rPr>
-              <a:t>"</a:t>
-            </a:r>
-            <a:r>
-              <a:rPr lang="zh-CN" altLang="en-US">
-                <a:sym typeface="+mn-ea"/>
-              </a:rPr>
-              <a:t>  : "about-us"</a:t>
+              <a:t>            "key"  : "about-us"</a:t>
             </a:r>
             <a:endParaRPr lang="zh-CN" altLang="en-US"/>
           </a:p>

--- a/ch05/自定义菜单.pptx
+++ b/ch05/自定义菜单.pptx
@@ -63,7 +63,7 @@
       </p:grpSpPr>
       <p:sp>
         <p:nvSpPr>
-          <p:cNvPr id="26" name="PlaceHolder 1"/>
+          <p:cNvPr id="23" name="PlaceHolder 1"/>
           <p:cNvSpPr>
             <a:spLocks noGrp="1"/>
           </p:cNvSpPr>
@@ -73,8 +73,8 @@
         </p:nvSpPr>
         <p:spPr>
           <a:xfrm>
-            <a:off x="838080" y="365040"/>
-            <a:ext cx="10515240" cy="791640"/>
+            <a:off x="609480" y="273600"/>
+            <a:ext cx="10972440" cy="1144800"/>
           </a:xfrm>
           <a:prstGeom prst="rect">
             <a:avLst/>
@@ -83,18 +83,16 @@
         <p:txBody>
           <a:bodyPr lIns="0" rIns="0" tIns="0" bIns="0" anchor="ctr"/>
           <a:p>
-            <a:endParaRPr b="0" lang="zh-CN" sz="1800" spc="-1" strike="noStrike">
-              <a:solidFill>
-                <a:srgbClr val="000000"/>
-              </a:solidFill>
-              <a:latin typeface="Calibri"/>
-            </a:endParaRPr>
-          </a:p>
-        </p:txBody>
-      </p:sp>
-      <p:sp>
-        <p:nvSpPr>
-          <p:cNvPr id="27" name="PlaceHolder 2"/>
+            <a:pPr algn="ctr"/>
+            <a:endParaRPr b="0" lang="en-US" sz="4400" spc="-1" strike="noStrike">
+              <a:latin typeface="Arial"/>
+            </a:endParaRPr>
+          </a:p>
+        </p:txBody>
+      </p:sp>
+      <p:sp>
+        <p:nvSpPr>
+          <p:cNvPr id="24" name="PlaceHolder 2"/>
           <p:cNvSpPr>
             <a:spLocks noGrp="1"/>
           </p:cNvSpPr>
@@ -104,8 +102,8 @@
         </p:nvSpPr>
         <p:spPr>
           <a:xfrm>
-            <a:off x="838080" y="1335960"/>
-            <a:ext cx="10515240" cy="2394000"/>
+            <a:off x="609480" y="1604520"/>
+            <a:ext cx="10972440" cy="1896840"/>
           </a:xfrm>
           <a:prstGeom prst="rect">
             <a:avLst/>
@@ -116,18 +114,15 @@
             <a:normAutofit/>
           </a:bodyPr>
           <a:p>
-            <a:endParaRPr b="0" lang="zh-CN" sz="2800" spc="-1" strike="noStrike">
-              <a:solidFill>
-                <a:srgbClr val="000000"/>
-              </a:solidFill>
-              <a:latin typeface="Calibri"/>
-            </a:endParaRPr>
-          </a:p>
-        </p:txBody>
-      </p:sp>
-      <p:sp>
-        <p:nvSpPr>
-          <p:cNvPr id="28" name="PlaceHolder 3"/>
+            <a:endParaRPr b="0" lang="en-US" sz="3200" spc="-1" strike="noStrike">
+              <a:latin typeface="Arial"/>
+            </a:endParaRPr>
+          </a:p>
+        </p:txBody>
+      </p:sp>
+      <p:sp>
+        <p:nvSpPr>
+          <p:cNvPr id="25" name="PlaceHolder 3"/>
           <p:cNvSpPr>
             <a:spLocks noGrp="1"/>
           </p:cNvSpPr>
@@ -137,8 +132,8 @@
         </p:nvSpPr>
         <p:spPr>
           <a:xfrm>
-            <a:off x="838080" y="3957840"/>
-            <a:ext cx="10515240" cy="2394000"/>
+            <a:off x="609480" y="3682080"/>
+            <a:ext cx="10972440" cy="1896840"/>
           </a:xfrm>
           <a:prstGeom prst="rect">
             <a:avLst/>
@@ -149,11 +144,8 @@
             <a:normAutofit/>
           </a:bodyPr>
           <a:p>
-            <a:endParaRPr b="0" lang="zh-CN" sz="2800" spc="-1" strike="noStrike">
-              <a:solidFill>
-                <a:srgbClr val="000000"/>
-              </a:solidFill>
-              <a:latin typeface="Calibri"/>
+            <a:endParaRPr b="0" lang="en-US" sz="3200" spc="-1" strike="noStrike">
+              <a:latin typeface="Arial"/>
             </a:endParaRPr>
           </a:p>
         </p:txBody>
@@ -182,7 +174,7 @@
       </p:grpSpPr>
       <p:sp>
         <p:nvSpPr>
-          <p:cNvPr id="29" name="PlaceHolder 1"/>
+          <p:cNvPr id="26" name="PlaceHolder 1"/>
           <p:cNvSpPr>
             <a:spLocks noGrp="1"/>
           </p:cNvSpPr>
@@ -192,8 +184,8 @@
         </p:nvSpPr>
         <p:spPr>
           <a:xfrm>
-            <a:off x="838080" y="365040"/>
-            <a:ext cx="10515240" cy="791640"/>
+            <a:off x="609480" y="273600"/>
+            <a:ext cx="10972440" cy="1144800"/>
           </a:xfrm>
           <a:prstGeom prst="rect">
             <a:avLst/>
@@ -202,18 +194,16 @@
         <p:txBody>
           <a:bodyPr lIns="0" rIns="0" tIns="0" bIns="0" anchor="ctr"/>
           <a:p>
-            <a:endParaRPr b="0" lang="zh-CN" sz="1800" spc="-1" strike="noStrike">
-              <a:solidFill>
-                <a:srgbClr val="000000"/>
-              </a:solidFill>
-              <a:latin typeface="Calibri"/>
-            </a:endParaRPr>
-          </a:p>
-        </p:txBody>
-      </p:sp>
-      <p:sp>
-        <p:nvSpPr>
-          <p:cNvPr id="30" name="PlaceHolder 2"/>
+            <a:pPr algn="ctr"/>
+            <a:endParaRPr b="0" lang="en-US" sz="4400" spc="-1" strike="noStrike">
+              <a:latin typeface="Arial"/>
+            </a:endParaRPr>
+          </a:p>
+        </p:txBody>
+      </p:sp>
+      <p:sp>
+        <p:nvSpPr>
+          <p:cNvPr id="27" name="PlaceHolder 2"/>
           <p:cNvSpPr>
             <a:spLocks noGrp="1"/>
           </p:cNvSpPr>
@@ -223,8 +213,8 @@
         </p:nvSpPr>
         <p:spPr>
           <a:xfrm>
-            <a:off x="838080" y="1335960"/>
-            <a:ext cx="5131080" cy="2394000"/>
+            <a:off x="609480" y="1604520"/>
+            <a:ext cx="5354280" cy="1896840"/>
           </a:xfrm>
           <a:prstGeom prst="rect">
             <a:avLst/>
@@ -235,18 +225,15 @@
             <a:normAutofit/>
           </a:bodyPr>
           <a:p>
-            <a:endParaRPr b="0" lang="zh-CN" sz="2800" spc="-1" strike="noStrike">
-              <a:solidFill>
-                <a:srgbClr val="000000"/>
-              </a:solidFill>
-              <a:latin typeface="Calibri"/>
-            </a:endParaRPr>
-          </a:p>
-        </p:txBody>
-      </p:sp>
-      <p:sp>
-        <p:nvSpPr>
-          <p:cNvPr id="31" name="PlaceHolder 3"/>
+            <a:endParaRPr b="0" lang="en-US" sz="3200" spc="-1" strike="noStrike">
+              <a:latin typeface="Arial"/>
+            </a:endParaRPr>
+          </a:p>
+        </p:txBody>
+      </p:sp>
+      <p:sp>
+        <p:nvSpPr>
+          <p:cNvPr id="28" name="PlaceHolder 3"/>
           <p:cNvSpPr>
             <a:spLocks noGrp="1"/>
           </p:cNvSpPr>
@@ -256,8 +243,8 @@
         </p:nvSpPr>
         <p:spPr>
           <a:xfrm>
-            <a:off x="6226200" y="1335960"/>
-            <a:ext cx="5131080" cy="2394000"/>
+            <a:off x="6231960" y="1604520"/>
+            <a:ext cx="5354280" cy="1896840"/>
           </a:xfrm>
           <a:prstGeom prst="rect">
             <a:avLst/>
@@ -268,18 +255,15 @@
             <a:normAutofit/>
           </a:bodyPr>
           <a:p>
-            <a:endParaRPr b="0" lang="zh-CN" sz="2800" spc="-1" strike="noStrike">
-              <a:solidFill>
-                <a:srgbClr val="000000"/>
-              </a:solidFill>
-              <a:latin typeface="Calibri"/>
-            </a:endParaRPr>
-          </a:p>
-        </p:txBody>
-      </p:sp>
-      <p:sp>
-        <p:nvSpPr>
-          <p:cNvPr id="32" name="PlaceHolder 4"/>
+            <a:endParaRPr b="0" lang="en-US" sz="3200" spc="-1" strike="noStrike">
+              <a:latin typeface="Arial"/>
+            </a:endParaRPr>
+          </a:p>
+        </p:txBody>
+      </p:sp>
+      <p:sp>
+        <p:nvSpPr>
+          <p:cNvPr id="29" name="PlaceHolder 4"/>
           <p:cNvSpPr>
             <a:spLocks noGrp="1"/>
           </p:cNvSpPr>
@@ -289,8 +273,8 @@
         </p:nvSpPr>
         <p:spPr>
           <a:xfrm>
-            <a:off x="838080" y="3957840"/>
-            <a:ext cx="5131080" cy="2394000"/>
+            <a:off x="609480" y="3682080"/>
+            <a:ext cx="5354280" cy="1896840"/>
           </a:xfrm>
           <a:prstGeom prst="rect">
             <a:avLst/>
@@ -301,18 +285,15 @@
             <a:normAutofit/>
           </a:bodyPr>
           <a:p>
-            <a:endParaRPr b="0" lang="zh-CN" sz="2800" spc="-1" strike="noStrike">
-              <a:solidFill>
-                <a:srgbClr val="000000"/>
-              </a:solidFill>
-              <a:latin typeface="Calibri"/>
-            </a:endParaRPr>
-          </a:p>
-        </p:txBody>
-      </p:sp>
-      <p:sp>
-        <p:nvSpPr>
-          <p:cNvPr id="33" name="PlaceHolder 5"/>
+            <a:endParaRPr b="0" lang="en-US" sz="3200" spc="-1" strike="noStrike">
+              <a:latin typeface="Arial"/>
+            </a:endParaRPr>
+          </a:p>
+        </p:txBody>
+      </p:sp>
+      <p:sp>
+        <p:nvSpPr>
+          <p:cNvPr id="30" name="PlaceHolder 5"/>
           <p:cNvSpPr>
             <a:spLocks noGrp="1"/>
           </p:cNvSpPr>
@@ -322,8 +303,8 @@
         </p:nvSpPr>
         <p:spPr>
           <a:xfrm>
-            <a:off x="6226200" y="3957840"/>
-            <a:ext cx="5131080" cy="2394000"/>
+            <a:off x="6231960" y="3682080"/>
+            <a:ext cx="5354280" cy="1896840"/>
           </a:xfrm>
           <a:prstGeom prst="rect">
             <a:avLst/>
@@ -334,11 +315,8 @@
             <a:normAutofit/>
           </a:bodyPr>
           <a:p>
-            <a:endParaRPr b="0" lang="zh-CN" sz="2800" spc="-1" strike="noStrike">
-              <a:solidFill>
-                <a:srgbClr val="000000"/>
-              </a:solidFill>
-              <a:latin typeface="Calibri"/>
+            <a:endParaRPr b="0" lang="en-US" sz="3200" spc="-1" strike="noStrike">
+              <a:latin typeface="Arial"/>
             </a:endParaRPr>
           </a:p>
         </p:txBody>
@@ -367,7 +345,7 @@
       </p:grpSpPr>
       <p:sp>
         <p:nvSpPr>
-          <p:cNvPr id="34" name="PlaceHolder 1"/>
+          <p:cNvPr id="31" name="PlaceHolder 1"/>
           <p:cNvSpPr>
             <a:spLocks noGrp="1"/>
           </p:cNvSpPr>
@@ -377,8 +355,8 @@
         </p:nvSpPr>
         <p:spPr>
           <a:xfrm>
-            <a:off x="838080" y="365040"/>
-            <a:ext cx="10515240" cy="791640"/>
+            <a:off x="609480" y="273600"/>
+            <a:ext cx="10972440" cy="1144800"/>
           </a:xfrm>
           <a:prstGeom prst="rect">
             <a:avLst/>
@@ -387,18 +365,16 @@
         <p:txBody>
           <a:bodyPr lIns="0" rIns="0" tIns="0" bIns="0" anchor="ctr"/>
           <a:p>
-            <a:endParaRPr b="0" lang="zh-CN" sz="1800" spc="-1" strike="noStrike">
-              <a:solidFill>
-                <a:srgbClr val="000000"/>
-              </a:solidFill>
-              <a:latin typeface="Calibri"/>
-            </a:endParaRPr>
-          </a:p>
-        </p:txBody>
-      </p:sp>
-      <p:sp>
-        <p:nvSpPr>
-          <p:cNvPr id="35" name="PlaceHolder 2"/>
+            <a:pPr algn="ctr"/>
+            <a:endParaRPr b="0" lang="en-US" sz="4400" spc="-1" strike="noStrike">
+              <a:latin typeface="Arial"/>
+            </a:endParaRPr>
+          </a:p>
+        </p:txBody>
+      </p:sp>
+      <p:sp>
+        <p:nvSpPr>
+          <p:cNvPr id="32" name="PlaceHolder 2"/>
           <p:cNvSpPr>
             <a:spLocks noGrp="1"/>
           </p:cNvSpPr>
@@ -408,8 +384,8 @@
         </p:nvSpPr>
         <p:spPr>
           <a:xfrm>
-            <a:off x="838080" y="1335960"/>
-            <a:ext cx="3385800" cy="2394000"/>
+            <a:off x="609480" y="1604520"/>
+            <a:ext cx="3533040" cy="1896840"/>
           </a:xfrm>
           <a:prstGeom prst="rect">
             <a:avLst/>
@@ -420,18 +396,15 @@
             <a:normAutofit/>
           </a:bodyPr>
           <a:p>
-            <a:endParaRPr b="0" lang="zh-CN" sz="2800" spc="-1" strike="noStrike">
-              <a:solidFill>
-                <a:srgbClr val="000000"/>
-              </a:solidFill>
-              <a:latin typeface="Calibri"/>
-            </a:endParaRPr>
-          </a:p>
-        </p:txBody>
-      </p:sp>
-      <p:sp>
-        <p:nvSpPr>
-          <p:cNvPr id="36" name="PlaceHolder 3"/>
+            <a:endParaRPr b="0" lang="en-US" sz="3200" spc="-1" strike="noStrike">
+              <a:latin typeface="Arial"/>
+            </a:endParaRPr>
+          </a:p>
+        </p:txBody>
+      </p:sp>
+      <p:sp>
+        <p:nvSpPr>
+          <p:cNvPr id="33" name="PlaceHolder 3"/>
           <p:cNvSpPr>
             <a:spLocks noGrp="1"/>
           </p:cNvSpPr>
@@ -441,8 +414,8 @@
         </p:nvSpPr>
         <p:spPr>
           <a:xfrm>
-            <a:off x="4393440" y="1335960"/>
-            <a:ext cx="3385800" cy="2394000"/>
+            <a:off x="4319640" y="1604520"/>
+            <a:ext cx="3533040" cy="1896840"/>
           </a:xfrm>
           <a:prstGeom prst="rect">
             <a:avLst/>
@@ -453,18 +426,15 @@
             <a:normAutofit/>
           </a:bodyPr>
           <a:p>
-            <a:endParaRPr b="0" lang="zh-CN" sz="2800" spc="-1" strike="noStrike">
-              <a:solidFill>
-                <a:srgbClr val="000000"/>
-              </a:solidFill>
-              <a:latin typeface="Calibri"/>
-            </a:endParaRPr>
-          </a:p>
-        </p:txBody>
-      </p:sp>
-      <p:sp>
-        <p:nvSpPr>
-          <p:cNvPr id="37" name="PlaceHolder 4"/>
+            <a:endParaRPr b="0" lang="en-US" sz="3200" spc="-1" strike="noStrike">
+              <a:latin typeface="Arial"/>
+            </a:endParaRPr>
+          </a:p>
+        </p:txBody>
+      </p:sp>
+      <p:sp>
+        <p:nvSpPr>
+          <p:cNvPr id="34" name="PlaceHolder 4"/>
           <p:cNvSpPr>
             <a:spLocks noGrp="1"/>
           </p:cNvSpPr>
@@ -474,8 +444,8 @@
         </p:nvSpPr>
         <p:spPr>
           <a:xfrm>
-            <a:off x="7949160" y="1335960"/>
-            <a:ext cx="3385800" cy="2394000"/>
+            <a:off x="8029800" y="1604520"/>
+            <a:ext cx="3533040" cy="1896840"/>
           </a:xfrm>
           <a:prstGeom prst="rect">
             <a:avLst/>
@@ -486,18 +456,15 @@
             <a:normAutofit/>
           </a:bodyPr>
           <a:p>
-            <a:endParaRPr b="0" lang="zh-CN" sz="2800" spc="-1" strike="noStrike">
-              <a:solidFill>
-                <a:srgbClr val="000000"/>
-              </a:solidFill>
-              <a:latin typeface="Calibri"/>
-            </a:endParaRPr>
-          </a:p>
-        </p:txBody>
-      </p:sp>
-      <p:sp>
-        <p:nvSpPr>
-          <p:cNvPr id="38" name="PlaceHolder 5"/>
+            <a:endParaRPr b="0" lang="en-US" sz="3200" spc="-1" strike="noStrike">
+              <a:latin typeface="Arial"/>
+            </a:endParaRPr>
+          </a:p>
+        </p:txBody>
+      </p:sp>
+      <p:sp>
+        <p:nvSpPr>
+          <p:cNvPr id="35" name="PlaceHolder 5"/>
           <p:cNvSpPr>
             <a:spLocks noGrp="1"/>
           </p:cNvSpPr>
@@ -507,8 +474,8 @@
         </p:nvSpPr>
         <p:spPr>
           <a:xfrm>
-            <a:off x="838080" y="3957840"/>
-            <a:ext cx="3385800" cy="2394000"/>
+            <a:off x="609480" y="3682080"/>
+            <a:ext cx="3533040" cy="1896840"/>
           </a:xfrm>
           <a:prstGeom prst="rect">
             <a:avLst/>
@@ -519,18 +486,15 @@
             <a:normAutofit/>
           </a:bodyPr>
           <a:p>
-            <a:endParaRPr b="0" lang="zh-CN" sz="2800" spc="-1" strike="noStrike">
-              <a:solidFill>
-                <a:srgbClr val="000000"/>
-              </a:solidFill>
-              <a:latin typeface="Calibri"/>
-            </a:endParaRPr>
-          </a:p>
-        </p:txBody>
-      </p:sp>
-      <p:sp>
-        <p:nvSpPr>
-          <p:cNvPr id="39" name="PlaceHolder 6"/>
+            <a:endParaRPr b="0" lang="en-US" sz="3200" spc="-1" strike="noStrike">
+              <a:latin typeface="Arial"/>
+            </a:endParaRPr>
+          </a:p>
+        </p:txBody>
+      </p:sp>
+      <p:sp>
+        <p:nvSpPr>
+          <p:cNvPr id="36" name="PlaceHolder 6"/>
           <p:cNvSpPr>
             <a:spLocks noGrp="1"/>
           </p:cNvSpPr>
@@ -540,8 +504,8 @@
         </p:nvSpPr>
         <p:spPr>
           <a:xfrm>
-            <a:off x="4393440" y="3957840"/>
-            <a:ext cx="3385800" cy="2394000"/>
+            <a:off x="4319640" y="3682080"/>
+            <a:ext cx="3533040" cy="1896840"/>
           </a:xfrm>
           <a:prstGeom prst="rect">
             <a:avLst/>
@@ -552,18 +516,15 @@
             <a:normAutofit/>
           </a:bodyPr>
           <a:p>
-            <a:endParaRPr b="0" lang="zh-CN" sz="2800" spc="-1" strike="noStrike">
-              <a:solidFill>
-                <a:srgbClr val="000000"/>
-              </a:solidFill>
-              <a:latin typeface="Calibri"/>
-            </a:endParaRPr>
-          </a:p>
-        </p:txBody>
-      </p:sp>
-      <p:sp>
-        <p:nvSpPr>
-          <p:cNvPr id="40" name="PlaceHolder 7"/>
+            <a:endParaRPr b="0" lang="en-US" sz="3200" spc="-1" strike="noStrike">
+              <a:latin typeface="Arial"/>
+            </a:endParaRPr>
+          </a:p>
+        </p:txBody>
+      </p:sp>
+      <p:sp>
+        <p:nvSpPr>
+          <p:cNvPr id="37" name="PlaceHolder 7"/>
           <p:cNvSpPr>
             <a:spLocks noGrp="1"/>
           </p:cNvSpPr>
@@ -573,8 +534,8 @@
         </p:nvSpPr>
         <p:spPr>
           <a:xfrm>
-            <a:off x="7949160" y="3957840"/>
-            <a:ext cx="3385800" cy="2394000"/>
+            <a:off x="8029800" y="3682080"/>
+            <a:ext cx="3533040" cy="1896840"/>
           </a:xfrm>
           <a:prstGeom prst="rect">
             <a:avLst/>
@@ -585,11 +546,8 @@
             <a:normAutofit/>
           </a:bodyPr>
           <a:p>
-            <a:endParaRPr b="0" lang="zh-CN" sz="2800" spc="-1" strike="noStrike">
-              <a:solidFill>
-                <a:srgbClr val="000000"/>
-              </a:solidFill>
-              <a:latin typeface="Calibri"/>
+            <a:endParaRPr b="0" lang="en-US" sz="3200" spc="-1" strike="noStrike">
+              <a:latin typeface="Arial"/>
             </a:endParaRPr>
           </a:p>
         </p:txBody>
@@ -640,7 +598,7 @@
       </p:grpSpPr>
       <p:sp>
         <p:nvSpPr>
-          <p:cNvPr id="46" name="PlaceHolder 1"/>
+          <p:cNvPr id="40" name="PlaceHolder 1"/>
           <p:cNvSpPr>
             <a:spLocks noGrp="1"/>
           </p:cNvSpPr>
@@ -650,8 +608,8 @@
         </p:nvSpPr>
         <p:spPr>
           <a:xfrm>
-            <a:off x="838080" y="365040"/>
-            <a:ext cx="10515240" cy="791640"/>
+            <a:off x="609480" y="273600"/>
+            <a:ext cx="10972440" cy="1144800"/>
           </a:xfrm>
           <a:prstGeom prst="rect">
             <a:avLst/>
@@ -660,18 +618,16 @@
         <p:txBody>
           <a:bodyPr lIns="0" rIns="0" tIns="0" bIns="0" anchor="ctr"/>
           <a:p>
-            <a:endParaRPr b="0" lang="zh-CN" sz="1800" spc="-1" strike="noStrike">
-              <a:solidFill>
-                <a:srgbClr val="000000"/>
-              </a:solidFill>
-              <a:latin typeface="Calibri"/>
-            </a:endParaRPr>
-          </a:p>
-        </p:txBody>
-      </p:sp>
-      <p:sp>
-        <p:nvSpPr>
-          <p:cNvPr id="47" name="PlaceHolder 2"/>
+            <a:pPr algn="ctr"/>
+            <a:endParaRPr b="0" lang="en-US" sz="4400" spc="-1" strike="noStrike">
+              <a:latin typeface="Arial"/>
+            </a:endParaRPr>
+          </a:p>
+        </p:txBody>
+      </p:sp>
+      <p:sp>
+        <p:nvSpPr>
+          <p:cNvPr id="41" name="PlaceHolder 2"/>
           <p:cNvSpPr>
             <a:spLocks noGrp="1"/>
           </p:cNvSpPr>
@@ -681,8 +637,8 @@
         </p:nvSpPr>
         <p:spPr>
           <a:xfrm>
-            <a:off x="838080" y="1335960"/>
-            <a:ext cx="10515240" cy="5019480"/>
+            <a:off x="609480" y="1604520"/>
+            <a:ext cx="10972440" cy="3977280"/>
           </a:xfrm>
           <a:prstGeom prst="rect">
             <a:avLst/>
@@ -722,7 +678,7 @@
       </p:grpSpPr>
       <p:sp>
         <p:nvSpPr>
-          <p:cNvPr id="48" name="PlaceHolder 1"/>
+          <p:cNvPr id="42" name="PlaceHolder 1"/>
           <p:cNvSpPr>
             <a:spLocks noGrp="1"/>
           </p:cNvSpPr>
@@ -732,8 +688,8 @@
         </p:nvSpPr>
         <p:spPr>
           <a:xfrm>
-            <a:off x="838080" y="365040"/>
-            <a:ext cx="10515240" cy="791640"/>
+            <a:off x="609480" y="273600"/>
+            <a:ext cx="10972440" cy="1144800"/>
           </a:xfrm>
           <a:prstGeom prst="rect">
             <a:avLst/>
@@ -742,18 +698,16 @@
         <p:txBody>
           <a:bodyPr lIns="0" rIns="0" tIns="0" bIns="0" anchor="ctr"/>
           <a:p>
-            <a:endParaRPr b="0" lang="zh-CN" sz="1800" spc="-1" strike="noStrike">
-              <a:solidFill>
-                <a:srgbClr val="000000"/>
-              </a:solidFill>
-              <a:latin typeface="Calibri"/>
-            </a:endParaRPr>
-          </a:p>
-        </p:txBody>
-      </p:sp>
-      <p:sp>
-        <p:nvSpPr>
-          <p:cNvPr id="49" name="PlaceHolder 2"/>
+            <a:pPr algn="ctr"/>
+            <a:endParaRPr b="0" lang="en-US" sz="4400" spc="-1" strike="noStrike">
+              <a:latin typeface="Arial"/>
+            </a:endParaRPr>
+          </a:p>
+        </p:txBody>
+      </p:sp>
+      <p:sp>
+        <p:nvSpPr>
+          <p:cNvPr id="43" name="PlaceHolder 2"/>
           <p:cNvSpPr>
             <a:spLocks noGrp="1"/>
           </p:cNvSpPr>
@@ -763,8 +717,8 @@
         </p:nvSpPr>
         <p:spPr>
           <a:xfrm>
-            <a:off x="838080" y="1335960"/>
-            <a:ext cx="10515240" cy="5019480"/>
+            <a:off x="609480" y="1604520"/>
+            <a:ext cx="10972440" cy="3977280"/>
           </a:xfrm>
           <a:prstGeom prst="rect">
             <a:avLst/>
@@ -775,11 +729,8 @@
             <a:normAutofit/>
           </a:bodyPr>
           <a:p>
-            <a:endParaRPr b="0" lang="zh-CN" sz="2800" spc="-1" strike="noStrike">
-              <a:solidFill>
-                <a:srgbClr val="000000"/>
-              </a:solidFill>
-              <a:latin typeface="Calibri"/>
+            <a:endParaRPr b="0" lang="en-US" sz="3200" spc="-1" strike="noStrike">
+              <a:latin typeface="Arial"/>
             </a:endParaRPr>
           </a:p>
         </p:txBody>
@@ -808,7 +759,7 @@
       </p:grpSpPr>
       <p:sp>
         <p:nvSpPr>
-          <p:cNvPr id="50" name="PlaceHolder 1"/>
+          <p:cNvPr id="44" name="PlaceHolder 1"/>
           <p:cNvSpPr>
             <a:spLocks noGrp="1"/>
           </p:cNvSpPr>
@@ -818,8 +769,8 @@
         </p:nvSpPr>
         <p:spPr>
           <a:xfrm>
-            <a:off x="838080" y="365040"/>
-            <a:ext cx="10515240" cy="791640"/>
+            <a:off x="609480" y="273600"/>
+            <a:ext cx="10972440" cy="1144800"/>
           </a:xfrm>
           <a:prstGeom prst="rect">
             <a:avLst/>
@@ -828,18 +779,16 @@
         <p:txBody>
           <a:bodyPr lIns="0" rIns="0" tIns="0" bIns="0" anchor="ctr"/>
           <a:p>
-            <a:endParaRPr b="0" lang="zh-CN" sz="1800" spc="-1" strike="noStrike">
-              <a:solidFill>
-                <a:srgbClr val="000000"/>
-              </a:solidFill>
-              <a:latin typeface="Calibri"/>
-            </a:endParaRPr>
-          </a:p>
-        </p:txBody>
-      </p:sp>
-      <p:sp>
-        <p:nvSpPr>
-          <p:cNvPr id="51" name="PlaceHolder 2"/>
+            <a:pPr algn="ctr"/>
+            <a:endParaRPr b="0" lang="en-US" sz="4400" spc="-1" strike="noStrike">
+              <a:latin typeface="Arial"/>
+            </a:endParaRPr>
+          </a:p>
+        </p:txBody>
+      </p:sp>
+      <p:sp>
+        <p:nvSpPr>
+          <p:cNvPr id="45" name="PlaceHolder 2"/>
           <p:cNvSpPr>
             <a:spLocks noGrp="1"/>
           </p:cNvSpPr>
@@ -849,8 +798,8 @@
         </p:nvSpPr>
         <p:spPr>
           <a:xfrm>
-            <a:off x="838080" y="1335960"/>
-            <a:ext cx="5131080" cy="5019480"/>
+            <a:off x="609480" y="1604520"/>
+            <a:ext cx="5354280" cy="3977280"/>
           </a:xfrm>
           <a:prstGeom prst="rect">
             <a:avLst/>
@@ -861,18 +810,15 @@
             <a:normAutofit/>
           </a:bodyPr>
           <a:p>
-            <a:endParaRPr b="0" lang="zh-CN" sz="2800" spc="-1" strike="noStrike">
-              <a:solidFill>
-                <a:srgbClr val="000000"/>
-              </a:solidFill>
-              <a:latin typeface="Calibri"/>
-            </a:endParaRPr>
-          </a:p>
-        </p:txBody>
-      </p:sp>
-      <p:sp>
-        <p:nvSpPr>
-          <p:cNvPr id="52" name="PlaceHolder 3"/>
+            <a:endParaRPr b="0" lang="en-US" sz="3200" spc="-1" strike="noStrike">
+              <a:latin typeface="Arial"/>
+            </a:endParaRPr>
+          </a:p>
+        </p:txBody>
+      </p:sp>
+      <p:sp>
+        <p:nvSpPr>
+          <p:cNvPr id="46" name="PlaceHolder 3"/>
           <p:cNvSpPr>
             <a:spLocks noGrp="1"/>
           </p:cNvSpPr>
@@ -882,8 +828,8 @@
         </p:nvSpPr>
         <p:spPr>
           <a:xfrm>
-            <a:off x="6226200" y="1335960"/>
-            <a:ext cx="5131080" cy="5019480"/>
+            <a:off x="6231960" y="1604520"/>
+            <a:ext cx="5354280" cy="3977280"/>
           </a:xfrm>
           <a:prstGeom prst="rect">
             <a:avLst/>
@@ -894,11 +840,8 @@
             <a:normAutofit/>
           </a:bodyPr>
           <a:p>
-            <a:endParaRPr b="0" lang="zh-CN" sz="2800" spc="-1" strike="noStrike">
-              <a:solidFill>
-                <a:srgbClr val="000000"/>
-              </a:solidFill>
-              <a:latin typeface="Calibri"/>
+            <a:endParaRPr b="0" lang="en-US" sz="3200" spc="-1" strike="noStrike">
+              <a:latin typeface="Arial"/>
             </a:endParaRPr>
           </a:p>
         </p:txBody>
@@ -927,7 +870,7 @@
       </p:grpSpPr>
       <p:sp>
         <p:nvSpPr>
-          <p:cNvPr id="53" name="PlaceHolder 1"/>
+          <p:cNvPr id="47" name="PlaceHolder 1"/>
           <p:cNvSpPr>
             <a:spLocks noGrp="1"/>
           </p:cNvSpPr>
@@ -937,8 +880,8 @@
         </p:nvSpPr>
         <p:spPr>
           <a:xfrm>
-            <a:off x="838080" y="365040"/>
-            <a:ext cx="10515240" cy="791640"/>
+            <a:off x="609480" y="273600"/>
+            <a:ext cx="10972440" cy="1144800"/>
           </a:xfrm>
           <a:prstGeom prst="rect">
             <a:avLst/>
@@ -947,11 +890,9 @@
         <p:txBody>
           <a:bodyPr lIns="0" rIns="0" tIns="0" bIns="0" anchor="ctr"/>
           <a:p>
-            <a:endParaRPr b="0" lang="zh-CN" sz="1800" spc="-1" strike="noStrike">
-              <a:solidFill>
-                <a:srgbClr val="000000"/>
-              </a:solidFill>
-              <a:latin typeface="Calibri"/>
+            <a:pPr algn="ctr"/>
+            <a:endParaRPr b="0" lang="en-US" sz="4400" spc="-1" strike="noStrike">
+              <a:latin typeface="Arial"/>
             </a:endParaRPr>
           </a:p>
         </p:txBody>
@@ -980,7 +921,7 @@
       </p:grpSpPr>
       <p:sp>
         <p:nvSpPr>
-          <p:cNvPr id="54" name="PlaceHolder 1"/>
+          <p:cNvPr id="48" name="PlaceHolder 1"/>
           <p:cNvSpPr>
             <a:spLocks noGrp="1"/>
           </p:cNvSpPr>
@@ -990,8 +931,8 @@
         </p:nvSpPr>
         <p:spPr>
           <a:xfrm>
-            <a:off x="838080" y="365040"/>
-            <a:ext cx="10515240" cy="3670920"/>
+            <a:off x="609480" y="273600"/>
+            <a:ext cx="10972440" cy="5307840"/>
           </a:xfrm>
           <a:prstGeom prst="rect">
             <a:avLst/>
@@ -1031,7 +972,7 @@
       </p:grpSpPr>
       <p:sp>
         <p:nvSpPr>
-          <p:cNvPr id="55" name="PlaceHolder 1"/>
+          <p:cNvPr id="49" name="PlaceHolder 1"/>
           <p:cNvSpPr>
             <a:spLocks noGrp="1"/>
           </p:cNvSpPr>
@@ -1041,8 +982,8 @@
         </p:nvSpPr>
         <p:spPr>
           <a:xfrm>
-            <a:off x="838080" y="365040"/>
-            <a:ext cx="10515240" cy="791640"/>
+            <a:off x="609480" y="273600"/>
+            <a:ext cx="10972440" cy="1144800"/>
           </a:xfrm>
           <a:prstGeom prst="rect">
             <a:avLst/>
@@ -1051,18 +992,16 @@
         <p:txBody>
           <a:bodyPr lIns="0" rIns="0" tIns="0" bIns="0" anchor="ctr"/>
           <a:p>
-            <a:endParaRPr b="0" lang="zh-CN" sz="1800" spc="-1" strike="noStrike">
-              <a:solidFill>
-                <a:srgbClr val="000000"/>
-              </a:solidFill>
-              <a:latin typeface="Calibri"/>
-            </a:endParaRPr>
-          </a:p>
-        </p:txBody>
-      </p:sp>
-      <p:sp>
-        <p:nvSpPr>
-          <p:cNvPr id="56" name="PlaceHolder 2"/>
+            <a:pPr algn="ctr"/>
+            <a:endParaRPr b="0" lang="en-US" sz="4400" spc="-1" strike="noStrike">
+              <a:latin typeface="Arial"/>
+            </a:endParaRPr>
+          </a:p>
+        </p:txBody>
+      </p:sp>
+      <p:sp>
+        <p:nvSpPr>
+          <p:cNvPr id="50" name="PlaceHolder 2"/>
           <p:cNvSpPr>
             <a:spLocks noGrp="1"/>
           </p:cNvSpPr>
@@ -1072,8 +1011,8 @@
         </p:nvSpPr>
         <p:spPr>
           <a:xfrm>
-            <a:off x="838080" y="1335960"/>
-            <a:ext cx="5131080" cy="2394000"/>
+            <a:off x="609480" y="1604520"/>
+            <a:ext cx="5354280" cy="1896840"/>
           </a:xfrm>
           <a:prstGeom prst="rect">
             <a:avLst/>
@@ -1084,18 +1023,15 @@
             <a:normAutofit/>
           </a:bodyPr>
           <a:p>
-            <a:endParaRPr b="0" lang="zh-CN" sz="2800" spc="-1" strike="noStrike">
-              <a:solidFill>
-                <a:srgbClr val="000000"/>
-              </a:solidFill>
-              <a:latin typeface="Calibri"/>
-            </a:endParaRPr>
-          </a:p>
-        </p:txBody>
-      </p:sp>
-      <p:sp>
-        <p:nvSpPr>
-          <p:cNvPr id="57" name="PlaceHolder 3"/>
+            <a:endParaRPr b="0" lang="en-US" sz="3200" spc="-1" strike="noStrike">
+              <a:latin typeface="Arial"/>
+            </a:endParaRPr>
+          </a:p>
+        </p:txBody>
+      </p:sp>
+      <p:sp>
+        <p:nvSpPr>
+          <p:cNvPr id="51" name="PlaceHolder 3"/>
           <p:cNvSpPr>
             <a:spLocks noGrp="1"/>
           </p:cNvSpPr>
@@ -1105,8 +1041,8 @@
         </p:nvSpPr>
         <p:spPr>
           <a:xfrm>
-            <a:off x="6226200" y="1335960"/>
-            <a:ext cx="5131080" cy="5019480"/>
+            <a:off x="6231960" y="1604520"/>
+            <a:ext cx="5354280" cy="3977280"/>
           </a:xfrm>
           <a:prstGeom prst="rect">
             <a:avLst/>
@@ -1117,18 +1053,15 @@
             <a:normAutofit/>
           </a:bodyPr>
           <a:p>
-            <a:endParaRPr b="0" lang="zh-CN" sz="2800" spc="-1" strike="noStrike">
-              <a:solidFill>
-                <a:srgbClr val="000000"/>
-              </a:solidFill>
-              <a:latin typeface="Calibri"/>
-            </a:endParaRPr>
-          </a:p>
-        </p:txBody>
-      </p:sp>
-      <p:sp>
-        <p:nvSpPr>
-          <p:cNvPr id="58" name="PlaceHolder 4"/>
+            <a:endParaRPr b="0" lang="en-US" sz="3200" spc="-1" strike="noStrike">
+              <a:latin typeface="Arial"/>
+            </a:endParaRPr>
+          </a:p>
+        </p:txBody>
+      </p:sp>
+      <p:sp>
+        <p:nvSpPr>
+          <p:cNvPr id="52" name="PlaceHolder 4"/>
           <p:cNvSpPr>
             <a:spLocks noGrp="1"/>
           </p:cNvSpPr>
@@ -1138,8 +1071,8 @@
         </p:nvSpPr>
         <p:spPr>
           <a:xfrm>
-            <a:off x="838080" y="3957840"/>
-            <a:ext cx="5131080" cy="2394000"/>
+            <a:off x="609480" y="3682080"/>
+            <a:ext cx="5354280" cy="1896840"/>
           </a:xfrm>
           <a:prstGeom prst="rect">
             <a:avLst/>
@@ -1150,11 +1083,8 @@
             <a:normAutofit/>
           </a:bodyPr>
           <a:p>
-            <a:endParaRPr b="0" lang="zh-CN" sz="2800" spc="-1" strike="noStrike">
-              <a:solidFill>
-                <a:srgbClr val="000000"/>
-              </a:solidFill>
-              <a:latin typeface="Calibri"/>
+            <a:endParaRPr b="0" lang="en-US" sz="3200" spc="-1" strike="noStrike">
+              <a:latin typeface="Arial"/>
             </a:endParaRPr>
           </a:p>
         </p:txBody>
@@ -1183,7 +1113,7 @@
       </p:grpSpPr>
       <p:sp>
         <p:nvSpPr>
-          <p:cNvPr id="5" name="PlaceHolder 1"/>
+          <p:cNvPr id="2" name="PlaceHolder 1"/>
           <p:cNvSpPr>
             <a:spLocks noGrp="1"/>
           </p:cNvSpPr>
@@ -1193,8 +1123,8 @@
         </p:nvSpPr>
         <p:spPr>
           <a:xfrm>
-            <a:off x="838080" y="365040"/>
-            <a:ext cx="10515240" cy="791640"/>
+            <a:off x="609480" y="273600"/>
+            <a:ext cx="10972440" cy="1144800"/>
           </a:xfrm>
           <a:prstGeom prst="rect">
             <a:avLst/>
@@ -1203,18 +1133,16 @@
         <p:txBody>
           <a:bodyPr lIns="0" rIns="0" tIns="0" bIns="0" anchor="ctr"/>
           <a:p>
-            <a:endParaRPr b="0" lang="zh-CN" sz="1800" spc="-1" strike="noStrike">
-              <a:solidFill>
-                <a:srgbClr val="000000"/>
-              </a:solidFill>
-              <a:latin typeface="Calibri"/>
-            </a:endParaRPr>
-          </a:p>
-        </p:txBody>
-      </p:sp>
-      <p:sp>
-        <p:nvSpPr>
-          <p:cNvPr id="6" name="PlaceHolder 2"/>
+            <a:pPr algn="ctr"/>
+            <a:endParaRPr b="0" lang="en-US" sz="4400" spc="-1" strike="noStrike">
+              <a:latin typeface="Arial"/>
+            </a:endParaRPr>
+          </a:p>
+        </p:txBody>
+      </p:sp>
+      <p:sp>
+        <p:nvSpPr>
+          <p:cNvPr id="3" name="PlaceHolder 2"/>
           <p:cNvSpPr>
             <a:spLocks noGrp="1"/>
           </p:cNvSpPr>
@@ -1224,8 +1152,8 @@
         </p:nvSpPr>
         <p:spPr>
           <a:xfrm>
-            <a:off x="838080" y="1335960"/>
-            <a:ext cx="10515240" cy="5019480"/>
+            <a:off x="609480" y="1604520"/>
+            <a:ext cx="10972440" cy="3977280"/>
           </a:xfrm>
           <a:prstGeom prst="rect">
             <a:avLst/>
@@ -1265,7 +1193,7 @@
       </p:grpSpPr>
       <p:sp>
         <p:nvSpPr>
-          <p:cNvPr id="59" name="PlaceHolder 1"/>
+          <p:cNvPr id="53" name="PlaceHolder 1"/>
           <p:cNvSpPr>
             <a:spLocks noGrp="1"/>
           </p:cNvSpPr>
@@ -1275,8 +1203,8 @@
         </p:nvSpPr>
         <p:spPr>
           <a:xfrm>
-            <a:off x="838080" y="365040"/>
-            <a:ext cx="10515240" cy="791640"/>
+            <a:off x="609480" y="273600"/>
+            <a:ext cx="10972440" cy="1144800"/>
           </a:xfrm>
           <a:prstGeom prst="rect">
             <a:avLst/>
@@ -1285,18 +1213,16 @@
         <p:txBody>
           <a:bodyPr lIns="0" rIns="0" tIns="0" bIns="0" anchor="ctr"/>
           <a:p>
-            <a:endParaRPr b="0" lang="zh-CN" sz="1800" spc="-1" strike="noStrike">
-              <a:solidFill>
-                <a:srgbClr val="000000"/>
-              </a:solidFill>
-              <a:latin typeface="Calibri"/>
-            </a:endParaRPr>
-          </a:p>
-        </p:txBody>
-      </p:sp>
-      <p:sp>
-        <p:nvSpPr>
-          <p:cNvPr id="60" name="PlaceHolder 2"/>
+            <a:pPr algn="ctr"/>
+            <a:endParaRPr b="0" lang="en-US" sz="4400" spc="-1" strike="noStrike">
+              <a:latin typeface="Arial"/>
+            </a:endParaRPr>
+          </a:p>
+        </p:txBody>
+      </p:sp>
+      <p:sp>
+        <p:nvSpPr>
+          <p:cNvPr id="54" name="PlaceHolder 2"/>
           <p:cNvSpPr>
             <a:spLocks noGrp="1"/>
           </p:cNvSpPr>
@@ -1306,8 +1232,8 @@
         </p:nvSpPr>
         <p:spPr>
           <a:xfrm>
-            <a:off x="838080" y="1335960"/>
-            <a:ext cx="5131080" cy="5019480"/>
+            <a:off x="609480" y="1604520"/>
+            <a:ext cx="5354280" cy="3977280"/>
           </a:xfrm>
           <a:prstGeom prst="rect">
             <a:avLst/>
@@ -1318,18 +1244,15 @@
             <a:normAutofit/>
           </a:bodyPr>
           <a:p>
-            <a:endParaRPr b="0" lang="zh-CN" sz="2800" spc="-1" strike="noStrike">
-              <a:solidFill>
-                <a:srgbClr val="000000"/>
-              </a:solidFill>
-              <a:latin typeface="Calibri"/>
-            </a:endParaRPr>
-          </a:p>
-        </p:txBody>
-      </p:sp>
-      <p:sp>
-        <p:nvSpPr>
-          <p:cNvPr id="61" name="PlaceHolder 3"/>
+            <a:endParaRPr b="0" lang="en-US" sz="3200" spc="-1" strike="noStrike">
+              <a:latin typeface="Arial"/>
+            </a:endParaRPr>
+          </a:p>
+        </p:txBody>
+      </p:sp>
+      <p:sp>
+        <p:nvSpPr>
+          <p:cNvPr id="55" name="PlaceHolder 3"/>
           <p:cNvSpPr>
             <a:spLocks noGrp="1"/>
           </p:cNvSpPr>
@@ -1339,8 +1262,8 @@
         </p:nvSpPr>
         <p:spPr>
           <a:xfrm>
-            <a:off x="6226200" y="1335960"/>
-            <a:ext cx="5131080" cy="2394000"/>
+            <a:off x="6231960" y="1604520"/>
+            <a:ext cx="5354280" cy="1896840"/>
           </a:xfrm>
           <a:prstGeom prst="rect">
             <a:avLst/>
@@ -1351,18 +1274,15 @@
             <a:normAutofit/>
           </a:bodyPr>
           <a:p>
-            <a:endParaRPr b="0" lang="zh-CN" sz="2800" spc="-1" strike="noStrike">
-              <a:solidFill>
-                <a:srgbClr val="000000"/>
-              </a:solidFill>
-              <a:latin typeface="Calibri"/>
-            </a:endParaRPr>
-          </a:p>
-        </p:txBody>
-      </p:sp>
-      <p:sp>
-        <p:nvSpPr>
-          <p:cNvPr id="62" name="PlaceHolder 4"/>
+            <a:endParaRPr b="0" lang="en-US" sz="3200" spc="-1" strike="noStrike">
+              <a:latin typeface="Arial"/>
+            </a:endParaRPr>
+          </a:p>
+        </p:txBody>
+      </p:sp>
+      <p:sp>
+        <p:nvSpPr>
+          <p:cNvPr id="56" name="PlaceHolder 4"/>
           <p:cNvSpPr>
             <a:spLocks noGrp="1"/>
           </p:cNvSpPr>
@@ -1372,8 +1292,8 @@
         </p:nvSpPr>
         <p:spPr>
           <a:xfrm>
-            <a:off x="6226200" y="3957840"/>
-            <a:ext cx="5131080" cy="2394000"/>
+            <a:off x="6231960" y="3682080"/>
+            <a:ext cx="5354280" cy="1896840"/>
           </a:xfrm>
           <a:prstGeom prst="rect">
             <a:avLst/>
@@ -1384,11 +1304,8 @@
             <a:normAutofit/>
           </a:bodyPr>
           <a:p>
-            <a:endParaRPr b="0" lang="zh-CN" sz="2800" spc="-1" strike="noStrike">
-              <a:solidFill>
-                <a:srgbClr val="000000"/>
-              </a:solidFill>
-              <a:latin typeface="Calibri"/>
+            <a:endParaRPr b="0" lang="en-US" sz="3200" spc="-1" strike="noStrike">
+              <a:latin typeface="Arial"/>
             </a:endParaRPr>
           </a:p>
         </p:txBody>
@@ -1417,7 +1334,7 @@
       </p:grpSpPr>
       <p:sp>
         <p:nvSpPr>
-          <p:cNvPr id="63" name="PlaceHolder 1"/>
+          <p:cNvPr id="57" name="PlaceHolder 1"/>
           <p:cNvSpPr>
             <a:spLocks noGrp="1"/>
           </p:cNvSpPr>
@@ -1427,8 +1344,8 @@
         </p:nvSpPr>
         <p:spPr>
           <a:xfrm>
-            <a:off x="838080" y="365040"/>
-            <a:ext cx="10515240" cy="791640"/>
+            <a:off x="609480" y="273600"/>
+            <a:ext cx="10972440" cy="1144800"/>
           </a:xfrm>
           <a:prstGeom prst="rect">
             <a:avLst/>
@@ -1437,18 +1354,16 @@
         <p:txBody>
           <a:bodyPr lIns="0" rIns="0" tIns="0" bIns="0" anchor="ctr"/>
           <a:p>
-            <a:endParaRPr b="0" lang="zh-CN" sz="1800" spc="-1" strike="noStrike">
-              <a:solidFill>
-                <a:srgbClr val="000000"/>
-              </a:solidFill>
-              <a:latin typeface="Calibri"/>
-            </a:endParaRPr>
-          </a:p>
-        </p:txBody>
-      </p:sp>
-      <p:sp>
-        <p:nvSpPr>
-          <p:cNvPr id="64" name="PlaceHolder 2"/>
+            <a:pPr algn="ctr"/>
+            <a:endParaRPr b="0" lang="en-US" sz="4400" spc="-1" strike="noStrike">
+              <a:latin typeface="Arial"/>
+            </a:endParaRPr>
+          </a:p>
+        </p:txBody>
+      </p:sp>
+      <p:sp>
+        <p:nvSpPr>
+          <p:cNvPr id="58" name="PlaceHolder 2"/>
           <p:cNvSpPr>
             <a:spLocks noGrp="1"/>
           </p:cNvSpPr>
@@ -1458,8 +1373,8 @@
         </p:nvSpPr>
         <p:spPr>
           <a:xfrm>
-            <a:off x="838080" y="1335960"/>
-            <a:ext cx="5131080" cy="2394000"/>
+            <a:off x="609480" y="1604520"/>
+            <a:ext cx="5354280" cy="1896840"/>
           </a:xfrm>
           <a:prstGeom prst="rect">
             <a:avLst/>
@@ -1470,18 +1385,15 @@
             <a:normAutofit/>
           </a:bodyPr>
           <a:p>
-            <a:endParaRPr b="0" lang="zh-CN" sz="2800" spc="-1" strike="noStrike">
-              <a:solidFill>
-                <a:srgbClr val="000000"/>
-              </a:solidFill>
-              <a:latin typeface="Calibri"/>
-            </a:endParaRPr>
-          </a:p>
-        </p:txBody>
-      </p:sp>
-      <p:sp>
-        <p:nvSpPr>
-          <p:cNvPr id="65" name="PlaceHolder 3"/>
+            <a:endParaRPr b="0" lang="en-US" sz="3200" spc="-1" strike="noStrike">
+              <a:latin typeface="Arial"/>
+            </a:endParaRPr>
+          </a:p>
+        </p:txBody>
+      </p:sp>
+      <p:sp>
+        <p:nvSpPr>
+          <p:cNvPr id="59" name="PlaceHolder 3"/>
           <p:cNvSpPr>
             <a:spLocks noGrp="1"/>
           </p:cNvSpPr>
@@ -1491,8 +1403,8 @@
         </p:nvSpPr>
         <p:spPr>
           <a:xfrm>
-            <a:off x="6226200" y="1335960"/>
-            <a:ext cx="5131080" cy="2394000"/>
+            <a:off x="6231960" y="1604520"/>
+            <a:ext cx="5354280" cy="1896840"/>
           </a:xfrm>
           <a:prstGeom prst="rect">
             <a:avLst/>
@@ -1503,18 +1415,15 @@
             <a:normAutofit/>
           </a:bodyPr>
           <a:p>
-            <a:endParaRPr b="0" lang="zh-CN" sz="2800" spc="-1" strike="noStrike">
-              <a:solidFill>
-                <a:srgbClr val="000000"/>
-              </a:solidFill>
-              <a:latin typeface="Calibri"/>
-            </a:endParaRPr>
-          </a:p>
-        </p:txBody>
-      </p:sp>
-      <p:sp>
-        <p:nvSpPr>
-          <p:cNvPr id="66" name="PlaceHolder 4"/>
+            <a:endParaRPr b="0" lang="en-US" sz="3200" spc="-1" strike="noStrike">
+              <a:latin typeface="Arial"/>
+            </a:endParaRPr>
+          </a:p>
+        </p:txBody>
+      </p:sp>
+      <p:sp>
+        <p:nvSpPr>
+          <p:cNvPr id="60" name="PlaceHolder 4"/>
           <p:cNvSpPr>
             <a:spLocks noGrp="1"/>
           </p:cNvSpPr>
@@ -1524,8 +1433,8 @@
         </p:nvSpPr>
         <p:spPr>
           <a:xfrm>
-            <a:off x="838080" y="3957840"/>
-            <a:ext cx="10515240" cy="2394000"/>
+            <a:off x="609480" y="3682080"/>
+            <a:ext cx="10972440" cy="1896840"/>
           </a:xfrm>
           <a:prstGeom prst="rect">
             <a:avLst/>
@@ -1536,11 +1445,8 @@
             <a:normAutofit/>
           </a:bodyPr>
           <a:p>
-            <a:endParaRPr b="0" lang="zh-CN" sz="2800" spc="-1" strike="noStrike">
-              <a:solidFill>
-                <a:srgbClr val="000000"/>
-              </a:solidFill>
-              <a:latin typeface="Calibri"/>
+            <a:endParaRPr b="0" lang="en-US" sz="3200" spc="-1" strike="noStrike">
+              <a:latin typeface="Arial"/>
             </a:endParaRPr>
           </a:p>
         </p:txBody>
@@ -1569,7 +1475,7 @@
       </p:grpSpPr>
       <p:sp>
         <p:nvSpPr>
-          <p:cNvPr id="67" name="PlaceHolder 1"/>
+          <p:cNvPr id="61" name="PlaceHolder 1"/>
           <p:cNvSpPr>
             <a:spLocks noGrp="1"/>
           </p:cNvSpPr>
@@ -1579,8 +1485,8 @@
         </p:nvSpPr>
         <p:spPr>
           <a:xfrm>
-            <a:off x="838080" y="365040"/>
-            <a:ext cx="10515240" cy="791640"/>
+            <a:off x="609480" y="273600"/>
+            <a:ext cx="10972440" cy="1144800"/>
           </a:xfrm>
           <a:prstGeom prst="rect">
             <a:avLst/>
@@ -1589,18 +1495,16 @@
         <p:txBody>
           <a:bodyPr lIns="0" rIns="0" tIns="0" bIns="0" anchor="ctr"/>
           <a:p>
-            <a:endParaRPr b="0" lang="zh-CN" sz="1800" spc="-1" strike="noStrike">
-              <a:solidFill>
-                <a:srgbClr val="000000"/>
-              </a:solidFill>
-              <a:latin typeface="Calibri"/>
-            </a:endParaRPr>
-          </a:p>
-        </p:txBody>
-      </p:sp>
-      <p:sp>
-        <p:nvSpPr>
-          <p:cNvPr id="68" name="PlaceHolder 2"/>
+            <a:pPr algn="ctr"/>
+            <a:endParaRPr b="0" lang="en-US" sz="4400" spc="-1" strike="noStrike">
+              <a:latin typeface="Arial"/>
+            </a:endParaRPr>
+          </a:p>
+        </p:txBody>
+      </p:sp>
+      <p:sp>
+        <p:nvSpPr>
+          <p:cNvPr id="62" name="PlaceHolder 2"/>
           <p:cNvSpPr>
             <a:spLocks noGrp="1"/>
           </p:cNvSpPr>
@@ -1610,8 +1514,8 @@
         </p:nvSpPr>
         <p:spPr>
           <a:xfrm>
-            <a:off x="838080" y="1335960"/>
-            <a:ext cx="10515240" cy="2394000"/>
+            <a:off x="609480" y="1604520"/>
+            <a:ext cx="10972440" cy="1896840"/>
           </a:xfrm>
           <a:prstGeom prst="rect">
             <a:avLst/>
@@ -1622,18 +1526,15 @@
             <a:normAutofit/>
           </a:bodyPr>
           <a:p>
-            <a:endParaRPr b="0" lang="zh-CN" sz="2800" spc="-1" strike="noStrike">
-              <a:solidFill>
-                <a:srgbClr val="000000"/>
-              </a:solidFill>
-              <a:latin typeface="Calibri"/>
-            </a:endParaRPr>
-          </a:p>
-        </p:txBody>
-      </p:sp>
-      <p:sp>
-        <p:nvSpPr>
-          <p:cNvPr id="69" name="PlaceHolder 3"/>
+            <a:endParaRPr b="0" lang="en-US" sz="3200" spc="-1" strike="noStrike">
+              <a:latin typeface="Arial"/>
+            </a:endParaRPr>
+          </a:p>
+        </p:txBody>
+      </p:sp>
+      <p:sp>
+        <p:nvSpPr>
+          <p:cNvPr id="63" name="PlaceHolder 3"/>
           <p:cNvSpPr>
             <a:spLocks noGrp="1"/>
           </p:cNvSpPr>
@@ -1643,8 +1544,8 @@
         </p:nvSpPr>
         <p:spPr>
           <a:xfrm>
-            <a:off x="838080" y="3957840"/>
-            <a:ext cx="10515240" cy="2394000"/>
+            <a:off x="609480" y="3682080"/>
+            <a:ext cx="10972440" cy="1896840"/>
           </a:xfrm>
           <a:prstGeom prst="rect">
             <a:avLst/>
@@ -1655,11 +1556,8 @@
             <a:normAutofit/>
           </a:bodyPr>
           <a:p>
-            <a:endParaRPr b="0" lang="zh-CN" sz="2800" spc="-1" strike="noStrike">
-              <a:solidFill>
-                <a:srgbClr val="000000"/>
-              </a:solidFill>
-              <a:latin typeface="Calibri"/>
+            <a:endParaRPr b="0" lang="en-US" sz="3200" spc="-1" strike="noStrike">
+              <a:latin typeface="Arial"/>
             </a:endParaRPr>
           </a:p>
         </p:txBody>
@@ -1688,7 +1586,7 @@
       </p:grpSpPr>
       <p:sp>
         <p:nvSpPr>
-          <p:cNvPr id="70" name="PlaceHolder 1"/>
+          <p:cNvPr id="64" name="PlaceHolder 1"/>
           <p:cNvSpPr>
             <a:spLocks noGrp="1"/>
           </p:cNvSpPr>
@@ -1698,8 +1596,8 @@
         </p:nvSpPr>
         <p:spPr>
           <a:xfrm>
-            <a:off x="838080" y="365040"/>
-            <a:ext cx="10515240" cy="791640"/>
+            <a:off x="609480" y="273600"/>
+            <a:ext cx="10972440" cy="1144800"/>
           </a:xfrm>
           <a:prstGeom prst="rect">
             <a:avLst/>
@@ -1708,18 +1606,16 @@
         <p:txBody>
           <a:bodyPr lIns="0" rIns="0" tIns="0" bIns="0" anchor="ctr"/>
           <a:p>
-            <a:endParaRPr b="0" lang="zh-CN" sz="1800" spc="-1" strike="noStrike">
-              <a:solidFill>
-                <a:srgbClr val="000000"/>
-              </a:solidFill>
-              <a:latin typeface="Calibri"/>
-            </a:endParaRPr>
-          </a:p>
-        </p:txBody>
-      </p:sp>
-      <p:sp>
-        <p:nvSpPr>
-          <p:cNvPr id="71" name="PlaceHolder 2"/>
+            <a:pPr algn="ctr"/>
+            <a:endParaRPr b="0" lang="en-US" sz="4400" spc="-1" strike="noStrike">
+              <a:latin typeface="Arial"/>
+            </a:endParaRPr>
+          </a:p>
+        </p:txBody>
+      </p:sp>
+      <p:sp>
+        <p:nvSpPr>
+          <p:cNvPr id="65" name="PlaceHolder 2"/>
           <p:cNvSpPr>
             <a:spLocks noGrp="1"/>
           </p:cNvSpPr>
@@ -1729,8 +1625,8 @@
         </p:nvSpPr>
         <p:spPr>
           <a:xfrm>
-            <a:off x="838080" y="1335960"/>
-            <a:ext cx="5131080" cy="2394000"/>
+            <a:off x="609480" y="1604520"/>
+            <a:ext cx="5354280" cy="1896840"/>
           </a:xfrm>
           <a:prstGeom prst="rect">
             <a:avLst/>
@@ -1741,18 +1637,15 @@
             <a:normAutofit/>
           </a:bodyPr>
           <a:p>
-            <a:endParaRPr b="0" lang="zh-CN" sz="2800" spc="-1" strike="noStrike">
-              <a:solidFill>
-                <a:srgbClr val="000000"/>
-              </a:solidFill>
-              <a:latin typeface="Calibri"/>
-            </a:endParaRPr>
-          </a:p>
-        </p:txBody>
-      </p:sp>
-      <p:sp>
-        <p:nvSpPr>
-          <p:cNvPr id="72" name="PlaceHolder 3"/>
+            <a:endParaRPr b="0" lang="en-US" sz="3200" spc="-1" strike="noStrike">
+              <a:latin typeface="Arial"/>
+            </a:endParaRPr>
+          </a:p>
+        </p:txBody>
+      </p:sp>
+      <p:sp>
+        <p:nvSpPr>
+          <p:cNvPr id="66" name="PlaceHolder 3"/>
           <p:cNvSpPr>
             <a:spLocks noGrp="1"/>
           </p:cNvSpPr>
@@ -1762,8 +1655,8 @@
         </p:nvSpPr>
         <p:spPr>
           <a:xfrm>
-            <a:off x="6226200" y="1335960"/>
-            <a:ext cx="5131080" cy="2394000"/>
+            <a:off x="6231960" y="1604520"/>
+            <a:ext cx="5354280" cy="1896840"/>
           </a:xfrm>
           <a:prstGeom prst="rect">
             <a:avLst/>
@@ -1774,18 +1667,15 @@
             <a:normAutofit/>
           </a:bodyPr>
           <a:p>
-            <a:endParaRPr b="0" lang="zh-CN" sz="2800" spc="-1" strike="noStrike">
-              <a:solidFill>
-                <a:srgbClr val="000000"/>
-              </a:solidFill>
-              <a:latin typeface="Calibri"/>
-            </a:endParaRPr>
-          </a:p>
-        </p:txBody>
-      </p:sp>
-      <p:sp>
-        <p:nvSpPr>
-          <p:cNvPr id="73" name="PlaceHolder 4"/>
+            <a:endParaRPr b="0" lang="en-US" sz="3200" spc="-1" strike="noStrike">
+              <a:latin typeface="Arial"/>
+            </a:endParaRPr>
+          </a:p>
+        </p:txBody>
+      </p:sp>
+      <p:sp>
+        <p:nvSpPr>
+          <p:cNvPr id="67" name="PlaceHolder 4"/>
           <p:cNvSpPr>
             <a:spLocks noGrp="1"/>
           </p:cNvSpPr>
@@ -1795,8 +1685,8 @@
         </p:nvSpPr>
         <p:spPr>
           <a:xfrm>
-            <a:off x="838080" y="3957840"/>
-            <a:ext cx="5131080" cy="2394000"/>
+            <a:off x="609480" y="3682080"/>
+            <a:ext cx="5354280" cy="1896840"/>
           </a:xfrm>
           <a:prstGeom prst="rect">
             <a:avLst/>
@@ -1807,18 +1697,15 @@
             <a:normAutofit/>
           </a:bodyPr>
           <a:p>
-            <a:endParaRPr b="0" lang="zh-CN" sz="2800" spc="-1" strike="noStrike">
-              <a:solidFill>
-                <a:srgbClr val="000000"/>
-              </a:solidFill>
-              <a:latin typeface="Calibri"/>
-            </a:endParaRPr>
-          </a:p>
-        </p:txBody>
-      </p:sp>
-      <p:sp>
-        <p:nvSpPr>
-          <p:cNvPr id="74" name="PlaceHolder 5"/>
+            <a:endParaRPr b="0" lang="en-US" sz="3200" spc="-1" strike="noStrike">
+              <a:latin typeface="Arial"/>
+            </a:endParaRPr>
+          </a:p>
+        </p:txBody>
+      </p:sp>
+      <p:sp>
+        <p:nvSpPr>
+          <p:cNvPr id="68" name="PlaceHolder 5"/>
           <p:cNvSpPr>
             <a:spLocks noGrp="1"/>
           </p:cNvSpPr>
@@ -1828,8 +1715,8 @@
         </p:nvSpPr>
         <p:spPr>
           <a:xfrm>
-            <a:off x="6226200" y="3957840"/>
-            <a:ext cx="5131080" cy="2394000"/>
+            <a:off x="6231960" y="3682080"/>
+            <a:ext cx="5354280" cy="1896840"/>
           </a:xfrm>
           <a:prstGeom prst="rect">
             <a:avLst/>
@@ -1840,11 +1727,8 @@
             <a:normAutofit/>
           </a:bodyPr>
           <a:p>
-            <a:endParaRPr b="0" lang="zh-CN" sz="2800" spc="-1" strike="noStrike">
-              <a:solidFill>
-                <a:srgbClr val="000000"/>
-              </a:solidFill>
-              <a:latin typeface="Calibri"/>
+            <a:endParaRPr b="0" lang="en-US" sz="3200" spc="-1" strike="noStrike">
+              <a:latin typeface="Arial"/>
             </a:endParaRPr>
           </a:p>
         </p:txBody>
@@ -1873,7 +1757,7 @@
       </p:grpSpPr>
       <p:sp>
         <p:nvSpPr>
-          <p:cNvPr id="75" name="PlaceHolder 1"/>
+          <p:cNvPr id="69" name="PlaceHolder 1"/>
           <p:cNvSpPr>
             <a:spLocks noGrp="1"/>
           </p:cNvSpPr>
@@ -1883,8 +1767,8 @@
         </p:nvSpPr>
         <p:spPr>
           <a:xfrm>
-            <a:off x="838080" y="365040"/>
-            <a:ext cx="10515240" cy="791640"/>
+            <a:off x="609480" y="273600"/>
+            <a:ext cx="10972440" cy="1144800"/>
           </a:xfrm>
           <a:prstGeom prst="rect">
             <a:avLst/>
@@ -1893,18 +1777,16 @@
         <p:txBody>
           <a:bodyPr lIns="0" rIns="0" tIns="0" bIns="0" anchor="ctr"/>
           <a:p>
-            <a:endParaRPr b="0" lang="zh-CN" sz="1800" spc="-1" strike="noStrike">
-              <a:solidFill>
-                <a:srgbClr val="000000"/>
-              </a:solidFill>
-              <a:latin typeface="Calibri"/>
-            </a:endParaRPr>
-          </a:p>
-        </p:txBody>
-      </p:sp>
-      <p:sp>
-        <p:nvSpPr>
-          <p:cNvPr id="76" name="PlaceHolder 2"/>
+            <a:pPr algn="ctr"/>
+            <a:endParaRPr b="0" lang="en-US" sz="4400" spc="-1" strike="noStrike">
+              <a:latin typeface="Arial"/>
+            </a:endParaRPr>
+          </a:p>
+        </p:txBody>
+      </p:sp>
+      <p:sp>
+        <p:nvSpPr>
+          <p:cNvPr id="70" name="PlaceHolder 2"/>
           <p:cNvSpPr>
             <a:spLocks noGrp="1"/>
           </p:cNvSpPr>
@@ -1914,8 +1796,8 @@
         </p:nvSpPr>
         <p:spPr>
           <a:xfrm>
-            <a:off x="838080" y="1335960"/>
-            <a:ext cx="3385800" cy="2394000"/>
+            <a:off x="609480" y="1604520"/>
+            <a:ext cx="3533040" cy="1896840"/>
           </a:xfrm>
           <a:prstGeom prst="rect">
             <a:avLst/>
@@ -1926,18 +1808,15 @@
             <a:normAutofit/>
           </a:bodyPr>
           <a:p>
-            <a:endParaRPr b="0" lang="zh-CN" sz="2800" spc="-1" strike="noStrike">
-              <a:solidFill>
-                <a:srgbClr val="000000"/>
-              </a:solidFill>
-              <a:latin typeface="Calibri"/>
-            </a:endParaRPr>
-          </a:p>
-        </p:txBody>
-      </p:sp>
-      <p:sp>
-        <p:nvSpPr>
-          <p:cNvPr id="77" name="PlaceHolder 3"/>
+            <a:endParaRPr b="0" lang="en-US" sz="3200" spc="-1" strike="noStrike">
+              <a:latin typeface="Arial"/>
+            </a:endParaRPr>
+          </a:p>
+        </p:txBody>
+      </p:sp>
+      <p:sp>
+        <p:nvSpPr>
+          <p:cNvPr id="71" name="PlaceHolder 3"/>
           <p:cNvSpPr>
             <a:spLocks noGrp="1"/>
           </p:cNvSpPr>
@@ -1947,8 +1826,8 @@
         </p:nvSpPr>
         <p:spPr>
           <a:xfrm>
-            <a:off x="4393440" y="1335960"/>
-            <a:ext cx="3385800" cy="2394000"/>
+            <a:off x="4319640" y="1604520"/>
+            <a:ext cx="3533040" cy="1896840"/>
           </a:xfrm>
           <a:prstGeom prst="rect">
             <a:avLst/>
@@ -1959,18 +1838,15 @@
             <a:normAutofit/>
           </a:bodyPr>
           <a:p>
-            <a:endParaRPr b="0" lang="zh-CN" sz="2800" spc="-1" strike="noStrike">
-              <a:solidFill>
-                <a:srgbClr val="000000"/>
-              </a:solidFill>
-              <a:latin typeface="Calibri"/>
-            </a:endParaRPr>
-          </a:p>
-        </p:txBody>
-      </p:sp>
-      <p:sp>
-        <p:nvSpPr>
-          <p:cNvPr id="78" name="PlaceHolder 4"/>
+            <a:endParaRPr b="0" lang="en-US" sz="3200" spc="-1" strike="noStrike">
+              <a:latin typeface="Arial"/>
+            </a:endParaRPr>
+          </a:p>
+        </p:txBody>
+      </p:sp>
+      <p:sp>
+        <p:nvSpPr>
+          <p:cNvPr id="72" name="PlaceHolder 4"/>
           <p:cNvSpPr>
             <a:spLocks noGrp="1"/>
           </p:cNvSpPr>
@@ -1980,8 +1856,8 @@
         </p:nvSpPr>
         <p:spPr>
           <a:xfrm>
-            <a:off x="7949160" y="1335960"/>
-            <a:ext cx="3385800" cy="2394000"/>
+            <a:off x="8029800" y="1604520"/>
+            <a:ext cx="3533040" cy="1896840"/>
           </a:xfrm>
           <a:prstGeom prst="rect">
             <a:avLst/>
@@ -1992,18 +1868,15 @@
             <a:normAutofit/>
           </a:bodyPr>
           <a:p>
-            <a:endParaRPr b="0" lang="zh-CN" sz="2800" spc="-1" strike="noStrike">
-              <a:solidFill>
-                <a:srgbClr val="000000"/>
-              </a:solidFill>
-              <a:latin typeface="Calibri"/>
-            </a:endParaRPr>
-          </a:p>
-        </p:txBody>
-      </p:sp>
-      <p:sp>
-        <p:nvSpPr>
-          <p:cNvPr id="79" name="PlaceHolder 5"/>
+            <a:endParaRPr b="0" lang="en-US" sz="3200" spc="-1" strike="noStrike">
+              <a:latin typeface="Arial"/>
+            </a:endParaRPr>
+          </a:p>
+        </p:txBody>
+      </p:sp>
+      <p:sp>
+        <p:nvSpPr>
+          <p:cNvPr id="73" name="PlaceHolder 5"/>
           <p:cNvSpPr>
             <a:spLocks noGrp="1"/>
           </p:cNvSpPr>
@@ -2013,8 +1886,8 @@
         </p:nvSpPr>
         <p:spPr>
           <a:xfrm>
-            <a:off x="838080" y="3957840"/>
-            <a:ext cx="3385800" cy="2394000"/>
+            <a:off x="609480" y="3682080"/>
+            <a:ext cx="3533040" cy="1896840"/>
           </a:xfrm>
           <a:prstGeom prst="rect">
             <a:avLst/>
@@ -2025,18 +1898,15 @@
             <a:normAutofit/>
           </a:bodyPr>
           <a:p>
-            <a:endParaRPr b="0" lang="zh-CN" sz="2800" spc="-1" strike="noStrike">
-              <a:solidFill>
-                <a:srgbClr val="000000"/>
-              </a:solidFill>
-              <a:latin typeface="Calibri"/>
-            </a:endParaRPr>
-          </a:p>
-        </p:txBody>
-      </p:sp>
-      <p:sp>
-        <p:nvSpPr>
-          <p:cNvPr id="80" name="PlaceHolder 6"/>
+            <a:endParaRPr b="0" lang="en-US" sz="3200" spc="-1" strike="noStrike">
+              <a:latin typeface="Arial"/>
+            </a:endParaRPr>
+          </a:p>
+        </p:txBody>
+      </p:sp>
+      <p:sp>
+        <p:nvSpPr>
+          <p:cNvPr id="74" name="PlaceHolder 6"/>
           <p:cNvSpPr>
             <a:spLocks noGrp="1"/>
           </p:cNvSpPr>
@@ -2046,8 +1916,8 @@
         </p:nvSpPr>
         <p:spPr>
           <a:xfrm>
-            <a:off x="4393440" y="3957840"/>
-            <a:ext cx="3385800" cy="2394000"/>
+            <a:off x="4319640" y="3682080"/>
+            <a:ext cx="3533040" cy="1896840"/>
           </a:xfrm>
           <a:prstGeom prst="rect">
             <a:avLst/>
@@ -2058,18 +1928,15 @@
             <a:normAutofit/>
           </a:bodyPr>
           <a:p>
-            <a:endParaRPr b="0" lang="zh-CN" sz="2800" spc="-1" strike="noStrike">
-              <a:solidFill>
-                <a:srgbClr val="000000"/>
-              </a:solidFill>
-              <a:latin typeface="Calibri"/>
-            </a:endParaRPr>
-          </a:p>
-        </p:txBody>
-      </p:sp>
-      <p:sp>
-        <p:nvSpPr>
-          <p:cNvPr id="81" name="PlaceHolder 7"/>
+            <a:endParaRPr b="0" lang="en-US" sz="3200" spc="-1" strike="noStrike">
+              <a:latin typeface="Arial"/>
+            </a:endParaRPr>
+          </a:p>
+        </p:txBody>
+      </p:sp>
+      <p:sp>
+        <p:nvSpPr>
+          <p:cNvPr id="75" name="PlaceHolder 7"/>
           <p:cNvSpPr>
             <a:spLocks noGrp="1"/>
           </p:cNvSpPr>
@@ -2079,8 +1946,8 @@
         </p:nvSpPr>
         <p:spPr>
           <a:xfrm>
-            <a:off x="7949160" y="3957840"/>
-            <a:ext cx="3385800" cy="2394000"/>
+            <a:off x="8029800" y="3682080"/>
+            <a:ext cx="3533040" cy="1896840"/>
           </a:xfrm>
           <a:prstGeom prst="rect">
             <a:avLst/>
@@ -2091,11 +1958,8 @@
             <a:normAutofit/>
           </a:bodyPr>
           <a:p>
-            <a:endParaRPr b="0" lang="zh-CN" sz="2800" spc="-1" strike="noStrike">
-              <a:solidFill>
-                <a:srgbClr val="000000"/>
-              </a:solidFill>
-              <a:latin typeface="Calibri"/>
+            <a:endParaRPr b="0" lang="en-US" sz="3200" spc="-1" strike="noStrike">
+              <a:latin typeface="Arial"/>
             </a:endParaRPr>
           </a:p>
         </p:txBody>
@@ -2124,7 +1988,7 @@
       </p:grpSpPr>
       <p:sp>
         <p:nvSpPr>
-          <p:cNvPr id="7" name="PlaceHolder 1"/>
+          <p:cNvPr id="4" name="PlaceHolder 1"/>
           <p:cNvSpPr>
             <a:spLocks noGrp="1"/>
           </p:cNvSpPr>
@@ -2134,8 +1998,8 @@
         </p:nvSpPr>
         <p:spPr>
           <a:xfrm>
-            <a:off x="838080" y="365040"/>
-            <a:ext cx="10515240" cy="791640"/>
+            <a:off x="609480" y="273600"/>
+            <a:ext cx="10972440" cy="1144800"/>
           </a:xfrm>
           <a:prstGeom prst="rect">
             <a:avLst/>
@@ -2144,18 +2008,16 @@
         <p:txBody>
           <a:bodyPr lIns="0" rIns="0" tIns="0" bIns="0" anchor="ctr"/>
           <a:p>
-            <a:endParaRPr b="0" lang="zh-CN" sz="1800" spc="-1" strike="noStrike">
-              <a:solidFill>
-                <a:srgbClr val="000000"/>
-              </a:solidFill>
-              <a:latin typeface="Calibri"/>
-            </a:endParaRPr>
-          </a:p>
-        </p:txBody>
-      </p:sp>
-      <p:sp>
-        <p:nvSpPr>
-          <p:cNvPr id="8" name="PlaceHolder 2"/>
+            <a:pPr algn="ctr"/>
+            <a:endParaRPr b="0" lang="en-US" sz="4400" spc="-1" strike="noStrike">
+              <a:latin typeface="Arial"/>
+            </a:endParaRPr>
+          </a:p>
+        </p:txBody>
+      </p:sp>
+      <p:sp>
+        <p:nvSpPr>
+          <p:cNvPr id="5" name="PlaceHolder 2"/>
           <p:cNvSpPr>
             <a:spLocks noGrp="1"/>
           </p:cNvSpPr>
@@ -2165,8 +2027,8 @@
         </p:nvSpPr>
         <p:spPr>
           <a:xfrm>
-            <a:off x="838080" y="1335960"/>
-            <a:ext cx="10515240" cy="5019480"/>
+            <a:off x="609480" y="1604520"/>
+            <a:ext cx="10972440" cy="3977280"/>
           </a:xfrm>
           <a:prstGeom prst="rect">
             <a:avLst/>
@@ -2177,11 +2039,8 @@
             <a:normAutofit/>
           </a:bodyPr>
           <a:p>
-            <a:endParaRPr b="0" lang="zh-CN" sz="2800" spc="-1" strike="noStrike">
-              <a:solidFill>
-                <a:srgbClr val="000000"/>
-              </a:solidFill>
-              <a:latin typeface="Calibri"/>
+            <a:endParaRPr b="0" lang="en-US" sz="3200" spc="-1" strike="noStrike">
+              <a:latin typeface="Arial"/>
             </a:endParaRPr>
           </a:p>
         </p:txBody>
@@ -2210,7 +2069,7 @@
       </p:grpSpPr>
       <p:sp>
         <p:nvSpPr>
-          <p:cNvPr id="9" name="PlaceHolder 1"/>
+          <p:cNvPr id="6" name="PlaceHolder 1"/>
           <p:cNvSpPr>
             <a:spLocks noGrp="1"/>
           </p:cNvSpPr>
@@ -2220,8 +2079,8 @@
         </p:nvSpPr>
         <p:spPr>
           <a:xfrm>
-            <a:off x="838080" y="365040"/>
-            <a:ext cx="10515240" cy="791640"/>
+            <a:off x="609480" y="273600"/>
+            <a:ext cx="10972440" cy="1144800"/>
           </a:xfrm>
           <a:prstGeom prst="rect">
             <a:avLst/>
@@ -2230,18 +2089,16 @@
         <p:txBody>
           <a:bodyPr lIns="0" rIns="0" tIns="0" bIns="0" anchor="ctr"/>
           <a:p>
-            <a:endParaRPr b="0" lang="zh-CN" sz="1800" spc="-1" strike="noStrike">
-              <a:solidFill>
-                <a:srgbClr val="000000"/>
-              </a:solidFill>
-              <a:latin typeface="Calibri"/>
-            </a:endParaRPr>
-          </a:p>
-        </p:txBody>
-      </p:sp>
-      <p:sp>
-        <p:nvSpPr>
-          <p:cNvPr id="10" name="PlaceHolder 2"/>
+            <a:pPr algn="ctr"/>
+            <a:endParaRPr b="0" lang="en-US" sz="4400" spc="-1" strike="noStrike">
+              <a:latin typeface="Arial"/>
+            </a:endParaRPr>
+          </a:p>
+        </p:txBody>
+      </p:sp>
+      <p:sp>
+        <p:nvSpPr>
+          <p:cNvPr id="7" name="PlaceHolder 2"/>
           <p:cNvSpPr>
             <a:spLocks noGrp="1"/>
           </p:cNvSpPr>
@@ -2251,8 +2108,8 @@
         </p:nvSpPr>
         <p:spPr>
           <a:xfrm>
-            <a:off x="838080" y="1335960"/>
-            <a:ext cx="5131080" cy="5019480"/>
+            <a:off x="609480" y="1604520"/>
+            <a:ext cx="5354280" cy="3977280"/>
           </a:xfrm>
           <a:prstGeom prst="rect">
             <a:avLst/>
@@ -2263,18 +2120,15 @@
             <a:normAutofit/>
           </a:bodyPr>
           <a:p>
-            <a:endParaRPr b="0" lang="zh-CN" sz="2800" spc="-1" strike="noStrike">
-              <a:solidFill>
-                <a:srgbClr val="000000"/>
-              </a:solidFill>
-              <a:latin typeface="Calibri"/>
-            </a:endParaRPr>
-          </a:p>
-        </p:txBody>
-      </p:sp>
-      <p:sp>
-        <p:nvSpPr>
-          <p:cNvPr id="11" name="PlaceHolder 3"/>
+            <a:endParaRPr b="0" lang="en-US" sz="3200" spc="-1" strike="noStrike">
+              <a:latin typeface="Arial"/>
+            </a:endParaRPr>
+          </a:p>
+        </p:txBody>
+      </p:sp>
+      <p:sp>
+        <p:nvSpPr>
+          <p:cNvPr id="8" name="PlaceHolder 3"/>
           <p:cNvSpPr>
             <a:spLocks noGrp="1"/>
           </p:cNvSpPr>
@@ -2284,8 +2138,8 @@
         </p:nvSpPr>
         <p:spPr>
           <a:xfrm>
-            <a:off x="6226200" y="1335960"/>
-            <a:ext cx="5131080" cy="5019480"/>
+            <a:off x="6231960" y="1604520"/>
+            <a:ext cx="5354280" cy="3977280"/>
           </a:xfrm>
           <a:prstGeom prst="rect">
             <a:avLst/>
@@ -2296,11 +2150,8 @@
             <a:normAutofit/>
           </a:bodyPr>
           <a:p>
-            <a:endParaRPr b="0" lang="zh-CN" sz="2800" spc="-1" strike="noStrike">
-              <a:solidFill>
-                <a:srgbClr val="000000"/>
-              </a:solidFill>
-              <a:latin typeface="Calibri"/>
+            <a:endParaRPr b="0" lang="en-US" sz="3200" spc="-1" strike="noStrike">
+              <a:latin typeface="Arial"/>
             </a:endParaRPr>
           </a:p>
         </p:txBody>
@@ -2329,7 +2180,7 @@
       </p:grpSpPr>
       <p:sp>
         <p:nvSpPr>
-          <p:cNvPr id="12" name="PlaceHolder 1"/>
+          <p:cNvPr id="9" name="PlaceHolder 1"/>
           <p:cNvSpPr>
             <a:spLocks noGrp="1"/>
           </p:cNvSpPr>
@@ -2339,8 +2190,8 @@
         </p:nvSpPr>
         <p:spPr>
           <a:xfrm>
-            <a:off x="838080" y="365040"/>
-            <a:ext cx="10515240" cy="791640"/>
+            <a:off x="609480" y="273600"/>
+            <a:ext cx="10972440" cy="1144800"/>
           </a:xfrm>
           <a:prstGeom prst="rect">
             <a:avLst/>
@@ -2349,11 +2200,9 @@
         <p:txBody>
           <a:bodyPr lIns="0" rIns="0" tIns="0" bIns="0" anchor="ctr"/>
           <a:p>
-            <a:endParaRPr b="0" lang="zh-CN" sz="1800" spc="-1" strike="noStrike">
-              <a:solidFill>
-                <a:srgbClr val="000000"/>
-              </a:solidFill>
-              <a:latin typeface="Calibri"/>
+            <a:pPr algn="ctr"/>
+            <a:endParaRPr b="0" lang="en-US" sz="4400" spc="-1" strike="noStrike">
+              <a:latin typeface="Arial"/>
             </a:endParaRPr>
           </a:p>
         </p:txBody>
@@ -2382,7 +2231,7 @@
       </p:grpSpPr>
       <p:sp>
         <p:nvSpPr>
-          <p:cNvPr id="13" name="PlaceHolder 1"/>
+          <p:cNvPr id="10" name="PlaceHolder 1"/>
           <p:cNvSpPr>
             <a:spLocks noGrp="1"/>
           </p:cNvSpPr>
@@ -2392,8 +2241,8 @@
         </p:nvSpPr>
         <p:spPr>
           <a:xfrm>
-            <a:off x="838080" y="365040"/>
-            <a:ext cx="10515240" cy="3670920"/>
+            <a:off x="609480" y="273600"/>
+            <a:ext cx="10972440" cy="5307840"/>
           </a:xfrm>
           <a:prstGeom prst="rect">
             <a:avLst/>
@@ -2433,7 +2282,7 @@
       </p:grpSpPr>
       <p:sp>
         <p:nvSpPr>
-          <p:cNvPr id="14" name="PlaceHolder 1"/>
+          <p:cNvPr id="11" name="PlaceHolder 1"/>
           <p:cNvSpPr>
             <a:spLocks noGrp="1"/>
           </p:cNvSpPr>
@@ -2443,8 +2292,8 @@
         </p:nvSpPr>
         <p:spPr>
           <a:xfrm>
-            <a:off x="838080" y="365040"/>
-            <a:ext cx="10515240" cy="791640"/>
+            <a:off x="609480" y="273600"/>
+            <a:ext cx="10972440" cy="1144800"/>
           </a:xfrm>
           <a:prstGeom prst="rect">
             <a:avLst/>
@@ -2453,18 +2302,16 @@
         <p:txBody>
           <a:bodyPr lIns="0" rIns="0" tIns="0" bIns="0" anchor="ctr"/>
           <a:p>
-            <a:endParaRPr b="0" lang="zh-CN" sz="1800" spc="-1" strike="noStrike">
-              <a:solidFill>
-                <a:srgbClr val="000000"/>
-              </a:solidFill>
-              <a:latin typeface="Calibri"/>
-            </a:endParaRPr>
-          </a:p>
-        </p:txBody>
-      </p:sp>
-      <p:sp>
-        <p:nvSpPr>
-          <p:cNvPr id="15" name="PlaceHolder 2"/>
+            <a:pPr algn="ctr"/>
+            <a:endParaRPr b="0" lang="en-US" sz="4400" spc="-1" strike="noStrike">
+              <a:latin typeface="Arial"/>
+            </a:endParaRPr>
+          </a:p>
+        </p:txBody>
+      </p:sp>
+      <p:sp>
+        <p:nvSpPr>
+          <p:cNvPr id="12" name="PlaceHolder 2"/>
           <p:cNvSpPr>
             <a:spLocks noGrp="1"/>
           </p:cNvSpPr>
@@ -2474,8 +2321,8 @@
         </p:nvSpPr>
         <p:spPr>
           <a:xfrm>
-            <a:off x="838080" y="1335960"/>
-            <a:ext cx="5131080" cy="2394000"/>
+            <a:off x="609480" y="1604520"/>
+            <a:ext cx="5354280" cy="1896840"/>
           </a:xfrm>
           <a:prstGeom prst="rect">
             <a:avLst/>
@@ -2486,18 +2333,15 @@
             <a:normAutofit/>
           </a:bodyPr>
           <a:p>
-            <a:endParaRPr b="0" lang="zh-CN" sz="2800" spc="-1" strike="noStrike">
-              <a:solidFill>
-                <a:srgbClr val="000000"/>
-              </a:solidFill>
-              <a:latin typeface="Calibri"/>
-            </a:endParaRPr>
-          </a:p>
-        </p:txBody>
-      </p:sp>
-      <p:sp>
-        <p:nvSpPr>
-          <p:cNvPr id="16" name="PlaceHolder 3"/>
+            <a:endParaRPr b="0" lang="en-US" sz="3200" spc="-1" strike="noStrike">
+              <a:latin typeface="Arial"/>
+            </a:endParaRPr>
+          </a:p>
+        </p:txBody>
+      </p:sp>
+      <p:sp>
+        <p:nvSpPr>
+          <p:cNvPr id="13" name="PlaceHolder 3"/>
           <p:cNvSpPr>
             <a:spLocks noGrp="1"/>
           </p:cNvSpPr>
@@ -2507,8 +2351,8 @@
         </p:nvSpPr>
         <p:spPr>
           <a:xfrm>
-            <a:off x="6226200" y="1335960"/>
-            <a:ext cx="5131080" cy="5019480"/>
+            <a:off x="6231960" y="1604520"/>
+            <a:ext cx="5354280" cy="3977280"/>
           </a:xfrm>
           <a:prstGeom prst="rect">
             <a:avLst/>
@@ -2519,18 +2363,15 @@
             <a:normAutofit/>
           </a:bodyPr>
           <a:p>
-            <a:endParaRPr b="0" lang="zh-CN" sz="2800" spc="-1" strike="noStrike">
-              <a:solidFill>
-                <a:srgbClr val="000000"/>
-              </a:solidFill>
-              <a:latin typeface="Calibri"/>
-            </a:endParaRPr>
-          </a:p>
-        </p:txBody>
-      </p:sp>
-      <p:sp>
-        <p:nvSpPr>
-          <p:cNvPr id="17" name="PlaceHolder 4"/>
+            <a:endParaRPr b="0" lang="en-US" sz="3200" spc="-1" strike="noStrike">
+              <a:latin typeface="Arial"/>
+            </a:endParaRPr>
+          </a:p>
+        </p:txBody>
+      </p:sp>
+      <p:sp>
+        <p:nvSpPr>
+          <p:cNvPr id="14" name="PlaceHolder 4"/>
           <p:cNvSpPr>
             <a:spLocks noGrp="1"/>
           </p:cNvSpPr>
@@ -2540,8 +2381,8 @@
         </p:nvSpPr>
         <p:spPr>
           <a:xfrm>
-            <a:off x="838080" y="3957840"/>
-            <a:ext cx="5131080" cy="2394000"/>
+            <a:off x="609480" y="3682080"/>
+            <a:ext cx="5354280" cy="1896840"/>
           </a:xfrm>
           <a:prstGeom prst="rect">
             <a:avLst/>
@@ -2552,11 +2393,8 @@
             <a:normAutofit/>
           </a:bodyPr>
           <a:p>
-            <a:endParaRPr b="0" lang="zh-CN" sz="2800" spc="-1" strike="noStrike">
-              <a:solidFill>
-                <a:srgbClr val="000000"/>
-              </a:solidFill>
-              <a:latin typeface="Calibri"/>
+            <a:endParaRPr b="0" lang="en-US" sz="3200" spc="-1" strike="noStrike">
+              <a:latin typeface="Arial"/>
             </a:endParaRPr>
           </a:p>
         </p:txBody>
@@ -2585,7 +2423,7 @@
       </p:grpSpPr>
       <p:sp>
         <p:nvSpPr>
-          <p:cNvPr id="18" name="PlaceHolder 1"/>
+          <p:cNvPr id="15" name="PlaceHolder 1"/>
           <p:cNvSpPr>
             <a:spLocks noGrp="1"/>
           </p:cNvSpPr>
@@ -2595,8 +2433,8 @@
         </p:nvSpPr>
         <p:spPr>
           <a:xfrm>
-            <a:off x="838080" y="365040"/>
-            <a:ext cx="10515240" cy="791640"/>
+            <a:off x="609480" y="273600"/>
+            <a:ext cx="10972440" cy="1144800"/>
           </a:xfrm>
           <a:prstGeom prst="rect">
             <a:avLst/>
@@ -2605,18 +2443,16 @@
         <p:txBody>
           <a:bodyPr lIns="0" rIns="0" tIns="0" bIns="0" anchor="ctr"/>
           <a:p>
-            <a:endParaRPr b="0" lang="zh-CN" sz="1800" spc="-1" strike="noStrike">
-              <a:solidFill>
-                <a:srgbClr val="000000"/>
-              </a:solidFill>
-              <a:latin typeface="Calibri"/>
-            </a:endParaRPr>
-          </a:p>
-        </p:txBody>
-      </p:sp>
-      <p:sp>
-        <p:nvSpPr>
-          <p:cNvPr id="19" name="PlaceHolder 2"/>
+            <a:pPr algn="ctr"/>
+            <a:endParaRPr b="0" lang="en-US" sz="4400" spc="-1" strike="noStrike">
+              <a:latin typeface="Arial"/>
+            </a:endParaRPr>
+          </a:p>
+        </p:txBody>
+      </p:sp>
+      <p:sp>
+        <p:nvSpPr>
+          <p:cNvPr id="16" name="PlaceHolder 2"/>
           <p:cNvSpPr>
             <a:spLocks noGrp="1"/>
           </p:cNvSpPr>
@@ -2626,8 +2462,8 @@
         </p:nvSpPr>
         <p:spPr>
           <a:xfrm>
-            <a:off x="838080" y="1335960"/>
-            <a:ext cx="5131080" cy="5019480"/>
+            <a:off x="609480" y="1604520"/>
+            <a:ext cx="5354280" cy="3977280"/>
           </a:xfrm>
           <a:prstGeom prst="rect">
             <a:avLst/>
@@ -2638,18 +2474,15 @@
             <a:normAutofit/>
           </a:bodyPr>
           <a:p>
-            <a:endParaRPr b="0" lang="zh-CN" sz="2800" spc="-1" strike="noStrike">
-              <a:solidFill>
-                <a:srgbClr val="000000"/>
-              </a:solidFill>
-              <a:latin typeface="Calibri"/>
-            </a:endParaRPr>
-          </a:p>
-        </p:txBody>
-      </p:sp>
-      <p:sp>
-        <p:nvSpPr>
-          <p:cNvPr id="20" name="PlaceHolder 3"/>
+            <a:endParaRPr b="0" lang="en-US" sz="3200" spc="-1" strike="noStrike">
+              <a:latin typeface="Arial"/>
+            </a:endParaRPr>
+          </a:p>
+        </p:txBody>
+      </p:sp>
+      <p:sp>
+        <p:nvSpPr>
+          <p:cNvPr id="17" name="PlaceHolder 3"/>
           <p:cNvSpPr>
             <a:spLocks noGrp="1"/>
           </p:cNvSpPr>
@@ -2659,8 +2492,8 @@
         </p:nvSpPr>
         <p:spPr>
           <a:xfrm>
-            <a:off x="6226200" y="1335960"/>
-            <a:ext cx="5131080" cy="2394000"/>
+            <a:off x="6231960" y="1604520"/>
+            <a:ext cx="5354280" cy="1896840"/>
           </a:xfrm>
           <a:prstGeom prst="rect">
             <a:avLst/>
@@ -2671,18 +2504,15 @@
             <a:normAutofit/>
           </a:bodyPr>
           <a:p>
-            <a:endParaRPr b="0" lang="zh-CN" sz="2800" spc="-1" strike="noStrike">
-              <a:solidFill>
-                <a:srgbClr val="000000"/>
-              </a:solidFill>
-              <a:latin typeface="Calibri"/>
-            </a:endParaRPr>
-          </a:p>
-        </p:txBody>
-      </p:sp>
-      <p:sp>
-        <p:nvSpPr>
-          <p:cNvPr id="21" name="PlaceHolder 4"/>
+            <a:endParaRPr b="0" lang="en-US" sz="3200" spc="-1" strike="noStrike">
+              <a:latin typeface="Arial"/>
+            </a:endParaRPr>
+          </a:p>
+        </p:txBody>
+      </p:sp>
+      <p:sp>
+        <p:nvSpPr>
+          <p:cNvPr id="18" name="PlaceHolder 4"/>
           <p:cNvSpPr>
             <a:spLocks noGrp="1"/>
           </p:cNvSpPr>
@@ -2692,8 +2522,8 @@
         </p:nvSpPr>
         <p:spPr>
           <a:xfrm>
-            <a:off x="6226200" y="3957840"/>
-            <a:ext cx="5131080" cy="2394000"/>
+            <a:off x="6231960" y="3682080"/>
+            <a:ext cx="5354280" cy="1896840"/>
           </a:xfrm>
           <a:prstGeom prst="rect">
             <a:avLst/>
@@ -2704,11 +2534,8 @@
             <a:normAutofit/>
           </a:bodyPr>
           <a:p>
-            <a:endParaRPr b="0" lang="zh-CN" sz="2800" spc="-1" strike="noStrike">
-              <a:solidFill>
-                <a:srgbClr val="000000"/>
-              </a:solidFill>
-              <a:latin typeface="Calibri"/>
+            <a:endParaRPr b="0" lang="en-US" sz="3200" spc="-1" strike="noStrike">
+              <a:latin typeface="Arial"/>
             </a:endParaRPr>
           </a:p>
         </p:txBody>
@@ -2737,7 +2564,7 @@
       </p:grpSpPr>
       <p:sp>
         <p:nvSpPr>
-          <p:cNvPr id="22" name="PlaceHolder 1"/>
+          <p:cNvPr id="19" name="PlaceHolder 1"/>
           <p:cNvSpPr>
             <a:spLocks noGrp="1"/>
           </p:cNvSpPr>
@@ -2747,8 +2574,8 @@
         </p:nvSpPr>
         <p:spPr>
           <a:xfrm>
-            <a:off x="838080" y="365040"/>
-            <a:ext cx="10515240" cy="791640"/>
+            <a:off x="609480" y="273600"/>
+            <a:ext cx="10972440" cy="1144800"/>
           </a:xfrm>
           <a:prstGeom prst="rect">
             <a:avLst/>
@@ -2757,18 +2584,16 @@
         <p:txBody>
           <a:bodyPr lIns="0" rIns="0" tIns="0" bIns="0" anchor="ctr"/>
           <a:p>
-            <a:endParaRPr b="0" lang="zh-CN" sz="1800" spc="-1" strike="noStrike">
-              <a:solidFill>
-                <a:srgbClr val="000000"/>
-              </a:solidFill>
-              <a:latin typeface="Calibri"/>
-            </a:endParaRPr>
-          </a:p>
-        </p:txBody>
-      </p:sp>
-      <p:sp>
-        <p:nvSpPr>
-          <p:cNvPr id="23" name="PlaceHolder 2"/>
+            <a:pPr algn="ctr"/>
+            <a:endParaRPr b="0" lang="en-US" sz="4400" spc="-1" strike="noStrike">
+              <a:latin typeface="Arial"/>
+            </a:endParaRPr>
+          </a:p>
+        </p:txBody>
+      </p:sp>
+      <p:sp>
+        <p:nvSpPr>
+          <p:cNvPr id="20" name="PlaceHolder 2"/>
           <p:cNvSpPr>
             <a:spLocks noGrp="1"/>
           </p:cNvSpPr>
@@ -2778,8 +2603,8 @@
         </p:nvSpPr>
         <p:spPr>
           <a:xfrm>
-            <a:off x="838080" y="1335960"/>
-            <a:ext cx="5131080" cy="2394000"/>
+            <a:off x="609480" y="1604520"/>
+            <a:ext cx="5354280" cy="1896840"/>
           </a:xfrm>
           <a:prstGeom prst="rect">
             <a:avLst/>
@@ -2790,18 +2615,15 @@
             <a:normAutofit/>
           </a:bodyPr>
           <a:p>
-            <a:endParaRPr b="0" lang="zh-CN" sz="2800" spc="-1" strike="noStrike">
-              <a:solidFill>
-                <a:srgbClr val="000000"/>
-              </a:solidFill>
-              <a:latin typeface="Calibri"/>
-            </a:endParaRPr>
-          </a:p>
-        </p:txBody>
-      </p:sp>
-      <p:sp>
-        <p:nvSpPr>
-          <p:cNvPr id="24" name="PlaceHolder 3"/>
+            <a:endParaRPr b="0" lang="en-US" sz="3200" spc="-1" strike="noStrike">
+              <a:latin typeface="Arial"/>
+            </a:endParaRPr>
+          </a:p>
+        </p:txBody>
+      </p:sp>
+      <p:sp>
+        <p:nvSpPr>
+          <p:cNvPr id="21" name="PlaceHolder 3"/>
           <p:cNvSpPr>
             <a:spLocks noGrp="1"/>
           </p:cNvSpPr>
@@ -2811,8 +2633,8 @@
         </p:nvSpPr>
         <p:spPr>
           <a:xfrm>
-            <a:off x="6226200" y="1335960"/>
-            <a:ext cx="5131080" cy="2394000"/>
+            <a:off x="6231960" y="1604520"/>
+            <a:ext cx="5354280" cy="1896840"/>
           </a:xfrm>
           <a:prstGeom prst="rect">
             <a:avLst/>
@@ -2823,18 +2645,15 @@
             <a:normAutofit/>
           </a:bodyPr>
           <a:p>
-            <a:endParaRPr b="0" lang="zh-CN" sz="2800" spc="-1" strike="noStrike">
-              <a:solidFill>
-                <a:srgbClr val="000000"/>
-              </a:solidFill>
-              <a:latin typeface="Calibri"/>
-            </a:endParaRPr>
-          </a:p>
-        </p:txBody>
-      </p:sp>
-      <p:sp>
-        <p:nvSpPr>
-          <p:cNvPr id="25" name="PlaceHolder 4"/>
+            <a:endParaRPr b="0" lang="en-US" sz="3200" spc="-1" strike="noStrike">
+              <a:latin typeface="Arial"/>
+            </a:endParaRPr>
+          </a:p>
+        </p:txBody>
+      </p:sp>
+      <p:sp>
+        <p:nvSpPr>
+          <p:cNvPr id="22" name="PlaceHolder 4"/>
           <p:cNvSpPr>
             <a:spLocks noGrp="1"/>
           </p:cNvSpPr>
@@ -2844,8 +2663,8 @@
         </p:nvSpPr>
         <p:spPr>
           <a:xfrm>
-            <a:off x="838080" y="3957840"/>
-            <a:ext cx="10515240" cy="2394000"/>
+            <a:off x="609480" y="3682080"/>
+            <a:ext cx="10972440" cy="1896840"/>
           </a:xfrm>
           <a:prstGeom prst="rect">
             <a:avLst/>
@@ -2856,11 +2675,8 @@
             <a:normAutofit/>
           </a:bodyPr>
           <a:p>
-            <a:endParaRPr b="0" lang="zh-CN" sz="2800" spc="-1" strike="noStrike">
-              <a:solidFill>
-                <a:srgbClr val="000000"/>
-              </a:solidFill>
-              <a:latin typeface="Calibri"/>
+            <a:endParaRPr b="0" lang="en-US" sz="3200" spc="-1" strike="noStrike">
+              <a:latin typeface="Arial"/>
             </a:endParaRPr>
           </a:p>
         </p:txBody>
@@ -2906,44 +2722,36 @@
         </p:nvSpPr>
         <p:spPr>
           <a:xfrm>
-            <a:off x="1523880" y="1122480"/>
-            <a:ext cx="9143640" cy="2387160"/>
-          </a:xfrm>
-          <a:prstGeom prst="rect">
-            <a:avLst/>
-          </a:prstGeom>
-        </p:spPr>
-        <p:txBody>
-          <a:bodyPr anchor="b"/>
-          <a:p>
-            <a:pPr algn="ctr">
-              <a:lnSpc>
-                <a:spcPct val="90000"/>
-              </a:lnSpc>
-            </a:pPr>
-            <a:r>
-              <a:rPr b="0" lang="zh-CN" sz="4000" spc="-1" strike="noStrike">
-                <a:solidFill>
-                  <a:srgbClr val="000000"/>
-                </a:solidFill>
-                <a:latin typeface="Calibri Light"/>
-              </a:rPr>
-              <a:t>单击此处编辑</a:t>
-            </a:r>
-            <a:r>
-              <a:rPr b="0" lang="zh-CN" sz="4000" spc="-1" strike="noStrike">
-                <a:solidFill>
-                  <a:srgbClr val="000000"/>
-                </a:solidFill>
-                <a:latin typeface="Calibri Light"/>
-              </a:rPr>
-              <a:t>母版标题样式</a:t>
-            </a:r>
-            <a:endParaRPr b="0" lang="zh-CN" sz="4000" spc="-1" strike="noStrike">
-              <a:solidFill>
-                <a:srgbClr val="000000"/>
-              </a:solidFill>
-              <a:latin typeface="Calibri"/>
+            <a:off x="838080" y="365040"/>
+            <a:ext cx="10514880" cy="791280"/>
+          </a:xfrm>
+          <a:prstGeom prst="rect">
+            <a:avLst/>
+          </a:prstGeom>
+        </p:spPr>
+        <p:txBody>
+          <a:bodyPr lIns="0" rIns="0" tIns="0" bIns="0" anchor="ctr"/>
+          <a:p>
+            <a:r>
+              <a:rPr b="0" lang="en-US" sz="1800" spc="-1" strike="noStrike">
+                <a:latin typeface="Arial"/>
+              </a:rPr>
+              <a:t>单击鼠标编</a:t>
+            </a:r>
+            <a:r>
+              <a:rPr b="0" lang="en-US" sz="1800" spc="-1" strike="noStrike">
+                <a:latin typeface="Arial"/>
+              </a:rPr>
+              <a:t>辑标题文字</a:t>
+            </a:r>
+            <a:r>
+              <a:rPr b="0" lang="en-US" sz="1800" spc="-1" strike="noStrike">
+                <a:latin typeface="Arial"/>
+              </a:rPr>
+              <a:t>格式</a:t>
+            </a:r>
+            <a:endParaRPr b="0" lang="en-US" sz="1800" spc="-1" strike="noStrike">
+              <a:latin typeface="Arial"/>
             </a:endParaRPr>
           </a:p>
         </p:txBody>
@@ -2951,90 +2759,6 @@
       <p:sp>
         <p:nvSpPr>
           <p:cNvPr id="1" name="PlaceHolder 2"/>
-          <p:cNvSpPr>
-            <a:spLocks noGrp="1"/>
-          </p:cNvSpPr>
-          <p:nvPr>
-            <p:ph type="dt"/>
-          </p:nvPr>
-        </p:nvSpPr>
-        <p:spPr>
-          <a:xfrm>
-            <a:off x="838080" y="6356520"/>
-            <a:ext cx="2742840" cy="364680"/>
-          </a:xfrm>
-          <a:prstGeom prst="rect">
-            <a:avLst/>
-          </a:prstGeom>
-        </p:spPr>
-        <p:txBody>
-          <a:bodyPr anchor="ctr"/>
-          <a:p>
-            <a:endParaRPr b="0" lang="en-US" sz="2400" spc="-1" strike="noStrike">
-              <a:latin typeface="Times New Roman"/>
-            </a:endParaRPr>
-          </a:p>
-        </p:txBody>
-      </p:sp>
-      <p:sp>
-        <p:nvSpPr>
-          <p:cNvPr id="2" name="PlaceHolder 3"/>
-          <p:cNvSpPr>
-            <a:spLocks noGrp="1"/>
-          </p:cNvSpPr>
-          <p:nvPr>
-            <p:ph type="ftr"/>
-          </p:nvPr>
-        </p:nvSpPr>
-        <p:spPr>
-          <a:xfrm>
-            <a:off x="4038480" y="6356520"/>
-            <a:ext cx="4114440" cy="364680"/>
-          </a:xfrm>
-          <a:prstGeom prst="rect">
-            <a:avLst/>
-          </a:prstGeom>
-        </p:spPr>
-        <p:txBody>
-          <a:bodyPr anchor="ctr"/>
-          <a:p>
-            <a:endParaRPr b="0" lang="en-US" sz="2400" spc="-1" strike="noStrike">
-              <a:latin typeface="Times New Roman"/>
-            </a:endParaRPr>
-          </a:p>
-        </p:txBody>
-      </p:sp>
-      <p:sp>
-        <p:nvSpPr>
-          <p:cNvPr id="3" name="PlaceHolder 4"/>
-          <p:cNvSpPr>
-            <a:spLocks noGrp="1"/>
-          </p:cNvSpPr>
-          <p:nvPr>
-            <p:ph type="sldNum"/>
-          </p:nvPr>
-        </p:nvSpPr>
-        <p:spPr>
-          <a:xfrm>
-            <a:off x="8610480" y="6356520"/>
-            <a:ext cx="2742840" cy="364680"/>
-          </a:xfrm>
-          <a:prstGeom prst="rect">
-            <a:avLst/>
-          </a:prstGeom>
-        </p:spPr>
-        <p:txBody>
-          <a:bodyPr anchor="ctr"/>
-          <a:p>
-            <a:endParaRPr b="0" lang="en-US" sz="2400" spc="-1" strike="noStrike">
-              <a:latin typeface="Times New Roman"/>
-            </a:endParaRPr>
-          </a:p>
-        </p:txBody>
-      </p:sp>
-      <p:sp>
-        <p:nvSpPr>
-          <p:cNvPr id="4" name="PlaceHolder 5"/>
           <p:cNvSpPr>
             <a:spLocks noGrp="1"/>
           </p:cNvSpPr>
@@ -3068,19 +2792,13 @@
               <a:buChar char=""/>
             </a:pPr>
             <a:r>
-              <a:rPr b="0" lang="zh-CN" sz="2800" spc="-1" strike="noStrike">
-                <a:solidFill>
-                  <a:srgbClr val="000000"/>
-                </a:solidFill>
-                <a:latin typeface="Calibri"/>
+              <a:rPr b="0" lang="en-US" sz="3200" spc="-1" strike="noStrike">
+                <a:latin typeface="Arial"/>
               </a:rPr>
               <a:t>单击鼠标编辑大纲文字格式</a:t>
             </a:r>
-            <a:endParaRPr b="0" lang="zh-CN" sz="2800" spc="-1" strike="noStrike">
-              <a:solidFill>
-                <a:srgbClr val="000000"/>
-              </a:solidFill>
-              <a:latin typeface="Calibri"/>
+            <a:endParaRPr b="0" lang="en-US" sz="3200" spc="-1" strike="noStrike">
+              <a:latin typeface="Arial"/>
             </a:endParaRPr>
           </a:p>
           <a:p>
@@ -3096,19 +2814,13 @@
               <a:buChar char=""/>
             </a:pPr>
             <a:r>
-              <a:rPr b="0" lang="zh-CN" sz="2000" spc="-1" strike="noStrike">
-                <a:solidFill>
-                  <a:srgbClr val="000000"/>
-                </a:solidFill>
-                <a:latin typeface="Calibri"/>
+              <a:rPr b="0" lang="en-US" sz="2800" spc="-1" strike="noStrike">
+                <a:latin typeface="Arial"/>
               </a:rPr>
               <a:t>第二个大纲级</a:t>
             </a:r>
-            <a:endParaRPr b="0" lang="zh-CN" sz="2000" spc="-1" strike="noStrike">
-              <a:solidFill>
-                <a:srgbClr val="000000"/>
-              </a:solidFill>
-              <a:latin typeface="Calibri"/>
+            <a:endParaRPr b="0" lang="en-US" sz="2800" spc="-1" strike="noStrike">
+              <a:latin typeface="Arial"/>
             </a:endParaRPr>
           </a:p>
           <a:p>
@@ -3124,19 +2836,13 @@
               <a:buChar char=""/>
             </a:pPr>
             <a:r>
-              <a:rPr b="0" lang="zh-CN" sz="1800" spc="-1" strike="noStrike">
-                <a:solidFill>
-                  <a:srgbClr val="000000"/>
-                </a:solidFill>
-                <a:latin typeface="Calibri"/>
+              <a:rPr b="0" lang="en-US" sz="2400" spc="-1" strike="noStrike">
+                <a:latin typeface="Arial"/>
               </a:rPr>
               <a:t>第三大纲级别</a:t>
             </a:r>
-            <a:endParaRPr b="0" lang="zh-CN" sz="1800" spc="-1" strike="noStrike">
-              <a:solidFill>
-                <a:srgbClr val="000000"/>
-              </a:solidFill>
-              <a:latin typeface="Calibri"/>
+            <a:endParaRPr b="0" lang="en-US" sz="2400" spc="-1" strike="noStrike">
+              <a:latin typeface="Arial"/>
             </a:endParaRPr>
           </a:p>
           <a:p>
@@ -3152,19 +2858,13 @@
               <a:buChar char=""/>
             </a:pPr>
             <a:r>
-              <a:rPr b="0" lang="zh-CN" sz="1800" spc="-1" strike="noStrike">
-                <a:solidFill>
-                  <a:srgbClr val="000000"/>
-                </a:solidFill>
-                <a:latin typeface="Calibri"/>
+              <a:rPr b="0" lang="en-US" sz="2000" spc="-1" strike="noStrike">
+                <a:latin typeface="Arial"/>
               </a:rPr>
               <a:t>第四大纲级别</a:t>
             </a:r>
-            <a:endParaRPr b="0" lang="zh-CN" sz="1800" spc="-1" strike="noStrike">
-              <a:solidFill>
-                <a:srgbClr val="000000"/>
-              </a:solidFill>
-              <a:latin typeface="Calibri"/>
+            <a:endParaRPr b="0" lang="en-US" sz="2000" spc="-1" strike="noStrike">
+              <a:latin typeface="Arial"/>
             </a:endParaRPr>
           </a:p>
           <a:p>
@@ -3180,19 +2880,13 @@
               <a:buChar char=""/>
             </a:pPr>
             <a:r>
-              <a:rPr b="0" lang="zh-CN" sz="2000" spc="-1" strike="noStrike">
-                <a:solidFill>
-                  <a:srgbClr val="000000"/>
-                </a:solidFill>
-                <a:latin typeface="Calibri"/>
+              <a:rPr b="0" lang="en-US" sz="2000" spc="-1" strike="noStrike">
+                <a:latin typeface="Arial"/>
               </a:rPr>
               <a:t>第五大纲级别</a:t>
             </a:r>
-            <a:endParaRPr b="0" lang="zh-CN" sz="2000" spc="-1" strike="noStrike">
-              <a:solidFill>
-                <a:srgbClr val="000000"/>
-              </a:solidFill>
-              <a:latin typeface="Calibri"/>
+            <a:endParaRPr b="0" lang="en-US" sz="2000" spc="-1" strike="noStrike">
+              <a:latin typeface="Arial"/>
             </a:endParaRPr>
           </a:p>
           <a:p>
@@ -3208,19 +2902,13 @@
               <a:buChar char=""/>
             </a:pPr>
             <a:r>
-              <a:rPr b="0" lang="zh-CN" sz="2000" spc="-1" strike="noStrike">
-                <a:solidFill>
-                  <a:srgbClr val="000000"/>
-                </a:solidFill>
-                <a:latin typeface="Calibri"/>
+              <a:rPr b="0" lang="en-US" sz="2000" spc="-1" strike="noStrike">
+                <a:latin typeface="Arial"/>
               </a:rPr>
               <a:t>第六大纲级别</a:t>
             </a:r>
-            <a:endParaRPr b="0" lang="zh-CN" sz="2000" spc="-1" strike="noStrike">
-              <a:solidFill>
-                <a:srgbClr val="000000"/>
-              </a:solidFill>
-              <a:latin typeface="Calibri"/>
+            <a:endParaRPr b="0" lang="en-US" sz="2000" spc="-1" strike="noStrike">
+              <a:latin typeface="Arial"/>
             </a:endParaRPr>
           </a:p>
           <a:p>
@@ -3236,19 +2924,13 @@
               <a:buChar char=""/>
             </a:pPr>
             <a:r>
-              <a:rPr b="0" lang="zh-CN" sz="2000" spc="-1" strike="noStrike">
-                <a:solidFill>
-                  <a:srgbClr val="000000"/>
-                </a:solidFill>
-                <a:latin typeface="Calibri"/>
+              <a:rPr b="0" lang="en-US" sz="2000" spc="-1" strike="noStrike">
+                <a:latin typeface="Arial"/>
               </a:rPr>
               <a:t>第七大纲级别</a:t>
             </a:r>
-            <a:endParaRPr b="0" lang="zh-CN" sz="2000" spc="-1" strike="noStrike">
-              <a:solidFill>
-                <a:srgbClr val="000000"/>
-              </a:solidFill>
-              <a:latin typeface="Calibri"/>
+            <a:endParaRPr b="0" lang="en-US" sz="2000" spc="-1" strike="noStrike">
+              <a:latin typeface="Arial"/>
             </a:endParaRPr>
           </a:p>
         </p:txBody>
@@ -3299,7 +2981,7 @@
       </p:grpSpPr>
       <p:sp>
         <p:nvSpPr>
-          <p:cNvPr id="41" name="PlaceHolder 1"/>
+          <p:cNvPr id="38" name="PlaceHolder 1"/>
           <p:cNvSpPr>
             <a:spLocks noGrp="1"/>
           </p:cNvSpPr>
@@ -3309,51 +2991,44 @@
         </p:nvSpPr>
         <p:spPr>
           <a:xfrm>
-            <a:off x="838080" y="365040"/>
-            <a:ext cx="10515240" cy="791640"/>
-          </a:xfrm>
-          <a:prstGeom prst="rect">
-            <a:avLst/>
-          </a:prstGeom>
-        </p:spPr>
-        <p:txBody>
-          <a:bodyPr anchor="ctr"/>
-          <a:p>
-            <a:pPr>
-              <a:lnSpc>
-                <a:spcPct val="90000"/>
-              </a:lnSpc>
-            </a:pPr>
-            <a:r>
-              <a:rPr b="0" lang="zh-CN" sz="3600" spc="-1" strike="noStrike">
-                <a:solidFill>
-                  <a:srgbClr val="000000"/>
-                </a:solidFill>
-                <a:latin typeface="Calibri Light"/>
-              </a:rPr>
-              <a:t>单击此处编辑母</a:t>
-            </a:r>
-            <a:r>
-              <a:rPr b="0" lang="zh-CN" sz="3600" spc="-1" strike="noStrike">
-                <a:solidFill>
-                  <a:srgbClr val="000000"/>
-                </a:solidFill>
-                <a:latin typeface="Calibri Light"/>
-              </a:rPr>
-              <a:t>版标题样式</a:t>
-            </a:r>
-            <a:endParaRPr b="0" lang="zh-CN" sz="3600" spc="-1" strike="noStrike">
-              <a:solidFill>
-                <a:srgbClr val="000000"/>
-              </a:solidFill>
-              <a:latin typeface="Calibri"/>
-            </a:endParaRPr>
-          </a:p>
-        </p:txBody>
-      </p:sp>
-      <p:sp>
-        <p:nvSpPr>
-          <p:cNvPr id="42" name="PlaceHolder 2"/>
+            <a:off x="609480" y="273600"/>
+            <a:ext cx="10972440" cy="1144800"/>
+          </a:xfrm>
+          <a:prstGeom prst="rect">
+            <a:avLst/>
+          </a:prstGeom>
+        </p:spPr>
+        <p:txBody>
+          <a:bodyPr lIns="0" rIns="0" tIns="0" bIns="0" anchor="ctr"/>
+          <a:p>
+            <a:pPr algn="ctr"/>
+            <a:r>
+              <a:rPr b="0" lang="en-US" sz="4400" spc="-1" strike="noStrike">
+                <a:latin typeface="Arial"/>
+              </a:rPr>
+              <a:t>单击鼠标编</a:t>
+            </a:r>
+            <a:r>
+              <a:rPr b="0" lang="en-US" sz="4400" spc="-1" strike="noStrike">
+                <a:latin typeface="Arial"/>
+              </a:rPr>
+              <a:t>辑标题文字</a:t>
+            </a:r>
+            <a:r>
+              <a:rPr b="0" lang="en-US" sz="4400" spc="-1" strike="noStrike">
+                <a:latin typeface="Arial"/>
+              </a:rPr>
+              <a:t>格式</a:t>
+            </a:r>
+            <a:endParaRPr b="0" lang="en-US" sz="4400" spc="-1" strike="noStrike">
+              <a:latin typeface="Arial"/>
+            </a:endParaRPr>
+          </a:p>
+        </p:txBody>
+      </p:sp>
+      <p:sp>
+        <p:nvSpPr>
+          <p:cNvPr id="39" name="PlaceHolder 2"/>
           <p:cNvSpPr>
             <a:spLocks noGrp="1"/>
           </p:cNvSpPr>
@@ -3363,247 +3038,169 @@
         </p:nvSpPr>
         <p:spPr>
           <a:xfrm>
-            <a:off x="838080" y="1335960"/>
-            <a:ext cx="10515240" cy="5019480"/>
-          </a:xfrm>
-          <a:prstGeom prst="rect">
-            <a:avLst/>
-          </a:prstGeom>
-        </p:spPr>
-        <p:txBody>
-          <a:bodyPr/>
-          <a:p>
-            <a:pPr marL="228600" indent="-228240">
-              <a:lnSpc>
-                <a:spcPct val="90000"/>
-              </a:lnSpc>
+            <a:off x="609480" y="1604520"/>
+            <a:ext cx="10972440" cy="3977280"/>
+          </a:xfrm>
+          <a:prstGeom prst="rect">
+            <a:avLst/>
+          </a:prstGeom>
+        </p:spPr>
+        <p:txBody>
+          <a:bodyPr lIns="0" rIns="0" tIns="0" bIns="0">
+            <a:normAutofit/>
+          </a:bodyPr>
+          <a:p>
+            <a:pPr marL="432000" indent="-324000">
               <a:spcBef>
-                <a:spcPts val="1001"/>
+                <a:spcPts val="1417"/>
               </a:spcBef>
               <a:buClr>
                 <a:srgbClr val="000000"/>
               </a:buClr>
-              <a:buFont typeface="Arial"/>
-              <a:buChar char="•"/>
+              <a:buSzPct val="45000"/>
+              <a:buFont typeface="Wingdings" charset="2"/>
+              <a:buChar char=""/>
             </a:pPr>
             <a:r>
-              <a:rPr b="0" lang="zh-CN" sz="2400" spc="-1" strike="noStrike">
-                <a:solidFill>
-                  <a:srgbClr val="000000"/>
-                </a:solidFill>
-                <a:latin typeface="FreeMono"/>
-              </a:rPr>
-              <a:t>单击此处编辑母版文本样式</a:t>
-            </a:r>
-            <a:endParaRPr b="0" lang="zh-CN" sz="2400" spc="-1" strike="noStrike">
-              <a:solidFill>
-                <a:srgbClr val="000000"/>
-              </a:solidFill>
-              <a:latin typeface="Calibri"/>
-            </a:endParaRPr>
-          </a:p>
-          <a:p>
-            <a:pPr lvl="1" marL="685800" indent="-228240">
-              <a:lnSpc>
-                <a:spcPct val="90000"/>
-              </a:lnSpc>
+              <a:rPr b="0" lang="en-US" sz="3200" spc="-1" strike="noStrike">
+                <a:latin typeface="Arial"/>
+              </a:rPr>
+              <a:t>单击鼠标编辑大纲文字格式</a:t>
+            </a:r>
+            <a:endParaRPr b="0" lang="en-US" sz="3200" spc="-1" strike="noStrike">
+              <a:latin typeface="Arial"/>
+            </a:endParaRPr>
+          </a:p>
+          <a:p>
+            <a:pPr lvl="1" marL="864000" indent="-324000">
               <a:spcBef>
-                <a:spcPts val="499"/>
+                <a:spcPts val="1134"/>
               </a:spcBef>
               <a:buClr>
                 <a:srgbClr val="000000"/>
               </a:buClr>
-              <a:buFont typeface="Arial"/>
-              <a:buChar char="•"/>
+              <a:buSzPct val="75000"/>
+              <a:buFont typeface="Symbol" charset="2"/>
+              <a:buChar char=""/>
             </a:pPr>
             <a:r>
-              <a:rPr b="0" lang="zh-CN" sz="2400" spc="-1" strike="noStrike">
-                <a:solidFill>
-                  <a:srgbClr val="000000"/>
-                </a:solidFill>
-                <a:latin typeface="FreeMono"/>
-              </a:rPr>
-              <a:t>第二级</a:t>
-            </a:r>
-            <a:endParaRPr b="0" lang="zh-CN" sz="2400" spc="-1" strike="noStrike">
-              <a:solidFill>
-                <a:srgbClr val="000000"/>
-              </a:solidFill>
-              <a:latin typeface="Calibri"/>
-            </a:endParaRPr>
-          </a:p>
-          <a:p>
-            <a:pPr lvl="2" marL="1143000" indent="-228240">
-              <a:lnSpc>
-                <a:spcPct val="90000"/>
-              </a:lnSpc>
+              <a:rPr b="0" lang="en-US" sz="2800" spc="-1" strike="noStrike">
+                <a:latin typeface="Arial"/>
+              </a:rPr>
+              <a:t>第二个大纲级</a:t>
+            </a:r>
+            <a:endParaRPr b="0" lang="en-US" sz="2800" spc="-1" strike="noStrike">
+              <a:latin typeface="Arial"/>
+            </a:endParaRPr>
+          </a:p>
+          <a:p>
+            <a:pPr lvl="2" marL="1296000" indent="-288000">
               <a:spcBef>
-                <a:spcPts val="499"/>
+                <a:spcPts val="850"/>
               </a:spcBef>
               <a:buClr>
                 <a:srgbClr val="000000"/>
               </a:buClr>
-              <a:buFont typeface="Arial"/>
-              <a:buChar char="•"/>
+              <a:buSzPct val="45000"/>
+              <a:buFont typeface="Wingdings" charset="2"/>
+              <a:buChar char=""/>
             </a:pPr>
             <a:r>
-              <a:rPr b="0" lang="zh-CN" sz="2400" spc="-1" strike="noStrike">
-                <a:solidFill>
-                  <a:srgbClr val="000000"/>
-                </a:solidFill>
-                <a:latin typeface="FreeMono"/>
-              </a:rPr>
-              <a:t>第三级</a:t>
-            </a:r>
-            <a:endParaRPr b="0" lang="zh-CN" sz="2400" spc="-1" strike="noStrike">
-              <a:solidFill>
-                <a:srgbClr val="000000"/>
-              </a:solidFill>
-              <a:latin typeface="Calibri"/>
-            </a:endParaRPr>
-          </a:p>
-          <a:p>
-            <a:pPr lvl="3" marL="1600200" indent="-228240">
-              <a:lnSpc>
-                <a:spcPct val="90000"/>
-              </a:lnSpc>
+              <a:rPr b="0" lang="en-US" sz="2400" spc="-1" strike="noStrike">
+                <a:latin typeface="Arial"/>
+              </a:rPr>
+              <a:t>第三大纲级别</a:t>
+            </a:r>
+            <a:endParaRPr b="0" lang="en-US" sz="2400" spc="-1" strike="noStrike">
+              <a:latin typeface="Arial"/>
+            </a:endParaRPr>
+          </a:p>
+          <a:p>
+            <a:pPr lvl="3" marL="1728000" indent="-216000">
               <a:spcBef>
-                <a:spcPts val="499"/>
+                <a:spcPts val="567"/>
               </a:spcBef>
               <a:buClr>
                 <a:srgbClr val="000000"/>
               </a:buClr>
-              <a:buFont typeface="Arial"/>
-              <a:buChar char="•"/>
+              <a:buSzPct val="75000"/>
+              <a:buFont typeface="Symbol" charset="2"/>
+              <a:buChar char=""/>
             </a:pPr>
             <a:r>
-              <a:rPr b="0" lang="zh-CN" sz="2400" spc="-1" strike="noStrike">
-                <a:solidFill>
-                  <a:srgbClr val="000000"/>
-                </a:solidFill>
-                <a:latin typeface="FreeMono"/>
-              </a:rPr>
-              <a:t>第四级</a:t>
-            </a:r>
-            <a:endParaRPr b="0" lang="zh-CN" sz="2400" spc="-1" strike="noStrike">
-              <a:solidFill>
-                <a:srgbClr val="000000"/>
-              </a:solidFill>
-              <a:latin typeface="Calibri"/>
-            </a:endParaRPr>
-          </a:p>
-          <a:p>
-            <a:pPr lvl="4" marL="2057400" indent="-228240">
-              <a:lnSpc>
-                <a:spcPct val="90000"/>
-              </a:lnSpc>
+              <a:rPr b="0" lang="en-US" sz="2000" spc="-1" strike="noStrike">
+                <a:latin typeface="Arial"/>
+              </a:rPr>
+              <a:t>第四大纲级别</a:t>
+            </a:r>
+            <a:endParaRPr b="0" lang="en-US" sz="2000" spc="-1" strike="noStrike">
+              <a:latin typeface="Arial"/>
+            </a:endParaRPr>
+          </a:p>
+          <a:p>
+            <a:pPr lvl="4" marL="2160000" indent="-216000">
               <a:spcBef>
-                <a:spcPts val="499"/>
+                <a:spcPts val="283"/>
               </a:spcBef>
               <a:buClr>
                 <a:srgbClr val="000000"/>
               </a:buClr>
-              <a:buFont typeface="Arial"/>
-              <a:buChar char="•"/>
+              <a:buSzPct val="45000"/>
+              <a:buFont typeface="Wingdings" charset="2"/>
+              <a:buChar char=""/>
             </a:pPr>
             <a:r>
-              <a:rPr b="0" lang="zh-CN" sz="2400" spc="-1" strike="noStrike">
-                <a:solidFill>
-                  <a:srgbClr val="000000"/>
-                </a:solidFill>
-                <a:latin typeface="FreeMono"/>
-              </a:rPr>
-              <a:t>第五级</a:t>
-            </a:r>
-            <a:endParaRPr b="0" lang="zh-CN" sz="2400" spc="-1" strike="noStrike">
-              <a:solidFill>
+              <a:rPr b="0" lang="en-US" sz="2000" spc="-1" strike="noStrike">
+                <a:latin typeface="Arial"/>
+              </a:rPr>
+              <a:t>第五大纲级别</a:t>
+            </a:r>
+            <a:endParaRPr b="0" lang="en-US" sz="2000" spc="-1" strike="noStrike">
+              <a:latin typeface="Arial"/>
+            </a:endParaRPr>
+          </a:p>
+          <a:p>
+            <a:pPr lvl="5" marL="2592000" indent="-216000">
+              <a:spcBef>
+                <a:spcPts val="283"/>
+              </a:spcBef>
+              <a:buClr>
                 <a:srgbClr val="000000"/>
-              </a:solidFill>
-              <a:latin typeface="Calibri"/>
-            </a:endParaRPr>
-          </a:p>
-        </p:txBody>
-      </p:sp>
-      <p:sp>
-        <p:nvSpPr>
-          <p:cNvPr id="43" name="PlaceHolder 3"/>
-          <p:cNvSpPr>
-            <a:spLocks noGrp="1"/>
-          </p:cNvSpPr>
-          <p:nvPr>
-            <p:ph type="dt"/>
-          </p:nvPr>
-        </p:nvSpPr>
-        <p:spPr>
-          <a:xfrm>
-            <a:off x="838080" y="6356520"/>
-            <a:ext cx="2742840" cy="364680"/>
-          </a:xfrm>
-          <a:prstGeom prst="rect">
-            <a:avLst/>
-          </a:prstGeom>
-        </p:spPr>
-        <p:txBody>
-          <a:bodyPr anchor="ctr"/>
-          <a:p>
-            <a:endParaRPr b="0" lang="en-US" sz="2400" spc="-1" strike="noStrike">
-              <a:latin typeface="Times New Roman"/>
-            </a:endParaRPr>
-          </a:p>
-        </p:txBody>
-      </p:sp>
-      <p:sp>
-        <p:nvSpPr>
-          <p:cNvPr id="44" name="PlaceHolder 4"/>
-          <p:cNvSpPr>
-            <a:spLocks noGrp="1"/>
-          </p:cNvSpPr>
-          <p:nvPr>
-            <p:ph type="ftr"/>
-          </p:nvPr>
-        </p:nvSpPr>
-        <p:spPr>
-          <a:xfrm>
-            <a:off x="4038480" y="6356520"/>
-            <a:ext cx="4114440" cy="364680"/>
-          </a:xfrm>
-          <a:prstGeom prst="rect">
-            <a:avLst/>
-          </a:prstGeom>
-        </p:spPr>
-        <p:txBody>
-          <a:bodyPr anchor="ctr"/>
-          <a:p>
-            <a:endParaRPr b="0" lang="en-US" sz="2400" spc="-1" strike="noStrike">
-              <a:latin typeface="Times New Roman"/>
-            </a:endParaRPr>
-          </a:p>
-        </p:txBody>
-      </p:sp>
-      <p:sp>
-        <p:nvSpPr>
-          <p:cNvPr id="45" name="PlaceHolder 5"/>
-          <p:cNvSpPr>
-            <a:spLocks noGrp="1"/>
-          </p:cNvSpPr>
-          <p:nvPr>
-            <p:ph type="sldNum"/>
-          </p:nvPr>
-        </p:nvSpPr>
-        <p:spPr>
-          <a:xfrm>
-            <a:off x="8610480" y="6356520"/>
-            <a:ext cx="2742840" cy="364680"/>
-          </a:xfrm>
-          <a:prstGeom prst="rect">
-            <a:avLst/>
-          </a:prstGeom>
-        </p:spPr>
-        <p:txBody>
-          <a:bodyPr anchor="ctr"/>
-          <a:p>
-            <a:endParaRPr b="0" lang="en-US" sz="2400" spc="-1" strike="noStrike">
-              <a:latin typeface="Times New Roman"/>
+              </a:buClr>
+              <a:buSzPct val="45000"/>
+              <a:buFont typeface="Wingdings" charset="2"/>
+              <a:buChar char=""/>
+            </a:pPr>
+            <a:r>
+              <a:rPr b="0" lang="en-US" sz="2000" spc="-1" strike="noStrike">
+                <a:latin typeface="Arial"/>
+              </a:rPr>
+              <a:t>第六大纲级别</a:t>
+            </a:r>
+            <a:endParaRPr b="0" lang="en-US" sz="2000" spc="-1" strike="noStrike">
+              <a:latin typeface="Arial"/>
+            </a:endParaRPr>
+          </a:p>
+          <a:p>
+            <a:pPr lvl="6" marL="3024000" indent="-216000">
+              <a:spcBef>
+                <a:spcPts val="283"/>
+              </a:spcBef>
+              <a:buClr>
+                <a:srgbClr val="000000"/>
+              </a:buClr>
+              <a:buSzPct val="45000"/>
+              <a:buFont typeface="Wingdings" charset="2"/>
+              <a:buChar char=""/>
+            </a:pPr>
+            <a:r>
+              <a:rPr b="0" lang="en-US" sz="2000" spc="-1" strike="noStrike">
+                <a:latin typeface="Arial"/>
+              </a:rPr>
+              <a:t>第七大纲级别</a:t>
+            </a:r>
+            <a:endParaRPr b="0" lang="en-US" sz="2000" spc="-1" strike="noStrike">
+              <a:latin typeface="Arial"/>
             </a:endParaRPr>
           </a:p>
         </p:txBody>
@@ -3647,14 +3244,14 @@
       </p:grpSpPr>
       <p:sp>
         <p:nvSpPr>
-          <p:cNvPr id="82" name="TextShape 1"/>
-          <p:cNvSpPr txBox="1"/>
+          <p:cNvPr id="76" name="CustomShape 1"/>
+          <p:cNvSpPr/>
           <p:nvPr/>
         </p:nvSpPr>
         <p:spPr>
           <a:xfrm>
             <a:off x="1523880" y="1122480"/>
-            <a:ext cx="9143640" cy="2387160"/>
+            <a:ext cx="9143280" cy="2386800"/>
           </a:xfrm>
           <a:prstGeom prst="rect">
             <a:avLst/>
@@ -3664,8 +3261,14 @@
             <a:noFill/>
           </a:ln>
         </p:spPr>
-        <p:txBody>
-          <a:bodyPr anchor="b"/>
+        <p:style>
+          <a:lnRef idx="0"/>
+          <a:fillRef idx="0"/>
+          <a:effectRef idx="0"/>
+          <a:fontRef idx="minor"/>
+        </p:style>
+        <p:txBody>
+          <a:bodyPr lIns="90000" rIns="90000" tIns="45000" bIns="45000" anchor="b"/>
           <a:p>
             <a:pPr algn="ctr">
               <a:lnSpc>
@@ -3673,28 +3276,16 @@
               </a:lnSpc>
             </a:pPr>
             <a:r>
-              <a:rPr b="0" lang="zh-CN" sz="4000" spc="-1" strike="noStrike">
+              <a:rPr b="0" lang="en-US" sz="4000" spc="-1" strike="noStrike">
                 <a:solidFill>
                   <a:srgbClr val="000000"/>
                 </a:solidFill>
                 <a:latin typeface="Calibri Light"/>
               </a:rPr>
-              <a:t>自定义菜单接</a:t>
-            </a:r>
-            <a:r>
-              <a:rPr b="0" lang="zh-CN" sz="4000" spc="-1" strike="noStrike">
-                <a:solidFill>
-                  <a:srgbClr val="000000"/>
-                </a:solidFill>
-                <a:latin typeface="Calibri Light"/>
-              </a:rPr>
-              <a:t>口</a:t>
-            </a:r>
-            <a:endParaRPr b="0" lang="zh-CN" sz="4000" spc="-1" strike="noStrike">
-              <a:solidFill>
-                <a:srgbClr val="000000"/>
-              </a:solidFill>
-              <a:latin typeface="Calibri"/>
+              <a:t>自定义菜单接口</a:t>
+            </a:r>
+            <a:endParaRPr b="0" lang="en-US" sz="4000" spc="-1" strike="noStrike">
+              <a:latin typeface="Arial"/>
             </a:endParaRPr>
           </a:p>
         </p:txBody>
@@ -3750,14 +3341,14 @@
       </p:grpSpPr>
       <p:sp>
         <p:nvSpPr>
-          <p:cNvPr id="100" name="TextShape 1"/>
-          <p:cNvSpPr txBox="1"/>
+          <p:cNvPr id="94" name="CustomShape 1"/>
+          <p:cNvSpPr/>
           <p:nvPr/>
         </p:nvSpPr>
         <p:spPr>
           <a:xfrm>
             <a:off x="838080" y="365040"/>
-            <a:ext cx="10515240" cy="791640"/>
+            <a:ext cx="10514880" cy="791280"/>
           </a:xfrm>
           <a:prstGeom prst="rect">
             <a:avLst/>
@@ -3767,8 +3358,14 @@
             <a:noFill/>
           </a:ln>
         </p:spPr>
-        <p:txBody>
-          <a:bodyPr anchor="ctr"/>
+        <p:style>
+          <a:lnRef idx="0"/>
+          <a:fillRef idx="0"/>
+          <a:effectRef idx="0"/>
+          <a:fontRef idx="minor"/>
+        </p:style>
+        <p:txBody>
+          <a:bodyPr lIns="90000" rIns="90000" tIns="45000" bIns="45000" anchor="ctr"/>
           <a:p>
             <a:pPr>
               <a:lnSpc>
@@ -3776,42 +3373,30 @@
               </a:lnSpc>
             </a:pPr>
             <a:r>
-              <a:rPr b="0" lang="zh-CN" sz="3600" spc="-1" strike="noStrike">
+              <a:rPr b="0" lang="en-US" sz="3600" spc="-1" strike="noStrike">
                 <a:solidFill>
                   <a:srgbClr val="000000"/>
                 </a:solidFill>
                 <a:latin typeface="Calibri Light"/>
               </a:rPr>
-              <a:t>自定义菜单刷新</a:t>
-            </a:r>
-            <a:r>
-              <a:rPr b="0" lang="zh-CN" sz="3600" spc="-1" strike="noStrike">
-                <a:solidFill>
-                  <a:srgbClr val="000000"/>
-                </a:solidFill>
-                <a:latin typeface="Calibri Light"/>
-              </a:rPr>
-              <a:t>策略</a:t>
-            </a:r>
-            <a:endParaRPr b="0" lang="zh-CN" sz="3600" spc="-1" strike="noStrike">
-              <a:solidFill>
-                <a:srgbClr val="000000"/>
-              </a:solidFill>
-              <a:latin typeface="Calibri"/>
-            </a:endParaRPr>
-          </a:p>
-        </p:txBody>
-      </p:sp>
-      <p:sp>
-        <p:nvSpPr>
-          <p:cNvPr id="101" name="TextShape 2"/>
-          <p:cNvSpPr txBox="1"/>
+              <a:t>自定义菜单刷新策略</a:t>
+            </a:r>
+            <a:endParaRPr b="0" lang="en-US" sz="3600" spc="-1" strike="noStrike">
+              <a:latin typeface="Arial"/>
+            </a:endParaRPr>
+          </a:p>
+        </p:txBody>
+      </p:sp>
+      <p:sp>
+        <p:nvSpPr>
+          <p:cNvPr id="95" name="CustomShape 2"/>
+          <p:cNvSpPr/>
           <p:nvPr/>
         </p:nvSpPr>
         <p:spPr>
           <a:xfrm>
             <a:off x="838080" y="1335960"/>
-            <a:ext cx="10515240" cy="5019480"/>
+            <a:ext cx="10514880" cy="5019120"/>
           </a:xfrm>
           <a:prstGeom prst="rect">
             <a:avLst/>
@@ -3821,10 +3406,16 @@
             <a:noFill/>
           </a:ln>
         </p:spPr>
-        <p:txBody>
-          <a:bodyPr/>
-          <a:p>
-            <a:pPr marL="228600" indent="-228240">
+        <p:style>
+          <a:lnRef idx="0"/>
+          <a:fillRef idx="0"/>
+          <a:effectRef idx="0"/>
+          <a:fontRef idx="minor"/>
+        </p:style>
+        <p:txBody>
+          <a:bodyPr lIns="90000" rIns="90000" tIns="45000" bIns="45000"/>
+          <a:p>
+            <a:pPr marL="228600" indent="-227880">
               <a:lnSpc>
                 <a:spcPct val="120000"/>
               </a:lnSpc>
@@ -3838,7 +3429,7 @@
               <a:buChar char="•"/>
             </a:pPr>
             <a:r>
-              <a:rPr b="0" lang="zh-CN" sz="2400" spc="-1" strike="noStrike">
+              <a:rPr b="0" lang="en-US" sz="2400" spc="-1" strike="noStrike">
                 <a:solidFill>
                   <a:srgbClr val="000000"/>
                 </a:solidFill>
@@ -3846,11 +3437,8 @@
               </a:rPr>
               <a:t>创建自定义菜单后，新用户会立即生效，否则用户看到菜单不会立即生效。</a:t>
             </a:r>
-            <a:endParaRPr b="0" lang="zh-CN" sz="2400" spc="-1" strike="noStrike">
-              <a:solidFill>
-                <a:srgbClr val="000000"/>
-              </a:solidFill>
-              <a:latin typeface="Calibri"/>
+            <a:endParaRPr b="0" lang="en-US" sz="2400" spc="-1" strike="noStrike">
+              <a:latin typeface="Arial"/>
             </a:endParaRPr>
           </a:p>
           <a:p>
@@ -3862,15 +3450,12 @@
                 <a:spcPts val="1001"/>
               </a:spcBef>
             </a:pPr>
-            <a:endParaRPr b="0" lang="zh-CN" sz="2400" spc="-1" strike="noStrike">
-              <a:solidFill>
-                <a:srgbClr val="000000"/>
-              </a:solidFill>
-              <a:latin typeface="Calibri"/>
-            </a:endParaRPr>
-          </a:p>
-          <a:p>
-            <a:pPr marL="228600" indent="-228240">
+            <a:endParaRPr b="0" lang="en-US" sz="2400" spc="-1" strike="noStrike">
+              <a:latin typeface="Arial"/>
+            </a:endParaRPr>
+          </a:p>
+          <a:p>
+            <a:pPr marL="228600" indent="-227880">
               <a:lnSpc>
                 <a:spcPct val="120000"/>
               </a:lnSpc>
@@ -3884,7 +3469,7 @@
               <a:buChar char="•"/>
             </a:pPr>
             <a:r>
-              <a:rPr b="0" lang="zh-CN" sz="2400" spc="-1" strike="noStrike">
+              <a:rPr b="0" lang="en-US" sz="2400" spc="-1" strike="noStrike">
                 <a:solidFill>
                   <a:srgbClr val="000000"/>
                 </a:solidFill>
@@ -3893,7 +3478,7 @@
               <a:t>在用户进入公众号会话页或公众号</a:t>
             </a:r>
             <a:r>
-              <a:rPr b="0" lang="zh-CN" sz="2400" spc="-1" strike="noStrike">
+              <a:rPr b="0" lang="en-US" sz="2400" spc="-1" strike="noStrike">
                 <a:solidFill>
                   <a:srgbClr val="000000"/>
                 </a:solidFill>
@@ -3902,7 +3487,7 @@
               <a:t>profile</a:t>
             </a:r>
             <a:r>
-              <a:rPr b="0" lang="zh-CN" sz="2400" spc="-1" strike="noStrike">
+              <a:rPr b="0" lang="en-US" sz="2400" spc="-1" strike="noStrike">
                 <a:solidFill>
                   <a:srgbClr val="000000"/>
                 </a:solidFill>
@@ -3911,7 +3496,7 @@
               <a:t>页时，如果发现上一次拉取菜单的请求在</a:t>
             </a:r>
             <a:r>
-              <a:rPr b="0" lang="zh-CN" sz="2400" spc="-1" strike="noStrike">
+              <a:rPr b="0" lang="en-US" sz="2400" spc="-1" strike="noStrike">
                 <a:solidFill>
                   <a:srgbClr val="000000"/>
                 </a:solidFill>
@@ -3920,7 +3505,7 @@
               <a:t>5</a:t>
             </a:r>
             <a:r>
-              <a:rPr b="0" lang="zh-CN" sz="2400" spc="-1" strike="noStrike">
+              <a:rPr b="0" lang="en-US" sz="2400" spc="-1" strike="noStrike">
                 <a:solidFill>
                   <a:srgbClr val="000000"/>
                 </a:solidFill>
@@ -3928,11 +3513,8 @@
               </a:rPr>
               <a:t>分钟以前，就会拉取一下菜单，如果菜单有更新，就会刷新客户端的菜单。</a:t>
             </a:r>
-            <a:endParaRPr b="0" lang="zh-CN" sz="2400" spc="-1" strike="noStrike">
-              <a:solidFill>
-                <a:srgbClr val="000000"/>
-              </a:solidFill>
-              <a:latin typeface="Calibri"/>
+            <a:endParaRPr b="0" lang="en-US" sz="2400" spc="-1" strike="noStrike">
+              <a:latin typeface="Arial"/>
             </a:endParaRPr>
           </a:p>
           <a:p>
@@ -3944,15 +3526,12 @@
                 <a:spcPts val="1001"/>
               </a:spcBef>
             </a:pPr>
-            <a:endParaRPr b="0" lang="zh-CN" sz="2400" spc="-1" strike="noStrike">
-              <a:solidFill>
-                <a:srgbClr val="000000"/>
-              </a:solidFill>
-              <a:latin typeface="Calibri"/>
-            </a:endParaRPr>
-          </a:p>
-          <a:p>
-            <a:pPr marL="228600" indent="-228240">
+            <a:endParaRPr b="0" lang="en-US" sz="2400" spc="-1" strike="noStrike">
+              <a:latin typeface="Arial"/>
+            </a:endParaRPr>
+          </a:p>
+          <a:p>
+            <a:pPr marL="228600" indent="-227880">
               <a:lnSpc>
                 <a:spcPct val="120000"/>
               </a:lnSpc>
@@ -3966,7 +3545,7 @@
               <a:buChar char="•"/>
             </a:pPr>
             <a:r>
-              <a:rPr b="0" lang="zh-CN" sz="2400" spc="-1" strike="noStrike">
+              <a:rPr b="0" lang="en-US" sz="2400" spc="-1" strike="noStrike">
                 <a:solidFill>
                   <a:srgbClr val="000000"/>
                 </a:solidFill>
@@ -3974,11 +3553,8 @@
               </a:rPr>
               <a:t>测试时可以尝试取消关注公众号后再次关注，则可以看到创建后的效果。</a:t>
             </a:r>
-            <a:endParaRPr b="0" lang="zh-CN" sz="2400" spc="-1" strike="noStrike">
-              <a:solidFill>
-                <a:srgbClr val="000000"/>
-              </a:solidFill>
-              <a:latin typeface="Calibri"/>
+            <a:endParaRPr b="0" lang="en-US" sz="2400" spc="-1" strike="noStrike">
+              <a:latin typeface="Arial"/>
             </a:endParaRPr>
           </a:p>
         </p:txBody>
@@ -4034,14 +3610,14 @@
       </p:grpSpPr>
       <p:sp>
         <p:nvSpPr>
-          <p:cNvPr id="83" name="TextShape 1"/>
-          <p:cNvSpPr txBox="1"/>
+          <p:cNvPr id="77" name="CustomShape 1"/>
+          <p:cNvSpPr/>
           <p:nvPr/>
         </p:nvSpPr>
         <p:spPr>
           <a:xfrm>
             <a:off x="838080" y="365040"/>
-            <a:ext cx="10515240" cy="791640"/>
+            <a:ext cx="10514880" cy="791280"/>
           </a:xfrm>
           <a:prstGeom prst="rect">
             <a:avLst/>
@@ -4051,8 +3627,14 @@
             <a:noFill/>
           </a:ln>
         </p:spPr>
-        <p:txBody>
-          <a:bodyPr anchor="ctr"/>
+        <p:style>
+          <a:lnRef idx="0"/>
+          <a:fillRef idx="0"/>
+          <a:effectRef idx="0"/>
+          <a:fontRef idx="minor"/>
+        </p:style>
+        <p:txBody>
+          <a:bodyPr lIns="90000" rIns="90000" tIns="45000" bIns="45000" anchor="ctr"/>
           <a:p>
             <a:pPr>
               <a:lnSpc>
@@ -4060,7 +3642,7 @@
               </a:lnSpc>
             </a:pPr>
             <a:r>
-              <a:rPr b="0" lang="zh-CN" sz="3600" spc="-1" strike="noStrike">
+              <a:rPr b="0" lang="en-US" sz="3600" spc="-1" strike="noStrike">
                 <a:solidFill>
                   <a:srgbClr val="000000"/>
                 </a:solidFill>
@@ -4068,25 +3650,22 @@
               </a:rPr>
               <a:t>自定义菜单接口</a:t>
             </a:r>
-            <a:endParaRPr b="0" lang="zh-CN" sz="3600" spc="-1" strike="noStrike">
-              <a:solidFill>
-                <a:srgbClr val="000000"/>
-              </a:solidFill>
-              <a:latin typeface="Calibri"/>
-            </a:endParaRPr>
-          </a:p>
-        </p:txBody>
-      </p:sp>
-      <p:sp>
-        <p:nvSpPr>
-          <p:cNvPr id="84" name="TextShape 2"/>
-          <p:cNvSpPr txBox="1"/>
+            <a:endParaRPr b="0" lang="en-US" sz="3600" spc="-1" strike="noStrike">
+              <a:latin typeface="Arial"/>
+            </a:endParaRPr>
+          </a:p>
+        </p:txBody>
+      </p:sp>
+      <p:sp>
+        <p:nvSpPr>
+          <p:cNvPr id="78" name="CustomShape 2"/>
+          <p:cNvSpPr/>
           <p:nvPr/>
         </p:nvSpPr>
         <p:spPr>
           <a:xfrm>
             <a:off x="838080" y="1335960"/>
-            <a:ext cx="10515240" cy="5019480"/>
+            <a:ext cx="10514880" cy="5019120"/>
           </a:xfrm>
           <a:prstGeom prst="rect">
             <a:avLst/>
@@ -4096,10 +3675,16 @@
             <a:noFill/>
           </a:ln>
         </p:spPr>
-        <p:txBody>
-          <a:bodyPr/>
-          <a:p>
-            <a:pPr marL="228600" indent="-228240">
+        <p:style>
+          <a:lnRef idx="0"/>
+          <a:fillRef idx="0"/>
+          <a:effectRef idx="0"/>
+          <a:fontRef idx="minor"/>
+        </p:style>
+        <p:txBody>
+          <a:bodyPr lIns="90000" rIns="90000" tIns="45000" bIns="45000"/>
+          <a:p>
+            <a:pPr marL="228600" indent="-227880">
               <a:lnSpc>
                 <a:spcPct val="90000"/>
               </a:lnSpc>
@@ -4113,7 +3698,7 @@
               <a:buChar char="•"/>
             </a:pPr>
             <a:r>
-              <a:rPr b="0" lang="zh-CN" sz="2400" spc="-1" strike="noStrike">
+              <a:rPr b="0" lang="en-US" sz="2400" spc="-1" strike="noStrike">
                 <a:solidFill>
                   <a:srgbClr val="000000"/>
                 </a:solidFill>
@@ -4121,11 +3706,8 @@
               </a:rPr>
               <a:t>公众号注册之后就提供了自定义菜单的操作。</a:t>
             </a:r>
-            <a:endParaRPr b="0" lang="zh-CN" sz="2400" spc="-1" strike="noStrike">
-              <a:solidFill>
-                <a:srgbClr val="000000"/>
-              </a:solidFill>
-              <a:latin typeface="Calibri"/>
+            <a:endParaRPr b="0" lang="en-US" sz="2400" spc="-1" strike="noStrike">
+              <a:latin typeface="Arial"/>
             </a:endParaRPr>
           </a:p>
           <a:p>
@@ -4137,15 +3719,12 @@
                 <a:spcPts val="1001"/>
               </a:spcBef>
             </a:pPr>
-            <a:endParaRPr b="0" lang="zh-CN" sz="2400" spc="-1" strike="noStrike">
-              <a:solidFill>
-                <a:srgbClr val="000000"/>
-              </a:solidFill>
-              <a:latin typeface="Calibri"/>
-            </a:endParaRPr>
-          </a:p>
-          <a:p>
-            <a:pPr marL="228600" indent="-228240">
+            <a:endParaRPr b="0" lang="en-US" sz="2400" spc="-1" strike="noStrike">
+              <a:latin typeface="Arial"/>
+            </a:endParaRPr>
+          </a:p>
+          <a:p>
+            <a:pPr marL="228600" indent="-227880">
               <a:lnSpc>
                 <a:spcPct val="90000"/>
               </a:lnSpc>
@@ -4159,7 +3738,7 @@
               <a:buChar char="•"/>
             </a:pPr>
             <a:r>
-              <a:rPr b="0" lang="zh-CN" sz="2400" spc="-1" strike="noStrike">
+              <a:rPr b="0" lang="en-US" sz="2400" spc="-1" strike="noStrike">
                 <a:solidFill>
                   <a:srgbClr val="000000"/>
                 </a:solidFill>
@@ -4167,11 +3746,8 @@
               </a:rPr>
               <a:t>但是，启用开发者配置之后，之前的菜单设置会失效。</a:t>
             </a:r>
-            <a:endParaRPr b="0" lang="zh-CN" sz="2400" spc="-1" strike="noStrike">
-              <a:solidFill>
-                <a:srgbClr val="000000"/>
-              </a:solidFill>
-              <a:latin typeface="Calibri"/>
+            <a:endParaRPr b="0" lang="en-US" sz="2400" spc="-1" strike="noStrike">
+              <a:latin typeface="Arial"/>
             </a:endParaRPr>
           </a:p>
           <a:p>
@@ -4183,15 +3759,12 @@
                 <a:spcPts val="1001"/>
               </a:spcBef>
             </a:pPr>
-            <a:endParaRPr b="0" lang="zh-CN" sz="2400" spc="-1" strike="noStrike">
-              <a:solidFill>
-                <a:srgbClr val="000000"/>
-              </a:solidFill>
-              <a:latin typeface="Calibri"/>
-            </a:endParaRPr>
-          </a:p>
-          <a:p>
-            <a:pPr marL="228600" indent="-228240">
+            <a:endParaRPr b="0" lang="en-US" sz="2400" spc="-1" strike="noStrike">
+              <a:latin typeface="Arial"/>
+            </a:endParaRPr>
+          </a:p>
+          <a:p>
+            <a:pPr marL="228600" indent="-227880">
               <a:lnSpc>
                 <a:spcPct val="90000"/>
               </a:lnSpc>
@@ -4205,7 +3778,7 @@
               <a:buChar char="•"/>
             </a:pPr>
             <a:r>
-              <a:rPr b="0" lang="zh-CN" sz="2400" spc="-1" strike="noStrike">
+              <a:rPr b="0" lang="en-US" sz="2400" spc="-1" strike="noStrike">
                 <a:solidFill>
                   <a:srgbClr val="000000"/>
                 </a:solidFill>
@@ -4213,11 +3786,8 @@
               </a:rPr>
               <a:t>这个时候要自定义菜单，必须要通过自定义菜单接口进行。</a:t>
             </a:r>
-            <a:endParaRPr b="0" lang="zh-CN" sz="2400" spc="-1" strike="noStrike">
-              <a:solidFill>
-                <a:srgbClr val="000000"/>
-              </a:solidFill>
-              <a:latin typeface="Calibri"/>
+            <a:endParaRPr b="0" lang="en-US" sz="2400" spc="-1" strike="noStrike">
+              <a:latin typeface="Arial"/>
             </a:endParaRPr>
           </a:p>
           <a:p>
@@ -4229,11 +3799,8 @@
                 <a:spcPts val="1001"/>
               </a:spcBef>
             </a:pPr>
-            <a:endParaRPr b="0" lang="zh-CN" sz="2400" spc="-1" strike="noStrike">
-              <a:solidFill>
-                <a:srgbClr val="000000"/>
-              </a:solidFill>
-              <a:latin typeface="Calibri"/>
+            <a:endParaRPr b="0" lang="en-US" sz="2400" spc="-1" strike="noStrike">
+              <a:latin typeface="Arial"/>
             </a:endParaRPr>
           </a:p>
         </p:txBody>
@@ -4289,14 +3856,14 @@
       </p:grpSpPr>
       <p:sp>
         <p:nvSpPr>
-          <p:cNvPr id="85" name="TextShape 1"/>
-          <p:cNvSpPr txBox="1"/>
+          <p:cNvPr id="79" name="CustomShape 1"/>
+          <p:cNvSpPr/>
           <p:nvPr/>
         </p:nvSpPr>
         <p:spPr>
           <a:xfrm>
             <a:off x="838080" y="365040"/>
-            <a:ext cx="10515240" cy="791640"/>
+            <a:ext cx="10514880" cy="791280"/>
           </a:xfrm>
           <a:prstGeom prst="rect">
             <a:avLst/>
@@ -4306,8 +3873,14 @@
             <a:noFill/>
           </a:ln>
         </p:spPr>
-        <p:txBody>
-          <a:bodyPr anchor="ctr"/>
+        <p:style>
+          <a:lnRef idx="0"/>
+          <a:fillRef idx="0"/>
+          <a:effectRef idx="0"/>
+          <a:fontRef idx="minor"/>
+        </p:style>
+        <p:txBody>
+          <a:bodyPr lIns="90000" rIns="90000" tIns="45000" bIns="45000" anchor="ctr"/>
           <a:p>
             <a:pPr>
               <a:lnSpc>
@@ -4315,7 +3888,7 @@
               </a:lnSpc>
             </a:pPr>
             <a:r>
-              <a:rPr b="0" lang="zh-CN" sz="3600" spc="-1" strike="noStrike">
+              <a:rPr b="0" lang="en-US" sz="3600" spc="-1" strike="noStrike">
                 <a:solidFill>
                   <a:srgbClr val="000000"/>
                 </a:solidFill>
@@ -4323,24 +3896,21 @@
               </a:rPr>
               <a:t>自定义菜单类型</a:t>
             </a:r>
-            <a:endParaRPr b="0" lang="zh-CN" sz="3600" spc="-1" strike="noStrike">
-              <a:solidFill>
-                <a:srgbClr val="000000"/>
-              </a:solidFill>
-              <a:latin typeface="Calibri"/>
+            <a:endParaRPr b="0" lang="en-US" sz="3600" spc="-1" strike="noStrike">
+              <a:latin typeface="Arial"/>
             </a:endParaRPr>
           </a:p>
         </p:txBody>
       </p:sp>
       <p:graphicFrame>
         <p:nvGraphicFramePr>
-          <p:cNvPr id="86" name="Table 2"/>
+          <p:cNvPr id="80" name="Table 2"/>
           <p:cNvGraphicFramePr/>
           <p:nvPr/>
         </p:nvGraphicFramePr>
         <p:xfrm>
           <a:off x="838080" y="1335960"/>
-          <a:ext cx="10514880" cy="5288040"/>
+          <a:ext cx="10514880" cy="5287680"/>
         </p:xfrm>
         <a:graphic>
           <a:graphicData uri="http://schemas.openxmlformats.org/drawingml/2006/table">
@@ -5335,7 +4905,7 @@
                   </a:tcPr>
                 </a:tc>
               </a:tr>
-              <a:tr h="478440">
+              <a:tr h="478080">
                 <a:tc>
                   <a:txBody>
                     <a:bodyPr/>
@@ -5485,14 +5055,14 @@
       </p:grpSpPr>
       <p:sp>
         <p:nvSpPr>
-          <p:cNvPr id="87" name="TextShape 1"/>
-          <p:cNvSpPr txBox="1"/>
+          <p:cNvPr id="81" name="CustomShape 1"/>
+          <p:cNvSpPr/>
           <p:nvPr/>
         </p:nvSpPr>
         <p:spPr>
           <a:xfrm>
             <a:off x="838080" y="365040"/>
-            <a:ext cx="10515240" cy="791640"/>
+            <a:ext cx="10514880" cy="791280"/>
           </a:xfrm>
           <a:prstGeom prst="rect">
             <a:avLst/>
@@ -5502,8 +5072,14 @@
             <a:noFill/>
           </a:ln>
         </p:spPr>
-        <p:txBody>
-          <a:bodyPr anchor="ctr"/>
+        <p:style>
+          <a:lnRef idx="0"/>
+          <a:fillRef idx="0"/>
+          <a:effectRef idx="0"/>
+          <a:fontRef idx="minor"/>
+        </p:style>
+        <p:txBody>
+          <a:bodyPr lIns="90000" rIns="90000" tIns="45000" bIns="45000" anchor="ctr"/>
           <a:p>
             <a:pPr>
               <a:lnSpc>
@@ -5511,42 +5087,30 @@
               </a:lnSpc>
             </a:pPr>
             <a:r>
-              <a:rPr b="0" lang="zh-CN" sz="3600" spc="-1" strike="noStrike">
+              <a:rPr b="0" lang="en-US" sz="3600" spc="-1" strike="noStrike">
                 <a:solidFill>
                   <a:srgbClr val="000000"/>
                 </a:solidFill>
                 <a:latin typeface="Calibri Light"/>
               </a:rPr>
-              <a:t>自定义菜单限制</a:t>
-            </a:r>
-            <a:r>
-              <a:rPr b="0" lang="zh-CN" sz="3600" spc="-1" strike="noStrike">
-                <a:solidFill>
-                  <a:srgbClr val="000000"/>
-                </a:solidFill>
-                <a:latin typeface="Calibri Light"/>
-              </a:rPr>
-              <a:t>条件</a:t>
-            </a:r>
-            <a:endParaRPr b="0" lang="zh-CN" sz="3600" spc="-1" strike="noStrike">
-              <a:solidFill>
-                <a:srgbClr val="000000"/>
-              </a:solidFill>
-              <a:latin typeface="Calibri"/>
-            </a:endParaRPr>
-          </a:p>
-        </p:txBody>
-      </p:sp>
-      <p:sp>
-        <p:nvSpPr>
-          <p:cNvPr id="88" name="TextShape 2"/>
-          <p:cNvSpPr txBox="1"/>
+              <a:t>自定义菜单限制条件</a:t>
+            </a:r>
+            <a:endParaRPr b="0" lang="en-US" sz="3600" spc="-1" strike="noStrike">
+              <a:latin typeface="Arial"/>
+            </a:endParaRPr>
+          </a:p>
+        </p:txBody>
+      </p:sp>
+      <p:sp>
+        <p:nvSpPr>
+          <p:cNvPr id="82" name="CustomShape 2"/>
+          <p:cNvSpPr/>
           <p:nvPr/>
         </p:nvSpPr>
         <p:spPr>
           <a:xfrm>
             <a:off x="838080" y="1335960"/>
-            <a:ext cx="10515240" cy="5019480"/>
+            <a:ext cx="10514880" cy="5019120"/>
           </a:xfrm>
           <a:prstGeom prst="rect">
             <a:avLst/>
@@ -5556,10 +5120,16 @@
             <a:noFill/>
           </a:ln>
         </p:spPr>
-        <p:txBody>
-          <a:bodyPr/>
-          <a:p>
-            <a:pPr marL="228600" indent="-228240">
+        <p:style>
+          <a:lnRef idx="0"/>
+          <a:fillRef idx="0"/>
+          <a:effectRef idx="0"/>
+          <a:fontRef idx="minor"/>
+        </p:style>
+        <p:txBody>
+          <a:bodyPr lIns="90000" rIns="90000" tIns="45000" bIns="45000"/>
+          <a:p>
+            <a:pPr marL="228600" indent="-227880">
               <a:lnSpc>
                 <a:spcPct val="90000"/>
               </a:lnSpc>
@@ -5573,7 +5143,7 @@
               <a:buChar char="•"/>
             </a:pPr>
             <a:r>
-              <a:rPr b="0" lang="zh-CN" sz="2400" spc="-1" strike="noStrike">
+              <a:rPr b="0" lang="en-US" sz="2400" spc="-1" strike="noStrike">
                 <a:solidFill>
                   <a:srgbClr val="000000"/>
                 </a:solidFill>
@@ -5582,7 +5152,7 @@
               <a:t>自定义菜单最多包括</a:t>
             </a:r>
             <a:r>
-              <a:rPr b="0" lang="zh-CN" sz="2400" spc="-1" strike="noStrike">
+              <a:rPr b="0" lang="en-US" sz="2400" spc="-1" strike="noStrike">
                 <a:solidFill>
                   <a:srgbClr val="000000"/>
                 </a:solidFill>
@@ -5591,7 +5161,7 @@
               <a:t>3</a:t>
             </a:r>
             <a:r>
-              <a:rPr b="0" lang="zh-CN" sz="2400" spc="-1" strike="noStrike">
+              <a:rPr b="0" lang="en-US" sz="2400" spc="-1" strike="noStrike">
                 <a:solidFill>
                   <a:srgbClr val="000000"/>
                 </a:solidFill>
@@ -5600,7 +5170,7 @@
               <a:t>个一级菜单，每个一级菜单最多包含</a:t>
             </a:r>
             <a:r>
-              <a:rPr b="0" lang="zh-CN" sz="2400" spc="-1" strike="noStrike">
+              <a:rPr b="0" lang="en-US" sz="2400" spc="-1" strike="noStrike">
                 <a:solidFill>
                   <a:srgbClr val="000000"/>
                 </a:solidFill>
@@ -5609,7 +5179,7 @@
               <a:t>5</a:t>
             </a:r>
             <a:r>
-              <a:rPr b="0" lang="zh-CN" sz="2400" spc="-1" strike="noStrike">
+              <a:rPr b="0" lang="en-US" sz="2400" spc="-1" strike="noStrike">
                 <a:solidFill>
                   <a:srgbClr val="000000"/>
                 </a:solidFill>
@@ -5617,11 +5187,8 @@
               </a:rPr>
               <a:t>个二级菜单。</a:t>
             </a:r>
-            <a:endParaRPr b="0" lang="zh-CN" sz="2400" spc="-1" strike="noStrike">
-              <a:solidFill>
-                <a:srgbClr val="000000"/>
-              </a:solidFill>
-              <a:latin typeface="Calibri"/>
+            <a:endParaRPr b="0" lang="en-US" sz="2400" spc="-1" strike="noStrike">
+              <a:latin typeface="Arial"/>
             </a:endParaRPr>
           </a:p>
           <a:p>
@@ -5633,15 +5200,12 @@
                 <a:spcPts val="1001"/>
               </a:spcBef>
             </a:pPr>
-            <a:endParaRPr b="0" lang="zh-CN" sz="2400" spc="-1" strike="noStrike">
-              <a:solidFill>
-                <a:srgbClr val="000000"/>
-              </a:solidFill>
-              <a:latin typeface="Calibri"/>
-            </a:endParaRPr>
-          </a:p>
-          <a:p>
-            <a:pPr marL="228600" indent="-228240">
+            <a:endParaRPr b="0" lang="en-US" sz="2400" spc="-1" strike="noStrike">
+              <a:latin typeface="Arial"/>
+            </a:endParaRPr>
+          </a:p>
+          <a:p>
+            <a:pPr marL="228600" indent="-227880">
               <a:lnSpc>
                 <a:spcPct val="90000"/>
               </a:lnSpc>
@@ -5655,7 +5219,7 @@
               <a:buChar char="•"/>
             </a:pPr>
             <a:r>
-              <a:rPr b="0" lang="zh-CN" sz="2400" spc="-1" strike="noStrike">
+              <a:rPr b="0" lang="en-US" sz="2400" spc="-1" strike="noStrike">
                 <a:solidFill>
                   <a:srgbClr val="000000"/>
                 </a:solidFill>
@@ -5664,7 +5228,7 @@
               <a:t>一级菜单最多</a:t>
             </a:r>
             <a:r>
-              <a:rPr b="0" lang="zh-CN" sz="2400" spc="-1" strike="noStrike">
+              <a:rPr b="0" lang="en-US" sz="2400" spc="-1" strike="noStrike">
                 <a:solidFill>
                   <a:srgbClr val="000000"/>
                 </a:solidFill>
@@ -5673,7 +5237,7 @@
               <a:t>4</a:t>
             </a:r>
             <a:r>
-              <a:rPr b="0" lang="zh-CN" sz="2400" spc="-1" strike="noStrike">
+              <a:rPr b="0" lang="en-US" sz="2400" spc="-1" strike="noStrike">
                 <a:solidFill>
                   <a:srgbClr val="000000"/>
                 </a:solidFill>
@@ -5682,7 +5246,7 @@
               <a:t>个汉字，二级菜单最多</a:t>
             </a:r>
             <a:r>
-              <a:rPr b="0" lang="zh-CN" sz="2400" spc="-1" strike="noStrike">
+              <a:rPr b="0" lang="en-US" sz="2400" spc="-1" strike="noStrike">
                 <a:solidFill>
                   <a:srgbClr val="000000"/>
                 </a:solidFill>
@@ -5691,7 +5255,7 @@
               <a:t>7</a:t>
             </a:r>
             <a:r>
-              <a:rPr b="0" lang="zh-CN" sz="2400" spc="-1" strike="noStrike">
+              <a:rPr b="0" lang="en-US" sz="2400" spc="-1" strike="noStrike">
                 <a:solidFill>
                   <a:srgbClr val="000000"/>
                 </a:solidFill>
@@ -5700,7 +5264,7 @@
               <a:t>个汉字，多出来的部分将会以“</a:t>
             </a:r>
             <a:r>
-              <a:rPr b="0" lang="zh-CN" sz="2400" spc="-1" strike="noStrike">
+              <a:rPr b="0" lang="en-US" sz="2400" spc="-1" strike="noStrike">
                 <a:solidFill>
                   <a:srgbClr val="000000"/>
                 </a:solidFill>
@@ -5709,7 +5273,7 @@
               <a:t>...”</a:t>
             </a:r>
             <a:r>
-              <a:rPr b="0" lang="zh-CN" sz="2400" spc="-1" strike="noStrike">
+              <a:rPr b="0" lang="en-US" sz="2400" spc="-1" strike="noStrike">
                 <a:solidFill>
                   <a:srgbClr val="000000"/>
                 </a:solidFill>
@@ -5717,11 +5281,8 @@
               </a:rPr>
               <a:t>代替。</a:t>
             </a:r>
-            <a:endParaRPr b="0" lang="zh-CN" sz="2400" spc="-1" strike="noStrike">
-              <a:solidFill>
-                <a:srgbClr val="000000"/>
-              </a:solidFill>
-              <a:latin typeface="Calibri"/>
+            <a:endParaRPr b="0" lang="en-US" sz="2400" spc="-1" strike="noStrike">
+              <a:latin typeface="Arial"/>
             </a:endParaRPr>
           </a:p>
           <a:p>
@@ -5733,11 +5294,8 @@
                 <a:spcPts val="1001"/>
               </a:spcBef>
             </a:pPr>
-            <a:endParaRPr b="0" lang="zh-CN" sz="2400" spc="-1" strike="noStrike">
-              <a:solidFill>
-                <a:srgbClr val="000000"/>
-              </a:solidFill>
-              <a:latin typeface="Calibri"/>
+            <a:endParaRPr b="0" lang="en-US" sz="2400" spc="-1" strike="noStrike">
+              <a:latin typeface="Arial"/>
             </a:endParaRPr>
           </a:p>
         </p:txBody>
@@ -5793,7 +5351,7 @@
       </p:grpSpPr>
       <p:pic>
         <p:nvPicPr>
-          <p:cNvPr id="89" name="内容占位符 3" descr=""/>
+          <p:cNvPr id="83" name="内容占位符 3" descr=""/>
           <p:cNvPicPr/>
           <p:nvPr/>
         </p:nvPicPr>
@@ -5804,7 +5362,7 @@
         <p:spPr>
           <a:xfrm>
             <a:off x="1310760" y="25920"/>
-            <a:ext cx="9570240" cy="6768720"/>
+            <a:ext cx="9569880" cy="6768360"/>
           </a:xfrm>
           <a:prstGeom prst="rect">
             <a:avLst/>
@@ -5865,14 +5423,14 @@
       </p:grpSpPr>
       <p:sp>
         <p:nvSpPr>
-          <p:cNvPr id="90" name="TextShape 1"/>
-          <p:cNvSpPr txBox="1"/>
+          <p:cNvPr id="84" name="CustomShape 1"/>
+          <p:cNvSpPr/>
           <p:nvPr/>
         </p:nvSpPr>
         <p:spPr>
           <a:xfrm>
             <a:off x="838080" y="365040"/>
-            <a:ext cx="10515240" cy="791640"/>
+            <a:ext cx="10514880" cy="791280"/>
           </a:xfrm>
           <a:prstGeom prst="rect">
             <a:avLst/>
@@ -5882,8 +5440,14 @@
             <a:noFill/>
           </a:ln>
         </p:spPr>
-        <p:txBody>
-          <a:bodyPr anchor="ctr"/>
+        <p:style>
+          <a:lnRef idx="0"/>
+          <a:fillRef idx="0"/>
+          <a:effectRef idx="0"/>
+          <a:fontRef idx="minor"/>
+        </p:style>
+        <p:txBody>
+          <a:bodyPr lIns="90000" rIns="90000" tIns="45000" bIns="45000" anchor="ctr"/>
           <a:p>
             <a:pPr>
               <a:lnSpc>
@@ -5891,7 +5455,7 @@
               </a:lnSpc>
             </a:pPr>
             <a:r>
-              <a:rPr b="0" lang="zh-CN" sz="3600" spc="-1" strike="noStrike">
+              <a:rPr b="0" lang="en-US" sz="3600" spc="-1" strike="noStrike">
                 <a:solidFill>
                   <a:srgbClr val="000000"/>
                 </a:solidFill>
@@ -5899,25 +5463,22 @@
               </a:rPr>
               <a:t>自定义菜单接口</a:t>
             </a:r>
-            <a:endParaRPr b="0" lang="zh-CN" sz="3600" spc="-1" strike="noStrike">
-              <a:solidFill>
-                <a:srgbClr val="000000"/>
-              </a:solidFill>
-              <a:latin typeface="Calibri"/>
-            </a:endParaRPr>
-          </a:p>
-        </p:txBody>
-      </p:sp>
-      <p:sp>
-        <p:nvSpPr>
-          <p:cNvPr id="91" name="TextShape 2"/>
-          <p:cNvSpPr txBox="1"/>
+            <a:endParaRPr b="0" lang="en-US" sz="3600" spc="-1" strike="noStrike">
+              <a:latin typeface="Arial"/>
+            </a:endParaRPr>
+          </a:p>
+        </p:txBody>
+      </p:sp>
+      <p:sp>
+        <p:nvSpPr>
+          <p:cNvPr id="85" name="CustomShape 2"/>
+          <p:cNvSpPr/>
           <p:nvPr/>
         </p:nvSpPr>
         <p:spPr>
           <a:xfrm>
             <a:off x="838080" y="1335960"/>
-            <a:ext cx="11231640" cy="5019480"/>
+            <a:ext cx="11231280" cy="5019120"/>
           </a:xfrm>
           <a:prstGeom prst="rect">
             <a:avLst/>
@@ -5927,12 +5488,18 @@
             <a:noFill/>
           </a:ln>
         </p:spPr>
-        <p:txBody>
-          <a:bodyPr>
+        <p:style>
+          <a:lnRef idx="0"/>
+          <a:fillRef idx="0"/>
+          <a:effectRef idx="0"/>
+          <a:fontRef idx="minor"/>
+        </p:style>
+        <p:txBody>
+          <a:bodyPr lIns="90000" rIns="90000" tIns="45000" bIns="45000">
             <a:normAutofit/>
           </a:bodyPr>
           <a:p>
-            <a:pPr marL="228600" indent="-228240">
+            <a:pPr marL="228600" indent="-227880">
               <a:lnSpc>
                 <a:spcPct val="110000"/>
               </a:lnSpc>
@@ -5946,7 +5513,7 @@
               <a:buChar char="•"/>
             </a:pPr>
             <a:r>
-              <a:rPr b="0" lang="zh-CN" sz="2400" spc="-1" strike="noStrike">
+              <a:rPr b="0" lang="en-US" sz="2400" spc="-1" strike="noStrike">
                 <a:solidFill>
                   <a:srgbClr val="000000"/>
                 </a:solidFill>
@@ -5955,7 +5522,7 @@
               <a:t>URL</a:t>
             </a:r>
             <a:r>
-              <a:rPr b="0" lang="zh-CN" sz="2400" spc="-1" strike="noStrike">
+              <a:rPr b="0" lang="en-US" sz="2400" spc="-1" strike="noStrike">
                 <a:solidFill>
                   <a:srgbClr val="000000"/>
                 </a:solidFill>
@@ -5963,11 +5530,8 @@
               </a:rPr>
               <a:t>：</a:t>
             </a:r>
-            <a:endParaRPr b="0" lang="zh-CN" sz="2400" spc="-1" strike="noStrike">
-              <a:solidFill>
-                <a:srgbClr val="000000"/>
-              </a:solidFill>
-              <a:latin typeface="Calibri"/>
+            <a:endParaRPr b="0" lang="en-US" sz="2400" spc="-1" strike="noStrike">
+              <a:latin typeface="Arial"/>
             </a:endParaRPr>
           </a:p>
           <a:p>
@@ -5980,7 +5544,7 @@
               </a:spcBef>
             </a:pPr>
             <a:r>
-              <a:rPr b="0" lang="zh-CN" sz="2000" spc="-1" strike="noStrike">
+              <a:rPr b="0" lang="en-US" sz="2000" spc="-1" strike="noStrike">
                 <a:solidFill>
                   <a:srgbClr val="000000"/>
                 </a:solidFill>
@@ -5988,15 +5552,12 @@
               </a:rPr>
               <a:t>https://api.weixin.qq.com/cgi-bin/menu/create?access_token=ACCESS_TOKEN</a:t>
             </a:r>
-            <a:endParaRPr b="0" lang="zh-CN" sz="2000" spc="-1" strike="noStrike">
-              <a:solidFill>
-                <a:srgbClr val="000000"/>
-              </a:solidFill>
-              <a:latin typeface="Calibri"/>
-            </a:endParaRPr>
-          </a:p>
-          <a:p>
-            <a:pPr marL="228600" indent="-228240">
+            <a:endParaRPr b="0" lang="en-US" sz="2000" spc="-1" strike="noStrike">
+              <a:latin typeface="Arial"/>
+            </a:endParaRPr>
+          </a:p>
+          <a:p>
+            <a:pPr marL="228600" indent="-227880">
               <a:lnSpc>
                 <a:spcPct val="110000"/>
               </a:lnSpc>
@@ -6010,7 +5571,7 @@
               <a:buChar char="•"/>
             </a:pPr>
             <a:r>
-              <a:rPr b="0" lang="zh-CN" sz="2400" spc="-1" strike="noStrike">
+              <a:rPr b="0" lang="en-US" sz="2400" spc="-1" strike="noStrike">
                 <a:solidFill>
                   <a:srgbClr val="000000"/>
                 </a:solidFill>
@@ -6019,7 +5580,7 @@
               <a:t>请求类型：</a:t>
             </a:r>
             <a:r>
-              <a:rPr b="0" lang="zh-CN" sz="2400" spc="-1" strike="noStrike">
+              <a:rPr b="0" lang="en-US" sz="2400" spc="-1" strike="noStrike">
                 <a:solidFill>
                   <a:srgbClr val="000000"/>
                 </a:solidFill>
@@ -6028,7 +5589,7 @@
               <a:t>POST</a:t>
             </a:r>
             <a:r>
-              <a:rPr b="0" lang="zh-CN" sz="2400" spc="-1" strike="noStrike">
+              <a:rPr b="0" lang="en-US" sz="2400" spc="-1" strike="noStrike">
                 <a:solidFill>
                   <a:srgbClr val="000000"/>
                 </a:solidFill>
@@ -6036,11 +5597,8 @@
               </a:rPr>
               <a:t>。</a:t>
             </a:r>
-            <a:endParaRPr b="0" lang="zh-CN" sz="2400" spc="-1" strike="noStrike">
-              <a:solidFill>
-                <a:srgbClr val="000000"/>
-              </a:solidFill>
-              <a:latin typeface="Calibri"/>
+            <a:endParaRPr b="0" lang="en-US" sz="2400" spc="-1" strike="noStrike">
+              <a:latin typeface="Arial"/>
             </a:endParaRPr>
           </a:p>
           <a:p>
@@ -6052,11 +5610,8 @@
                 <a:spcPts val="1001"/>
               </a:spcBef>
             </a:pPr>
-            <a:endParaRPr b="0" lang="zh-CN" sz="2400" spc="-1" strike="noStrike">
-              <a:solidFill>
-                <a:srgbClr val="000000"/>
-              </a:solidFill>
-              <a:latin typeface="Calibri"/>
+            <a:endParaRPr b="0" lang="en-US" sz="2400" spc="-1" strike="noStrike">
+              <a:latin typeface="Arial"/>
             </a:endParaRPr>
           </a:p>
           <a:p>
@@ -6068,11 +5623,8 @@
                 <a:spcPts val="1001"/>
               </a:spcBef>
             </a:pPr>
-            <a:endParaRPr b="0" lang="zh-CN" sz="2400" spc="-1" strike="noStrike">
-              <a:solidFill>
-                <a:srgbClr val="000000"/>
-              </a:solidFill>
-              <a:latin typeface="Calibri"/>
+            <a:endParaRPr b="0" lang="en-US" sz="2400" spc="-1" strike="noStrike">
+              <a:latin typeface="Arial"/>
             </a:endParaRPr>
           </a:p>
         </p:txBody>
@@ -6128,14 +5680,14 @@
       </p:grpSpPr>
       <p:sp>
         <p:nvSpPr>
-          <p:cNvPr id="92" name="TextShape 1"/>
-          <p:cNvSpPr txBox="1"/>
+          <p:cNvPr id="86" name="CustomShape 1"/>
+          <p:cNvSpPr/>
           <p:nvPr/>
         </p:nvSpPr>
         <p:spPr>
           <a:xfrm>
             <a:off x="838080" y="365040"/>
-            <a:ext cx="10515240" cy="791640"/>
+            <a:ext cx="10514880" cy="791280"/>
           </a:xfrm>
           <a:prstGeom prst="rect">
             <a:avLst/>
@@ -6145,8 +5697,14 @@
             <a:noFill/>
           </a:ln>
         </p:spPr>
-        <p:txBody>
-          <a:bodyPr anchor="ctr"/>
+        <p:style>
+          <a:lnRef idx="0"/>
+          <a:fillRef idx="0"/>
+          <a:effectRef idx="0"/>
+          <a:fontRef idx="minor"/>
+        </p:style>
+        <p:txBody>
+          <a:bodyPr lIns="90000" rIns="90000" tIns="45000" bIns="45000" anchor="ctr"/>
           <a:p>
             <a:pPr>
               <a:lnSpc>
@@ -6154,7 +5712,7 @@
               </a:lnSpc>
             </a:pPr>
             <a:r>
-              <a:rPr b="0" lang="zh-CN" sz="3600" spc="-1" strike="noStrike">
+              <a:rPr b="0" lang="en-US" sz="3600" spc="-1" strike="noStrike">
                 <a:solidFill>
                   <a:srgbClr val="000000"/>
                 </a:solidFill>
@@ -6162,25 +5720,22 @@
               </a:rPr>
               <a:t>自定义菜单接口</a:t>
             </a:r>
-            <a:endParaRPr b="0" lang="zh-CN" sz="3600" spc="-1" strike="noStrike">
-              <a:solidFill>
-                <a:srgbClr val="000000"/>
-              </a:solidFill>
-              <a:latin typeface="Calibri"/>
-            </a:endParaRPr>
-          </a:p>
-        </p:txBody>
-      </p:sp>
-      <p:sp>
-        <p:nvSpPr>
-          <p:cNvPr id="93" name="TextShape 2"/>
-          <p:cNvSpPr txBox="1"/>
+            <a:endParaRPr b="0" lang="en-US" sz="3600" spc="-1" strike="noStrike">
+              <a:latin typeface="Arial"/>
+            </a:endParaRPr>
+          </a:p>
+        </p:txBody>
+      </p:sp>
+      <p:sp>
+        <p:nvSpPr>
+          <p:cNvPr id="87" name="CustomShape 2"/>
+          <p:cNvSpPr/>
           <p:nvPr/>
         </p:nvSpPr>
         <p:spPr>
           <a:xfrm>
             <a:off x="838080" y="1195200"/>
-            <a:ext cx="10515240" cy="5338080"/>
+            <a:ext cx="10514880" cy="5337720"/>
           </a:xfrm>
           <a:prstGeom prst="rect">
             <a:avLst/>
@@ -6190,12 +5745,18 @@
             <a:noFill/>
           </a:ln>
         </p:spPr>
-        <p:txBody>
-          <a:bodyPr>
+        <p:style>
+          <a:lnRef idx="0"/>
+          <a:fillRef idx="0"/>
+          <a:effectRef idx="0"/>
+          <a:fontRef idx="minor"/>
+        </p:style>
+        <p:txBody>
+          <a:bodyPr lIns="90000" rIns="90000" tIns="45000" bIns="45000">
             <a:normAutofit/>
           </a:bodyPr>
           <a:p>
-            <a:pPr marL="228600" indent="-228240">
+            <a:pPr marL="228600" indent="-227880">
               <a:lnSpc>
                 <a:spcPct val="110000"/>
               </a:lnSpc>
@@ -6209,7 +5770,7 @@
               <a:buChar char="•"/>
             </a:pPr>
             <a:r>
-              <a:rPr b="0" lang="zh-CN" sz="2400" spc="-1" strike="noStrike">
+              <a:rPr b="0" lang="en-US" sz="2400" spc="-1" strike="noStrike">
                 <a:solidFill>
                   <a:srgbClr val="000000"/>
                 </a:solidFill>
@@ -6217,11 +5778,8 @@
               </a:rPr>
               <a:t>请求提交的数据格式（详细参数说明参考开发者文档）：</a:t>
             </a:r>
-            <a:endParaRPr b="0" lang="zh-CN" sz="2400" spc="-1" strike="noStrike">
-              <a:solidFill>
-                <a:srgbClr val="000000"/>
-              </a:solidFill>
-              <a:latin typeface="Calibri"/>
+            <a:endParaRPr b="0" lang="en-US" sz="2400" spc="-1" strike="noStrike">
+              <a:latin typeface="Arial"/>
             </a:endParaRPr>
           </a:p>
           <a:p>
@@ -6231,19 +5789,16 @@
               </a:lnSpc>
             </a:pPr>
             <a:r>
-              <a:rPr b="0" lang="zh-CN" sz="2400" spc="-1" strike="noStrike">
-                <a:solidFill>
-                  <a:srgbClr val="000000"/>
-                </a:solidFill>
-                <a:latin typeface="FreeMono"/>
+              <a:rPr b="0" lang="en-US" sz="2400" spc="-1" strike="noStrike">
+                <a:solidFill>
+                  <a:srgbClr val="000000"/>
+                </a:solidFill>
+                <a:latin typeface="Courier10 BT"/>
               </a:rPr>
               <a:t>{</a:t>
             </a:r>
-            <a:endParaRPr b="0" lang="zh-CN" sz="2400" spc="-1" strike="noStrike">
-              <a:solidFill>
-                <a:srgbClr val="000000"/>
-              </a:solidFill>
-              <a:latin typeface="Calibri"/>
+            <a:endParaRPr b="0" lang="en-US" sz="2400" spc="-1" strike="noStrike">
+              <a:latin typeface="Arial"/>
             </a:endParaRPr>
           </a:p>
           <a:p>
@@ -6253,28 +5808,25 @@
               </a:lnSpc>
             </a:pPr>
             <a:r>
-              <a:rPr b="0" lang="zh-CN" sz="2400" spc="-1" strike="noStrike">
-                <a:solidFill>
-                  <a:srgbClr val="000000"/>
-                </a:solidFill>
-                <a:latin typeface="FreeMono"/>
+              <a:rPr b="0" lang="en-US" sz="2400" spc="-1" strike="noStrike">
+                <a:solidFill>
+                  <a:srgbClr val="000000"/>
+                </a:solidFill>
+                <a:latin typeface="Courier10 BT"/>
               </a:rPr>
               <a:t>    </a:t>
             </a:r>
             <a:r>
-              <a:rPr b="0" lang="zh-CN" sz="2400" spc="-1" strike="noStrike">
-                <a:solidFill>
-                  <a:srgbClr val="000000"/>
-                </a:solidFill>
-                <a:latin typeface="FreeMono"/>
+              <a:rPr b="0" lang="en-US" sz="2400" spc="-1" strike="noStrike">
+                <a:solidFill>
+                  <a:srgbClr val="000000"/>
+                </a:solidFill>
+                <a:latin typeface="Courier10 BT"/>
               </a:rPr>
               <a:t>button : [</a:t>
             </a:r>
-            <a:endParaRPr b="0" lang="zh-CN" sz="2400" spc="-1" strike="noStrike">
-              <a:solidFill>
-                <a:srgbClr val="000000"/>
-              </a:solidFill>
-              <a:latin typeface="Calibri"/>
+            <a:endParaRPr b="0" lang="en-US" sz="2400" spc="-1" strike="noStrike">
+              <a:latin typeface="Arial"/>
             </a:endParaRPr>
           </a:p>
           <a:p>
@@ -6284,28 +5836,25 @@
               </a:lnSpc>
             </a:pPr>
             <a:r>
-              <a:rPr b="0" lang="zh-CN" sz="2400" spc="-1" strike="noStrike">
-                <a:solidFill>
-                  <a:srgbClr val="000000"/>
-                </a:solidFill>
-                <a:latin typeface="FreeMono"/>
+              <a:rPr b="0" lang="en-US" sz="2400" spc="-1" strike="noStrike">
+                <a:solidFill>
+                  <a:srgbClr val="000000"/>
+                </a:solidFill>
+                <a:latin typeface="Courier10 BT"/>
               </a:rPr>
               <a:t>        </a:t>
             </a:r>
             <a:r>
-              <a:rPr b="0" lang="zh-CN" sz="2400" spc="-1" strike="noStrike">
-                <a:solidFill>
-                  <a:srgbClr val="000000"/>
-                </a:solidFill>
-                <a:latin typeface="FreeMono"/>
+              <a:rPr b="0" lang="en-US" sz="2400" spc="-1" strike="noStrike">
+                <a:solidFill>
+                  <a:srgbClr val="000000"/>
+                </a:solidFill>
+                <a:latin typeface="Courier10 BT"/>
               </a:rPr>
               <a:t>{</a:t>
             </a:r>
-            <a:endParaRPr b="0" lang="zh-CN" sz="2400" spc="-1" strike="noStrike">
-              <a:solidFill>
-                <a:srgbClr val="000000"/>
-              </a:solidFill>
-              <a:latin typeface="Calibri"/>
+            <a:endParaRPr b="0" lang="en-US" sz="2400" spc="-1" strike="noStrike">
+              <a:latin typeface="Arial"/>
             </a:endParaRPr>
           </a:p>
           <a:p>
@@ -6315,46 +5864,43 @@
               </a:lnSpc>
             </a:pPr>
             <a:r>
-              <a:rPr b="0" lang="zh-CN" sz="2400" spc="-1" strike="noStrike">
-                <a:solidFill>
-                  <a:srgbClr val="000000"/>
-                </a:solidFill>
-                <a:latin typeface="FreeMono"/>
+              <a:rPr b="0" lang="en-US" sz="2400" spc="-1" strike="noStrike">
+                <a:solidFill>
+                  <a:srgbClr val="000000"/>
+                </a:solidFill>
+                <a:latin typeface="Courier10 BT"/>
               </a:rPr>
               <a:t>            </a:t>
             </a:r>
             <a:r>
-              <a:rPr b="0" lang="zh-CN" sz="2400" spc="-1" strike="noStrike">
-                <a:solidFill>
-                  <a:srgbClr val="000000"/>
-                </a:solidFill>
-                <a:latin typeface="FreeMono"/>
+              <a:rPr b="0" lang="en-US" sz="2400" spc="-1" strike="noStrike">
+                <a:solidFill>
+                  <a:srgbClr val="000000"/>
+                </a:solidFill>
+                <a:latin typeface="Courier10 BT"/>
               </a:rPr>
               <a:t>"name" : "</a:t>
             </a:r>
             <a:r>
-              <a:rPr b="0" lang="zh-CN" sz="2400" spc="-1" strike="noStrike">
-                <a:solidFill>
-                  <a:srgbClr val="000000"/>
-                </a:solidFill>
-                <a:latin typeface="FreeMono"/>
+              <a:rPr b="0" lang="en-US" sz="2400" spc="-1" strike="noStrike">
+                <a:solidFill>
+                  <a:srgbClr val="000000"/>
+                </a:solidFill>
+                <a:latin typeface="Courier10 BT"/>
               </a:rPr>
               <a:t>发图</a:t>
             </a:r>
             <a:r>
-              <a:rPr b="0" lang="zh-CN" sz="2400" spc="-1" strike="noStrike">
-                <a:solidFill>
-                  <a:srgbClr val="000000"/>
-                </a:solidFill>
-                <a:latin typeface="FreeMono"/>
+              <a:rPr b="0" lang="en-US" sz="2400" spc="-1" strike="noStrike">
+                <a:solidFill>
+                  <a:srgbClr val="000000"/>
+                </a:solidFill>
+                <a:latin typeface="Courier10 BT"/>
               </a:rPr>
               <a:t>",</a:t>
             </a:r>
-            <a:endParaRPr b="0" lang="zh-CN" sz="2400" spc="-1" strike="noStrike">
-              <a:solidFill>
-                <a:srgbClr val="000000"/>
-              </a:solidFill>
-              <a:latin typeface="Calibri"/>
+            <a:endParaRPr b="0" lang="en-US" sz="2400" spc="-1" strike="noStrike">
+              <a:latin typeface="Arial"/>
             </a:endParaRPr>
           </a:p>
           <a:p>
@@ -6364,28 +5910,25 @@
               </a:lnSpc>
             </a:pPr>
             <a:r>
-              <a:rPr b="0" lang="zh-CN" sz="2400" spc="-1" strike="noStrike">
-                <a:solidFill>
-                  <a:srgbClr val="000000"/>
-                </a:solidFill>
-                <a:latin typeface="FreeMono"/>
+              <a:rPr b="0" lang="en-US" sz="2400" spc="-1" strike="noStrike">
+                <a:solidFill>
+                  <a:srgbClr val="000000"/>
+                </a:solidFill>
+                <a:latin typeface="Courier10 BT"/>
               </a:rPr>
               <a:t>            </a:t>
             </a:r>
             <a:r>
-              <a:rPr b="0" lang="zh-CN" sz="2400" spc="-1" strike="noStrike">
-                <a:solidFill>
-                  <a:srgbClr val="000000"/>
-                </a:solidFill>
-                <a:latin typeface="FreeMono"/>
+              <a:rPr b="0" lang="en-US" sz="2400" spc="-1" strike="noStrike">
+                <a:solidFill>
+                  <a:srgbClr val="000000"/>
+                </a:solidFill>
+                <a:latin typeface="Courier10 BT"/>
               </a:rPr>
               <a:t>"type" : "pic_weixin",</a:t>
             </a:r>
-            <a:endParaRPr b="0" lang="zh-CN" sz="2400" spc="-1" strike="noStrike">
-              <a:solidFill>
-                <a:srgbClr val="000000"/>
-              </a:solidFill>
-              <a:latin typeface="Calibri"/>
+            <a:endParaRPr b="0" lang="en-US" sz="2400" spc="-1" strike="noStrike">
+              <a:latin typeface="Arial"/>
             </a:endParaRPr>
           </a:p>
           <a:p>
@@ -6395,28 +5938,25 @@
               </a:lnSpc>
             </a:pPr>
             <a:r>
-              <a:rPr b="0" lang="zh-CN" sz="2400" spc="-1" strike="noStrike">
-                <a:solidFill>
-                  <a:srgbClr val="000000"/>
-                </a:solidFill>
-                <a:latin typeface="FreeMono"/>
+              <a:rPr b="0" lang="en-US" sz="2400" spc="-1" strike="noStrike">
+                <a:solidFill>
+                  <a:srgbClr val="000000"/>
+                </a:solidFill>
+                <a:latin typeface="Courier10 BT"/>
               </a:rPr>
               <a:t>            </a:t>
             </a:r>
             <a:r>
-              <a:rPr b="0" lang="zh-CN" sz="2400" spc="-1" strike="noStrike">
-                <a:solidFill>
-                  <a:srgbClr val="000000"/>
-                </a:solidFill>
-                <a:latin typeface="FreeMono"/>
+              <a:rPr b="0" lang="en-US" sz="2400" spc="-1" strike="noStrike">
+                <a:solidFill>
+                  <a:srgbClr val="000000"/>
+                </a:solidFill>
+                <a:latin typeface="Courier10 BT"/>
               </a:rPr>
               <a:t>"key"  : "my-image"</a:t>
             </a:r>
-            <a:endParaRPr b="0" lang="zh-CN" sz="2400" spc="-1" strike="noStrike">
-              <a:solidFill>
-                <a:srgbClr val="000000"/>
-              </a:solidFill>
-              <a:latin typeface="Calibri"/>
+            <a:endParaRPr b="0" lang="en-US" sz="2400" spc="-1" strike="noStrike">
+              <a:latin typeface="Arial"/>
             </a:endParaRPr>
           </a:p>
           <a:p>
@@ -6426,28 +5966,25 @@
               </a:lnSpc>
             </a:pPr>
             <a:r>
-              <a:rPr b="0" lang="zh-CN" sz="2400" spc="-1" strike="noStrike">
-                <a:solidFill>
-                  <a:srgbClr val="000000"/>
-                </a:solidFill>
-                <a:latin typeface="FreeMono"/>
+              <a:rPr b="0" lang="en-US" sz="2400" spc="-1" strike="noStrike">
+                <a:solidFill>
+                  <a:srgbClr val="000000"/>
+                </a:solidFill>
+                <a:latin typeface="Courier10 BT"/>
               </a:rPr>
               <a:t>        </a:t>
             </a:r>
             <a:r>
-              <a:rPr b="0" lang="zh-CN" sz="2400" spc="-1" strike="noStrike">
-                <a:solidFill>
-                  <a:srgbClr val="000000"/>
-                </a:solidFill>
-                <a:latin typeface="FreeMono"/>
+              <a:rPr b="0" lang="en-US" sz="2400" spc="-1" strike="noStrike">
+                <a:solidFill>
+                  <a:srgbClr val="000000"/>
+                </a:solidFill>
+                <a:latin typeface="Courier10 BT"/>
               </a:rPr>
               <a:t>},</a:t>
             </a:r>
-            <a:endParaRPr b="0" lang="zh-CN" sz="2400" spc="-1" strike="noStrike">
-              <a:solidFill>
-                <a:srgbClr val="000000"/>
-              </a:solidFill>
-              <a:latin typeface="Calibri"/>
+            <a:endParaRPr b="0" lang="en-US" sz="2400" spc="-1" strike="noStrike">
+              <a:latin typeface="Arial"/>
             </a:endParaRPr>
           </a:p>
           <a:p>
@@ -6457,28 +5994,25 @@
               </a:lnSpc>
             </a:pPr>
             <a:r>
-              <a:rPr b="0" lang="zh-CN" sz="2400" spc="-1" strike="noStrike">
-                <a:solidFill>
-                  <a:srgbClr val="000000"/>
-                </a:solidFill>
-                <a:latin typeface="FreeMono"/>
+              <a:rPr b="0" lang="en-US" sz="2400" spc="-1" strike="noStrike">
+                <a:solidFill>
+                  <a:srgbClr val="000000"/>
+                </a:solidFill>
+                <a:latin typeface="Courier10 BT"/>
               </a:rPr>
               <a:t>        </a:t>
             </a:r>
             <a:r>
-              <a:rPr b="0" lang="zh-CN" sz="2400" spc="-1" strike="noStrike">
-                <a:solidFill>
-                  <a:srgbClr val="000000"/>
-                </a:solidFill>
-                <a:latin typeface="FreeMono"/>
+              <a:rPr b="0" lang="en-US" sz="2400" spc="-1" strike="noStrike">
+                <a:solidFill>
+                  <a:srgbClr val="000000"/>
+                </a:solidFill>
+                <a:latin typeface="Courier10 BT"/>
               </a:rPr>
               <a:t>{</a:t>
             </a:r>
-            <a:endParaRPr b="0" lang="zh-CN" sz="2400" spc="-1" strike="noStrike">
-              <a:solidFill>
-                <a:srgbClr val="000000"/>
-              </a:solidFill>
-              <a:latin typeface="Calibri"/>
+            <a:endParaRPr b="0" lang="en-US" sz="2400" spc="-1" strike="noStrike">
+              <a:latin typeface="Arial"/>
             </a:endParaRPr>
           </a:p>
           <a:p>
@@ -6488,46 +6022,43 @@
               </a:lnSpc>
             </a:pPr>
             <a:r>
-              <a:rPr b="0" lang="zh-CN" sz="2400" spc="-1" strike="noStrike">
-                <a:solidFill>
-                  <a:srgbClr val="000000"/>
-                </a:solidFill>
-                <a:latin typeface="FreeMono"/>
+              <a:rPr b="0" lang="en-US" sz="2400" spc="-1" strike="noStrike">
+                <a:solidFill>
+                  <a:srgbClr val="000000"/>
+                </a:solidFill>
+                <a:latin typeface="Courier10 BT"/>
               </a:rPr>
               <a:t>            </a:t>
             </a:r>
             <a:r>
-              <a:rPr b="0" lang="zh-CN" sz="2400" spc="-1" strike="noStrike">
-                <a:solidFill>
-                  <a:srgbClr val="000000"/>
-                </a:solidFill>
-                <a:latin typeface="FreeMono"/>
+              <a:rPr b="0" lang="en-US" sz="2400" spc="-1" strike="noStrike">
+                <a:solidFill>
+                  <a:srgbClr val="000000"/>
+                </a:solidFill>
+                <a:latin typeface="Courier10 BT"/>
               </a:rPr>
               <a:t>"name" : "</a:t>
             </a:r>
             <a:r>
-              <a:rPr b="0" lang="zh-CN" sz="2400" spc="-1" strike="noStrike">
-                <a:solidFill>
-                  <a:srgbClr val="000000"/>
-                </a:solidFill>
-                <a:latin typeface="FreeMono"/>
+              <a:rPr b="0" lang="en-US" sz="2400" spc="-1" strike="noStrike">
+                <a:solidFill>
+                  <a:srgbClr val="000000"/>
+                </a:solidFill>
+                <a:latin typeface="Courier10 BT"/>
               </a:rPr>
               <a:t>关于我们</a:t>
             </a:r>
             <a:r>
-              <a:rPr b="0" lang="zh-CN" sz="2400" spc="-1" strike="noStrike">
-                <a:solidFill>
-                  <a:srgbClr val="000000"/>
-                </a:solidFill>
-                <a:latin typeface="FreeMono"/>
+              <a:rPr b="0" lang="en-US" sz="2400" spc="-1" strike="noStrike">
+                <a:solidFill>
+                  <a:srgbClr val="000000"/>
+                </a:solidFill>
+                <a:latin typeface="Courier10 BT"/>
               </a:rPr>
               <a:t>",</a:t>
             </a:r>
-            <a:endParaRPr b="0" lang="zh-CN" sz="2400" spc="-1" strike="noStrike">
-              <a:solidFill>
-                <a:srgbClr val="000000"/>
-              </a:solidFill>
-              <a:latin typeface="Calibri"/>
+            <a:endParaRPr b="0" lang="en-US" sz="2400" spc="-1" strike="noStrike">
+              <a:latin typeface="Arial"/>
             </a:endParaRPr>
           </a:p>
           <a:p>
@@ -6537,28 +6068,25 @@
               </a:lnSpc>
             </a:pPr>
             <a:r>
-              <a:rPr b="0" lang="zh-CN" sz="2400" spc="-1" strike="noStrike">
-                <a:solidFill>
-                  <a:srgbClr val="000000"/>
-                </a:solidFill>
-                <a:latin typeface="FreeMono"/>
+              <a:rPr b="0" lang="en-US" sz="2400" spc="-1" strike="noStrike">
+                <a:solidFill>
+                  <a:srgbClr val="000000"/>
+                </a:solidFill>
+                <a:latin typeface="Courier10 BT"/>
               </a:rPr>
               <a:t>            </a:t>
             </a:r>
             <a:r>
-              <a:rPr b="0" lang="zh-CN" sz="2400" spc="-1" strike="noStrike">
-                <a:solidFill>
-                  <a:srgbClr val="000000"/>
-                </a:solidFill>
-                <a:latin typeface="FreeMono"/>
+              <a:rPr b="0" lang="en-US" sz="2400" spc="-1" strike="noStrike">
+                <a:solidFill>
+                  <a:srgbClr val="000000"/>
+                </a:solidFill>
+                <a:latin typeface="Courier10 BT"/>
               </a:rPr>
               <a:t>"type" : "click",</a:t>
             </a:r>
-            <a:endParaRPr b="0" lang="zh-CN" sz="2400" spc="-1" strike="noStrike">
-              <a:solidFill>
-                <a:srgbClr val="000000"/>
-              </a:solidFill>
-              <a:latin typeface="Calibri"/>
+            <a:endParaRPr b="0" lang="en-US" sz="2400" spc="-1" strike="noStrike">
+              <a:latin typeface="Arial"/>
             </a:endParaRPr>
           </a:p>
           <a:p>
@@ -6568,28 +6096,25 @@
               </a:lnSpc>
             </a:pPr>
             <a:r>
-              <a:rPr b="0" lang="zh-CN" sz="2400" spc="-1" strike="noStrike">
-                <a:solidFill>
-                  <a:srgbClr val="000000"/>
-                </a:solidFill>
-                <a:latin typeface="FreeMono"/>
+              <a:rPr b="0" lang="en-US" sz="2400" spc="-1" strike="noStrike">
+                <a:solidFill>
+                  <a:srgbClr val="000000"/>
+                </a:solidFill>
+                <a:latin typeface="Courier10 BT"/>
               </a:rPr>
               <a:t>            </a:t>
             </a:r>
             <a:r>
-              <a:rPr b="0" lang="zh-CN" sz="2400" spc="-1" strike="noStrike">
-                <a:solidFill>
-                  <a:srgbClr val="000000"/>
-                </a:solidFill>
-                <a:latin typeface="FreeMono"/>
+              <a:rPr b="0" lang="en-US" sz="2400" spc="-1" strike="noStrike">
+                <a:solidFill>
+                  <a:srgbClr val="000000"/>
+                </a:solidFill>
+                <a:latin typeface="Courier10 BT"/>
               </a:rPr>
               <a:t>"key"  : "about-us"</a:t>
             </a:r>
-            <a:endParaRPr b="0" lang="zh-CN" sz="2400" spc="-1" strike="noStrike">
-              <a:solidFill>
-                <a:srgbClr val="000000"/>
-              </a:solidFill>
-              <a:latin typeface="Calibri"/>
+            <a:endParaRPr b="0" lang="en-US" sz="2400" spc="-1" strike="noStrike">
+              <a:latin typeface="Arial"/>
             </a:endParaRPr>
           </a:p>
           <a:p>
@@ -6599,28 +6124,25 @@
               </a:lnSpc>
             </a:pPr>
             <a:r>
-              <a:rPr b="0" lang="zh-CN" sz="2400" spc="-1" strike="noStrike">
-                <a:solidFill>
-                  <a:srgbClr val="000000"/>
-                </a:solidFill>
-                <a:latin typeface="FreeMono"/>
+              <a:rPr b="0" lang="en-US" sz="2400" spc="-1" strike="noStrike">
+                <a:solidFill>
+                  <a:srgbClr val="000000"/>
+                </a:solidFill>
+                <a:latin typeface="Courier10 BT"/>
               </a:rPr>
               <a:t>        </a:t>
             </a:r>
             <a:r>
-              <a:rPr b="0" lang="zh-CN" sz="2400" spc="-1" strike="noStrike">
-                <a:solidFill>
-                  <a:srgbClr val="000000"/>
-                </a:solidFill>
-                <a:latin typeface="FreeMono"/>
+              <a:rPr b="0" lang="en-US" sz="2400" spc="-1" strike="noStrike">
+                <a:solidFill>
+                  <a:srgbClr val="000000"/>
+                </a:solidFill>
+                <a:latin typeface="Courier10 BT"/>
               </a:rPr>
               <a:t>}</a:t>
             </a:r>
-            <a:endParaRPr b="0" lang="zh-CN" sz="2400" spc="-1" strike="noStrike">
-              <a:solidFill>
-                <a:srgbClr val="000000"/>
-              </a:solidFill>
-              <a:latin typeface="Calibri"/>
+            <a:endParaRPr b="0" lang="en-US" sz="2400" spc="-1" strike="noStrike">
+              <a:latin typeface="Arial"/>
             </a:endParaRPr>
           </a:p>
           <a:p>
@@ -6630,28 +6152,25 @@
               </a:lnSpc>
             </a:pPr>
             <a:r>
-              <a:rPr b="0" lang="zh-CN" sz="2400" spc="-1" strike="noStrike">
-                <a:solidFill>
-                  <a:srgbClr val="000000"/>
-                </a:solidFill>
-                <a:latin typeface="FreeMono"/>
+              <a:rPr b="0" lang="en-US" sz="2400" spc="-1" strike="noStrike">
+                <a:solidFill>
+                  <a:srgbClr val="000000"/>
+                </a:solidFill>
+                <a:latin typeface="Courier10 BT"/>
               </a:rPr>
               <a:t>    </a:t>
             </a:r>
             <a:r>
-              <a:rPr b="0" lang="zh-CN" sz="2400" spc="-1" strike="noStrike">
-                <a:solidFill>
-                  <a:srgbClr val="000000"/>
-                </a:solidFill>
-                <a:latin typeface="FreeMono"/>
+              <a:rPr b="0" lang="en-US" sz="2400" spc="-1" strike="noStrike">
+                <a:solidFill>
+                  <a:srgbClr val="000000"/>
+                </a:solidFill>
+                <a:latin typeface="Courier10 BT"/>
               </a:rPr>
               <a:t>]</a:t>
             </a:r>
-            <a:endParaRPr b="0" lang="zh-CN" sz="2400" spc="-1" strike="noStrike">
-              <a:solidFill>
-                <a:srgbClr val="000000"/>
-              </a:solidFill>
-              <a:latin typeface="Calibri"/>
+            <a:endParaRPr b="0" lang="en-US" sz="2400" spc="-1" strike="noStrike">
+              <a:latin typeface="Arial"/>
             </a:endParaRPr>
           </a:p>
           <a:p>
@@ -6661,19 +6180,16 @@
               </a:lnSpc>
             </a:pPr>
             <a:r>
-              <a:rPr b="0" lang="zh-CN" sz="2400" spc="-1" strike="noStrike">
-                <a:solidFill>
-                  <a:srgbClr val="000000"/>
-                </a:solidFill>
-                <a:latin typeface="FreeMono"/>
+              <a:rPr b="0" lang="en-US" sz="2400" spc="-1" strike="noStrike">
+                <a:solidFill>
+                  <a:srgbClr val="000000"/>
+                </a:solidFill>
+                <a:latin typeface="Courier10 BT"/>
               </a:rPr>
               <a:t>}</a:t>
             </a:r>
-            <a:endParaRPr b="0" lang="zh-CN" sz="2400" spc="-1" strike="noStrike">
-              <a:solidFill>
-                <a:srgbClr val="000000"/>
-              </a:solidFill>
-              <a:latin typeface="Calibri"/>
+            <a:endParaRPr b="0" lang="en-US" sz="2400" spc="-1" strike="noStrike">
+              <a:latin typeface="Arial"/>
             </a:endParaRPr>
           </a:p>
         </p:txBody>
@@ -6729,14 +6245,14 @@
       </p:grpSpPr>
       <p:sp>
         <p:nvSpPr>
-          <p:cNvPr id="94" name="TextShape 1"/>
-          <p:cNvSpPr txBox="1"/>
+          <p:cNvPr id="88" name="CustomShape 1"/>
+          <p:cNvSpPr/>
           <p:nvPr/>
         </p:nvSpPr>
         <p:spPr>
           <a:xfrm>
             <a:off x="838080" y="365040"/>
-            <a:ext cx="10515240" cy="791640"/>
+            <a:ext cx="10514880" cy="791280"/>
           </a:xfrm>
           <a:prstGeom prst="rect">
             <a:avLst/>
@@ -6746,8 +6262,14 @@
             <a:noFill/>
           </a:ln>
         </p:spPr>
-        <p:txBody>
-          <a:bodyPr anchor="ctr"/>
+        <p:style>
+          <a:lnRef idx="0"/>
+          <a:fillRef idx="0"/>
+          <a:effectRef idx="0"/>
+          <a:fontRef idx="minor"/>
+        </p:style>
+        <p:txBody>
+          <a:bodyPr lIns="90000" rIns="90000" tIns="45000" bIns="45000" anchor="ctr"/>
           <a:p>
             <a:pPr>
               <a:lnSpc>
@@ -6755,42 +6277,30 @@
               </a:lnSpc>
             </a:pPr>
             <a:r>
-              <a:rPr b="0" lang="zh-CN" sz="3600" spc="-1" strike="noStrike">
+              <a:rPr b="0" lang="en-US" sz="3600" spc="-1" strike="noStrike">
                 <a:solidFill>
                   <a:srgbClr val="000000"/>
                 </a:solidFill>
                 <a:latin typeface="Calibri Light"/>
               </a:rPr>
-              <a:t>自定义菜单接口</a:t>
-            </a:r>
-            <a:r>
-              <a:rPr b="0" lang="zh-CN" sz="3600" spc="-1" strike="noStrike">
-                <a:solidFill>
-                  <a:srgbClr val="000000"/>
-                </a:solidFill>
-                <a:latin typeface="Calibri Light"/>
-              </a:rPr>
-              <a:t>返回值</a:t>
-            </a:r>
-            <a:endParaRPr b="0" lang="zh-CN" sz="3600" spc="-1" strike="noStrike">
-              <a:solidFill>
-                <a:srgbClr val="000000"/>
-              </a:solidFill>
-              <a:latin typeface="Calibri"/>
-            </a:endParaRPr>
-          </a:p>
-        </p:txBody>
-      </p:sp>
-      <p:sp>
-        <p:nvSpPr>
-          <p:cNvPr id="95" name="TextShape 2"/>
-          <p:cNvSpPr txBox="1"/>
+              <a:t>自定义菜单接口返回值</a:t>
+            </a:r>
+            <a:endParaRPr b="0" lang="en-US" sz="3600" spc="-1" strike="noStrike">
+              <a:latin typeface="Arial"/>
+            </a:endParaRPr>
+          </a:p>
+        </p:txBody>
+      </p:sp>
+      <p:sp>
+        <p:nvSpPr>
+          <p:cNvPr id="89" name="CustomShape 2"/>
+          <p:cNvSpPr/>
           <p:nvPr/>
         </p:nvSpPr>
         <p:spPr>
           <a:xfrm>
             <a:off x="838080" y="1195200"/>
-            <a:ext cx="10515240" cy="5338080"/>
+            <a:ext cx="10514880" cy="5337720"/>
           </a:xfrm>
           <a:prstGeom prst="rect">
             <a:avLst/>
@@ -6800,12 +6310,18 @@
             <a:noFill/>
           </a:ln>
         </p:spPr>
-        <p:txBody>
-          <a:bodyPr>
+        <p:style>
+          <a:lnRef idx="0"/>
+          <a:fillRef idx="0"/>
+          <a:effectRef idx="0"/>
+          <a:fontRef idx="minor"/>
+        </p:style>
+        <p:txBody>
+          <a:bodyPr lIns="90000" rIns="90000" tIns="45000" bIns="45000">
             <a:normAutofit/>
           </a:bodyPr>
           <a:p>
-            <a:pPr marL="228600" indent="-228240">
+            <a:pPr marL="228600" indent="-227880">
               <a:lnSpc>
                 <a:spcPct val="110000"/>
               </a:lnSpc>
@@ -6819,7 +6335,7 @@
               <a:buChar char="•"/>
             </a:pPr>
             <a:r>
-              <a:rPr b="0" lang="zh-CN" sz="2400" spc="-1" strike="noStrike">
+              <a:rPr b="0" lang="en-US" sz="2400" spc="-1" strike="noStrike">
                 <a:solidFill>
                   <a:srgbClr val="000000"/>
                 </a:solidFill>
@@ -6827,11 +6343,8 @@
               </a:rPr>
               <a:t>正确返回值：</a:t>
             </a:r>
-            <a:endParaRPr b="0" lang="zh-CN" sz="2400" spc="-1" strike="noStrike">
-              <a:solidFill>
-                <a:srgbClr val="000000"/>
-              </a:solidFill>
-              <a:latin typeface="Calibri"/>
+            <a:endParaRPr b="0" lang="en-US" sz="2400" spc="-1" strike="noStrike">
+              <a:latin typeface="Arial"/>
             </a:endParaRPr>
           </a:p>
           <a:p>
@@ -6844,7 +6357,7 @@
               </a:spcBef>
             </a:pPr>
             <a:r>
-              <a:rPr b="0" lang="zh-CN" sz="2400" spc="-1" strike="noStrike">
+              <a:rPr b="0" lang="en-US" sz="2400" spc="-1" strike="noStrike">
                 <a:solidFill>
                   <a:srgbClr val="000000"/>
                 </a:solidFill>
@@ -6852,11 +6365,8 @@
               </a:rPr>
               <a:t>{"errcode":0,"errmsg":"ok"}</a:t>
             </a:r>
-            <a:endParaRPr b="0" lang="zh-CN" sz="2400" spc="-1" strike="noStrike">
-              <a:solidFill>
-                <a:srgbClr val="000000"/>
-              </a:solidFill>
-              <a:latin typeface="Calibri"/>
+            <a:endParaRPr b="0" lang="en-US" sz="2400" spc="-1" strike="noStrike">
+              <a:latin typeface="Arial"/>
             </a:endParaRPr>
           </a:p>
           <a:p>
@@ -6868,15 +6378,12 @@
                 <a:spcPts val="499"/>
               </a:spcBef>
             </a:pPr>
-            <a:endParaRPr b="0" lang="zh-CN" sz="2400" spc="-1" strike="noStrike">
-              <a:solidFill>
-                <a:srgbClr val="000000"/>
-              </a:solidFill>
-              <a:latin typeface="Calibri"/>
-            </a:endParaRPr>
-          </a:p>
-          <a:p>
-            <a:pPr marL="228600" indent="-228240">
+            <a:endParaRPr b="0" lang="en-US" sz="2400" spc="-1" strike="noStrike">
+              <a:latin typeface="Arial"/>
+            </a:endParaRPr>
+          </a:p>
+          <a:p>
+            <a:pPr marL="228600" indent="-227880">
               <a:lnSpc>
                 <a:spcPct val="110000"/>
               </a:lnSpc>
@@ -6890,7 +6397,7 @@
               <a:buChar char="•"/>
             </a:pPr>
             <a:r>
-              <a:rPr b="0" lang="zh-CN" sz="2400" spc="-1" strike="noStrike">
+              <a:rPr b="0" lang="en-US" sz="2400" spc="-1" strike="noStrike">
                 <a:solidFill>
                   <a:srgbClr val="000000"/>
                 </a:solidFill>
@@ -6898,11 +6405,8 @@
               </a:rPr>
               <a:t>错误返回值（无效的名称长度）：</a:t>
             </a:r>
-            <a:endParaRPr b="0" lang="zh-CN" sz="2400" spc="-1" strike="noStrike">
-              <a:solidFill>
-                <a:srgbClr val="000000"/>
-              </a:solidFill>
-              <a:latin typeface="Calibri"/>
+            <a:endParaRPr b="0" lang="en-US" sz="2400" spc="-1" strike="noStrike">
+              <a:latin typeface="Arial"/>
             </a:endParaRPr>
           </a:p>
           <a:p>
@@ -6915,7 +6419,7 @@
               </a:spcBef>
             </a:pPr>
             <a:r>
-              <a:rPr b="0" lang="zh-CN" sz="2400" spc="-1" strike="noStrike">
+              <a:rPr b="0" lang="en-US" sz="2400" spc="-1" strike="noStrike">
                 <a:solidFill>
                   <a:srgbClr val="000000"/>
                 </a:solidFill>
@@ -6923,15 +6427,12 @@
               </a:rPr>
               <a:t>{"errcode":40018,"errmsg":"invalid button name size"}</a:t>
             </a:r>
-            <a:endParaRPr b="0" lang="zh-CN" sz="2400" spc="-1" strike="noStrike">
-              <a:solidFill>
-                <a:srgbClr val="000000"/>
-              </a:solidFill>
-              <a:latin typeface="Calibri"/>
-            </a:endParaRPr>
-          </a:p>
-          <a:p>
-            <a:pPr>
+            <a:endParaRPr b="0" lang="en-US" sz="2400" spc="-1" strike="noStrike">
+              <a:latin typeface="Arial"/>
+            </a:endParaRPr>
+          </a:p>
+          <a:p>
+            <a:pPr marL="457200">
               <a:lnSpc>
                 <a:spcPct val="110000"/>
               </a:lnSpc>
@@ -6939,15 +6440,12 @@
                 <a:spcPts val="1001"/>
               </a:spcBef>
             </a:pPr>
-            <a:endParaRPr b="0" lang="zh-CN" sz="2400" spc="-1" strike="noStrike">
-              <a:solidFill>
-                <a:srgbClr val="000000"/>
-              </a:solidFill>
-              <a:latin typeface="Calibri"/>
-            </a:endParaRPr>
-          </a:p>
-          <a:p>
-            <a:pPr marL="228600" indent="-228240">
+            <a:endParaRPr b="0" lang="en-US" sz="2400" spc="-1" strike="noStrike">
+              <a:latin typeface="Arial"/>
+            </a:endParaRPr>
+          </a:p>
+          <a:p>
+            <a:pPr marL="228600" indent="-227880">
               <a:lnSpc>
                 <a:spcPct val="110000"/>
               </a:lnSpc>
@@ -6961,7 +6459,7 @@
               <a:buChar char="•"/>
             </a:pPr>
             <a:r>
-              <a:rPr b="0" lang="zh-CN" sz="2400" spc="-1" strike="noStrike">
+              <a:rPr b="0" lang="en-US" sz="2400" spc="-1" strike="noStrike">
                 <a:solidFill>
                   <a:srgbClr val="000000"/>
                 </a:solidFill>
@@ -6970,7 +6468,7 @@
               <a:t>通过检测返回值的</a:t>
             </a:r>
             <a:r>
-              <a:rPr b="0" lang="zh-CN" sz="2400" spc="-1" strike="noStrike">
+              <a:rPr b="0" lang="en-US" sz="2400" spc="-1" strike="noStrike">
                 <a:solidFill>
                   <a:srgbClr val="000000"/>
                 </a:solidFill>
@@ -6979,7 +6477,7 @@
               <a:t>errcode</a:t>
             </a:r>
             <a:r>
-              <a:rPr b="0" lang="zh-CN" sz="2400" spc="-1" strike="noStrike">
+              <a:rPr b="0" lang="en-US" sz="2400" spc="-1" strike="noStrike">
                 <a:solidFill>
                   <a:srgbClr val="000000"/>
                 </a:solidFill>
@@ -6987,11 +6485,8 @@
               </a:rPr>
               <a:t>可以知道是否调用成功。</a:t>
             </a:r>
-            <a:endParaRPr b="0" lang="zh-CN" sz="2400" spc="-1" strike="noStrike">
-              <a:solidFill>
-                <a:srgbClr val="000000"/>
-              </a:solidFill>
-              <a:latin typeface="Calibri"/>
+            <a:endParaRPr b="0" lang="en-US" sz="2400" spc="-1" strike="noStrike">
+              <a:latin typeface="Arial"/>
             </a:endParaRPr>
           </a:p>
           <a:p>
@@ -7003,11 +6498,8 @@
                 <a:spcPts val="1001"/>
               </a:spcBef>
             </a:pPr>
-            <a:endParaRPr b="0" lang="zh-CN" sz="2400" spc="-1" strike="noStrike">
-              <a:solidFill>
-                <a:srgbClr val="000000"/>
-              </a:solidFill>
-              <a:latin typeface="Calibri"/>
+            <a:endParaRPr b="0" lang="en-US" sz="2400" spc="-1" strike="noStrike">
+              <a:latin typeface="Arial"/>
             </a:endParaRPr>
           </a:p>
         </p:txBody>
@@ -7063,14 +6555,14 @@
       </p:grpSpPr>
       <p:sp>
         <p:nvSpPr>
-          <p:cNvPr id="96" name="TextShape 1"/>
-          <p:cNvSpPr txBox="1"/>
+          <p:cNvPr id="90" name="CustomShape 1"/>
+          <p:cNvSpPr/>
           <p:nvPr/>
         </p:nvSpPr>
         <p:spPr>
           <a:xfrm>
             <a:off x="838080" y="365040"/>
-            <a:ext cx="10515240" cy="791640"/>
+            <a:ext cx="10514880" cy="791280"/>
           </a:xfrm>
           <a:prstGeom prst="rect">
             <a:avLst/>
@@ -7080,8 +6572,14 @@
             <a:noFill/>
           </a:ln>
         </p:spPr>
-        <p:txBody>
-          <a:bodyPr anchor="ctr"/>
+        <p:style>
+          <a:lnRef idx="0"/>
+          <a:fillRef idx="0"/>
+          <a:effectRef idx="0"/>
+          <a:fontRef idx="minor"/>
+        </p:style>
+        <p:txBody>
+          <a:bodyPr lIns="90000" rIns="90000" tIns="45000" bIns="45000" anchor="ctr"/>
           <a:p>
             <a:pPr>
               <a:lnSpc>
@@ -7089,7 +6587,7 @@
               </a:lnSpc>
             </a:pPr>
             <a:r>
-              <a:rPr b="0" lang="zh-CN" sz="3600" spc="-1" strike="noStrike">
+              <a:rPr b="0" lang="en-US" sz="3600" spc="-1" strike="noStrike">
                 <a:solidFill>
                   <a:srgbClr val="000000"/>
                 </a:solidFill>
@@ -7097,18 +6595,15 @@
               </a:rPr>
               <a:t>测试号结果</a:t>
             </a:r>
-            <a:endParaRPr b="0" lang="zh-CN" sz="3600" spc="-1" strike="noStrike">
-              <a:solidFill>
-                <a:srgbClr val="000000"/>
-              </a:solidFill>
-              <a:latin typeface="Calibri"/>
+            <a:endParaRPr b="0" lang="en-US" sz="3600" spc="-1" strike="noStrike">
+              <a:latin typeface="Arial"/>
             </a:endParaRPr>
           </a:p>
         </p:txBody>
       </p:sp>
       <p:pic>
         <p:nvPicPr>
-          <p:cNvPr id="97" name="内容占位符 3" descr=""/>
+          <p:cNvPr id="91" name="内容占位符 3" descr=""/>
           <p:cNvPicPr/>
           <p:nvPr/>
         </p:nvPicPr>
@@ -7119,7 +6614,7 @@
         <p:spPr>
           <a:xfrm>
             <a:off x="920880" y="3073320"/>
-            <a:ext cx="3884040" cy="3525840"/>
+            <a:ext cx="3883680" cy="3525480"/>
           </a:xfrm>
           <a:prstGeom prst="rect">
             <a:avLst/>
@@ -7131,7 +6626,7 @@
       </p:pic>
       <p:pic>
         <p:nvPicPr>
-          <p:cNvPr id="98" name="图片 4" descr=""/>
+          <p:cNvPr id="92" name="图片 4" descr=""/>
           <p:cNvPicPr/>
           <p:nvPr/>
         </p:nvPicPr>
@@ -7142,7 +6637,7 @@
         <p:spPr>
           <a:xfrm>
             <a:off x="7700040" y="12600"/>
-            <a:ext cx="4137480" cy="6840000"/>
+            <a:ext cx="4137120" cy="6839640"/>
           </a:xfrm>
           <a:prstGeom prst="rect">
             <a:avLst/>
@@ -7154,14 +6649,14 @@
       </p:pic>
       <p:sp>
         <p:nvSpPr>
-          <p:cNvPr id="99" name="CustomShape 2"/>
+          <p:cNvPr id="93" name="CustomShape 2"/>
           <p:cNvSpPr/>
           <p:nvPr/>
         </p:nvSpPr>
         <p:spPr>
           <a:xfrm>
             <a:off x="1055520" y="1623600"/>
-            <a:ext cx="4136760" cy="821160"/>
+            <a:ext cx="4136400" cy="820800"/>
           </a:xfrm>
           <a:prstGeom prst="rect">
             <a:avLst/>
@@ -7180,7 +6675,7 @@
         <p:txBody>
           <a:bodyPr lIns="90000" rIns="90000" tIns="45000" bIns="45000"/>
           <a:p>
-            <a:pPr marL="343080" indent="-342720">
+            <a:pPr marL="343080" indent="-342360">
               <a:lnSpc>
                 <a:spcPct val="100000"/>
               </a:lnSpc>
@@ -7196,6 +6691,7 @@
                   <a:srgbClr val="000000"/>
                 </a:solidFill>
                 <a:latin typeface="Calibri"/>
+                <a:ea typeface="DejaVu Sans"/>
               </a:rPr>
               <a:t>扫码关注测试号查看效果。</a:t>
             </a:r>
